--- a/developer/session-5/session-5-agentic-frameworks.pptx
+++ b/developer/session-5/session-5-agentic-frameworks.pptx
@@ -6,7 +6,7 @@
   </p:sldMasterIdLst>
   <p:sldIdLst>
     <p:sldId id="256" r:id="rId7"/>
-    <p:sldId id="257" r:id="rId8"/>
+    <p:sldId id="257" r:id="rId9"/>
     <p:sldId id="258" r:id="rId10"/>
     <p:sldId id="259" r:id="rId11"/>
     <p:sldId id="260" r:id="rId12"/>
@@ -16,6 +16,8 @@
     <p:sldId id="264" r:id="rId16"/>
     <p:sldId id="265" r:id="rId17"/>
     <p:sldId id="266" r:id="rId18"/>
+    <p:sldId id="267" r:id="rId19"/>
+    <p:sldId id="268" r:id="rId20"/>
   </p:sldIdLst>
   <p:sldSz cx="12191695" cy="6858000" type="screen4x3"/>
   <p:notesSz cx="6858000" cy="9144000"/>
@@ -512,7 +514,287 @@
           <a:lstStyle/>
           <a:p>
             <a:r>
-              <a:t>If your code calls an LLM once and returns the result, that's not an agent. If it calls an LLM, the LLM decides to search, reads results, decides it needs more info, searches again, then summarizes — THAT's an agent.</a:t>
+              <a:t>Welcome to Session 5. ReAct loop, LangGraph, CrewAI, multi-agent, and agentic coding</a:t>
+            </a:r>
+          </a:p>
+        </p:txBody>
+      </p:sp>
+      <p:sp>
+        <p:nvSpPr>
+          <p:cNvPr id="4" name="Slide Number Placeholder 3"/>
+          <p:cNvSpPr>
+            <a:spLocks noGrp="1"/>
+          </p:cNvSpPr>
+          <p:nvPr>
+            <p:ph type="sldNum" idx="5" sz="quarter"/>
+          </p:nvPr>
+        </p:nvSpPr>
+        <p:spPr/>
+      </p:sp>
+    </p:spTree>
+  </p:cSld>
+  <p:clrMapOvr>
+    <a:masterClrMapping/>
+  </p:clrMapOvr>
+</p:notes>
+</file>
+
+<file path=ppt/notesSlides/notesSlide10.xml><?xml version="1.0" encoding="utf-8"?>
+<p:notes xmlns:a="http://schemas.openxmlformats.org/drawingml/2006/main" xmlns:p="http://schemas.openxmlformats.org/presentationml/2006/main" xmlns:r="http://schemas.openxmlformats.org/officeDocument/2006/relationships">
+  <p:cSld>
+    <p:spTree>
+      <p:nvGrpSpPr>
+        <p:cNvPr id="1" name=""/>
+        <p:cNvGrpSpPr/>
+        <p:nvPr/>
+      </p:nvGrpSpPr>
+      <p:grpSpPr>
+        <a:xfrm>
+          <a:off x="0" y="0"/>
+          <a:ext cx="0" cy="0"/>
+          <a:chOff x="0" y="0"/>
+          <a:chExt cx="0" cy="0"/>
+        </a:xfrm>
+      </p:grpSpPr>
+      <p:sp>
+        <p:nvSpPr>
+          <p:cNvPr id="2" name="Slide Image Placeholder 1"/>
+          <p:cNvSpPr>
+            <a:spLocks noGrp="1"/>
+          </p:cNvSpPr>
+          <p:nvPr>
+            <p:ph type="sldImg" idx="2"/>
+          </p:nvPr>
+        </p:nvSpPr>
+        <p:spPr/>
+      </p:sp>
+      <p:sp>
+        <p:nvSpPr>
+          <p:cNvPr id="3" name="Notes Placeholder 2"/>
+          <p:cNvSpPr>
+            <a:spLocks noGrp="1"/>
+          </p:cNvSpPr>
+          <p:nvPr>
+            <p:ph type="body" idx="3" sz="quarter"/>
+          </p:nvPr>
+        </p:nvSpPr>
+        <p:spPr/>
+        <p:txBody>
+          <a:bodyPr/>
+          <a:lstStyle/>
+          <a:p>
+            <a:r>
+              <a:t>Both are production-quality. Codex is async/cloud. Claude Code is interactive/local. Cursor and Copilot also popular.</a:t>
+            </a:r>
+          </a:p>
+        </p:txBody>
+      </p:sp>
+      <p:sp>
+        <p:nvSpPr>
+          <p:cNvPr id="4" name="Slide Number Placeholder 3"/>
+          <p:cNvSpPr>
+            <a:spLocks noGrp="1"/>
+          </p:cNvSpPr>
+          <p:nvPr>
+            <p:ph type="sldNum" idx="5" sz="quarter"/>
+          </p:nvPr>
+        </p:nvSpPr>
+        <p:spPr/>
+      </p:sp>
+    </p:spTree>
+  </p:cSld>
+  <p:clrMapOvr>
+    <a:masterClrMapping/>
+  </p:clrMapOvr>
+</p:notes>
+</file>
+
+<file path=ppt/notesSlides/notesSlide11.xml><?xml version="1.0" encoding="utf-8"?>
+<p:notes xmlns:a="http://schemas.openxmlformats.org/drawingml/2006/main" xmlns:p="http://schemas.openxmlformats.org/presentationml/2006/main" xmlns:r="http://schemas.openxmlformats.org/officeDocument/2006/relationships">
+  <p:cSld>
+    <p:spTree>
+      <p:nvGrpSpPr>
+        <p:cNvPr id="1" name=""/>
+        <p:cNvGrpSpPr/>
+        <p:nvPr/>
+      </p:nvGrpSpPr>
+      <p:grpSpPr>
+        <a:xfrm>
+          <a:off x="0" y="0"/>
+          <a:ext cx="0" cy="0"/>
+          <a:chOff x="0" y="0"/>
+          <a:chExt cx="0" cy="0"/>
+        </a:xfrm>
+      </p:grpSpPr>
+      <p:sp>
+        <p:nvSpPr>
+          <p:cNvPr id="2" name="Slide Image Placeholder 1"/>
+          <p:cNvSpPr>
+            <a:spLocks noGrp="1"/>
+          </p:cNvSpPr>
+          <p:nvPr>
+            <p:ph type="sldImg" idx="2"/>
+          </p:nvPr>
+        </p:nvSpPr>
+        <p:spPr/>
+      </p:sp>
+      <p:sp>
+        <p:nvSpPr>
+          <p:cNvPr id="3" name="Notes Placeholder 2"/>
+          <p:cNvSpPr>
+            <a:spLocks noGrp="1"/>
+          </p:cNvSpPr>
+          <p:nvPr>
+            <p:ph type="body" idx="3" sz="quarter"/>
+          </p:nvPr>
+        </p:nvSpPr>
+        <p:spPr/>
+        <p:txBody>
+          <a:bodyPr/>
+          <a:lstStyle/>
+          <a:p>
+            <a:r>
+              <a:t>Brief mention of Cursor and Copilot. Detailed comparison in Session 8.</a:t>
+            </a:r>
+          </a:p>
+        </p:txBody>
+      </p:sp>
+      <p:sp>
+        <p:nvSpPr>
+          <p:cNvPr id="4" name="Slide Number Placeholder 3"/>
+          <p:cNvSpPr>
+            <a:spLocks noGrp="1"/>
+          </p:cNvSpPr>
+          <p:nvPr>
+            <p:ph type="sldNum" idx="5" sz="quarter"/>
+          </p:nvPr>
+        </p:nvSpPr>
+        <p:spPr/>
+      </p:sp>
+    </p:spTree>
+  </p:cSld>
+  <p:clrMapOvr>
+    <a:masterClrMapping/>
+  </p:clrMapOvr>
+</p:notes>
+</file>
+
+<file path=ppt/notesSlides/notesSlide12.xml><?xml version="1.0" encoding="utf-8"?>
+<p:notes xmlns:a="http://schemas.openxmlformats.org/drawingml/2006/main" xmlns:p="http://schemas.openxmlformats.org/presentationml/2006/main" xmlns:r="http://schemas.openxmlformats.org/officeDocument/2006/relationships">
+  <p:cSld>
+    <p:spTree>
+      <p:nvGrpSpPr>
+        <p:cNvPr id="1" name=""/>
+        <p:cNvGrpSpPr/>
+        <p:nvPr/>
+      </p:nvGrpSpPr>
+      <p:grpSpPr>
+        <a:xfrm>
+          <a:off x="0" y="0"/>
+          <a:ext cx="0" cy="0"/>
+          <a:chOff x="0" y="0"/>
+          <a:chExt cx="0" cy="0"/>
+        </a:xfrm>
+      </p:grpSpPr>
+      <p:sp>
+        <p:nvSpPr>
+          <p:cNvPr id="2" name="Slide Image Placeholder 1"/>
+          <p:cNvSpPr>
+            <a:spLocks noGrp="1"/>
+          </p:cNvSpPr>
+          <p:nvPr>
+            <p:ph type="sldImg" idx="2"/>
+          </p:nvPr>
+        </p:nvSpPr>
+        <p:spPr/>
+      </p:sp>
+      <p:sp>
+        <p:nvSpPr>
+          <p:cNvPr id="3" name="Notes Placeholder 2"/>
+          <p:cNvSpPr>
+            <a:spLocks noGrp="1"/>
+          </p:cNvSpPr>
+          <p:nvPr>
+            <p:ph type="body" idx="3" sz="quarter"/>
+          </p:nvPr>
+        </p:nvSpPr>
+        <p:spPr/>
+        <p:txBody>
+          <a:bodyPr/>
+          <a:lstStyle/>
+          <a:p>
+            <a:r>
+              <a:t>Hands-on. Students run the LangGraph agent, observe the ReAct loop in action.</a:t>
+            </a:r>
+          </a:p>
+        </p:txBody>
+      </p:sp>
+      <p:sp>
+        <p:nvSpPr>
+          <p:cNvPr id="4" name="Slide Number Placeholder 3"/>
+          <p:cNvSpPr>
+            <a:spLocks noGrp="1"/>
+          </p:cNvSpPr>
+          <p:nvPr>
+            <p:ph type="sldNum" idx="5" sz="quarter"/>
+          </p:nvPr>
+        </p:nvSpPr>
+        <p:spPr/>
+      </p:sp>
+    </p:spTree>
+  </p:cSld>
+  <p:clrMapOvr>
+    <a:masterClrMapping/>
+  </p:clrMapOvr>
+</p:notes>
+</file>
+
+<file path=ppt/notesSlides/notesSlide13.xml><?xml version="1.0" encoding="utf-8"?>
+<p:notes xmlns:a="http://schemas.openxmlformats.org/drawingml/2006/main" xmlns:p="http://schemas.openxmlformats.org/presentationml/2006/main" xmlns:r="http://schemas.openxmlformats.org/officeDocument/2006/relationships">
+  <p:cSld>
+    <p:spTree>
+      <p:nvGrpSpPr>
+        <p:cNvPr id="1" name=""/>
+        <p:cNvGrpSpPr/>
+        <p:nvPr/>
+      </p:nvGrpSpPr>
+      <p:grpSpPr>
+        <a:xfrm>
+          <a:off x="0" y="0"/>
+          <a:ext cx="0" cy="0"/>
+          <a:chOff x="0" y="0"/>
+          <a:chExt cx="0" cy="0"/>
+        </a:xfrm>
+      </p:grpSpPr>
+      <p:sp>
+        <p:nvSpPr>
+          <p:cNvPr id="2" name="Slide Image Placeholder 1"/>
+          <p:cNvSpPr>
+            <a:spLocks noGrp="1"/>
+          </p:cNvSpPr>
+          <p:nvPr>
+            <p:ph type="sldImg" idx="2"/>
+          </p:nvPr>
+        </p:nvSpPr>
+        <p:spPr/>
+      </p:sp>
+      <p:sp>
+        <p:nvSpPr>
+          <p:cNvPr id="3" name="Notes Placeholder 2"/>
+          <p:cNvSpPr>
+            <a:spLocks noGrp="1"/>
+          </p:cNvSpPr>
+          <p:nvPr>
+            <p:ph type="body" idx="3" sz="quarter"/>
+          </p:nvPr>
+        </p:nvSpPr>
+        <p:spPr/>
+        <p:txBody>
+          <a:bodyPr/>
+          <a:lstStyle/>
+          <a:p>
+            <a:r>
+              <a:t>Recap. Agents are the future but start simple.</a:t>
             </a:r>
           </a:p>
         </p:txBody>
@@ -582,7 +864,7 @@
           <a:lstStyle/>
           <a:p>
             <a:r>
-              <a:t>Before any framework, see that an agent is a while loop. LLM decides to call a tool or give a final answer. Execute tool, feed result back, repeat. Every framework is scaffolding around this.</a:t>
+              <a:t>Agents are the biggest shift in how we use LLMs. The model becomes a decision-maker, not just a responder.</a:t>
             </a:r>
           </a:p>
         </p:txBody>
@@ -652,7 +934,7 @@
           <a:lstStyle/>
           <a:p>
             <a:r>
-              <a:t>Pick based on use case, not hype. LangGraph for complex workflows. Raw SDK for simple cases. Most production apps don't need a framework at all.</a:t>
+              <a:t>ReAct is the foundational agent pattern. Draw the loop diagram on the whiteboard.</a:t>
             </a:r>
           </a:p>
         </p:txBody>
@@ -722,7 +1004,7 @@
           <a:lstStyle/>
           <a:p>
             <a:r>
-              <a:t>LangGraph: define state, tools, agent node, routing logic, build graph. More boilerplate than while loop but gives persistence, streaming, human-in-the-loop for free.</a:t>
+              <a:t>Framework landscape. LangGraph is the most mature. OpenAI SDK is simplest. CrewAI is great for multi-agent.</a:t>
             </a:r>
           </a:p>
         </p:txBody>
@@ -792,7 +1074,7 @@
           <a:lstStyle/>
           <a:p>
             <a:r>
-              <a:t>Pydantic AI: agents return typed, validated data. Model-agnostic — swap providers with one line. From the creators of Pydantic/FastAPI.</a:t>
+              <a:t>LangGraph is the recommended framework for complex agents. Graph abstraction is powerful.</a:t>
             </a:r>
           </a:p>
         </p:txBody>
@@ -862,7 +1144,7 @@
           <a:lstStyle/>
           <a:p>
             <a:r>
-              <a:t>Four patterns. Sequential is simplest. Supervisor for task delegation. Debate for quality. Swarm for dynamic routing. Start simple.</a:t>
+              <a:t>LangGraph agent definition. State is a TypedDict. Nodes are functions. Conditional edges route the flow.</a:t>
             </a:r>
           </a:p>
         </p:txBody>
@@ -932,7 +1214,7 @@
           <a:lstStyle/>
           <a:p>
             <a:r>
-              <a:t>Memory separates toy from useful. LangGraph has built-in checkpointing. For production use PostgresSaver.</a:t>
+              <a:t>Compile the graph and invoke it. The agent loops between reasoning and tool use until it decides to stop.</a:t>
             </a:r>
           </a:p>
         </p:txBody>
@@ -1002,7 +1284,77 @@
           <a:lstStyle/>
           <a:p>
             <a:r>
-              <a:t>Do NOT let agents delete files, send emails, or make API calls without human approval. LangGraph's interrupt_before pauses the graph at any node. Start with human oversight for everything.</a:t>
+              <a:t>Multi-agent is powerful but complex. Start with single agents, add more only when needed.</a:t>
+            </a:r>
+          </a:p>
+        </p:txBody>
+      </p:sp>
+      <p:sp>
+        <p:nvSpPr>
+          <p:cNvPr id="4" name="Slide Number Placeholder 3"/>
+          <p:cNvSpPr>
+            <a:spLocks noGrp="1"/>
+          </p:cNvSpPr>
+          <p:nvPr>
+            <p:ph type="sldNum" idx="5" sz="quarter"/>
+          </p:nvPr>
+        </p:nvSpPr>
+        <p:spPr/>
+      </p:sp>
+    </p:spTree>
+  </p:cSld>
+  <p:clrMapOvr>
+    <a:masterClrMapping/>
+  </p:clrMapOvr>
+</p:notes>
+</file>
+
+<file path=ppt/notesSlides/notesSlide9.xml><?xml version="1.0" encoding="utf-8"?>
+<p:notes xmlns:a="http://schemas.openxmlformats.org/drawingml/2006/main" xmlns:p="http://schemas.openxmlformats.org/presentationml/2006/main" xmlns:r="http://schemas.openxmlformats.org/officeDocument/2006/relationships">
+  <p:cSld>
+    <p:spTree>
+      <p:nvGrpSpPr>
+        <p:cNvPr id="1" name=""/>
+        <p:cNvGrpSpPr/>
+        <p:nvPr/>
+      </p:nvGrpSpPr>
+      <p:grpSpPr>
+        <a:xfrm>
+          <a:off x="0" y="0"/>
+          <a:ext cx="0" cy="0"/>
+          <a:chOff x="0" y="0"/>
+          <a:chExt cx="0" cy="0"/>
+        </a:xfrm>
+      </p:grpSpPr>
+      <p:sp>
+        <p:nvSpPr>
+          <p:cNvPr id="2" name="Slide Image Placeholder 1"/>
+          <p:cNvSpPr>
+            <a:spLocks noGrp="1"/>
+          </p:cNvSpPr>
+          <p:nvPr>
+            <p:ph type="sldImg" idx="2"/>
+          </p:nvPr>
+        </p:nvSpPr>
+        <p:spPr/>
+      </p:sp>
+      <p:sp>
+        <p:nvSpPr>
+          <p:cNvPr id="3" name="Notes Placeholder 2"/>
+          <p:cNvSpPr>
+            <a:spLocks noGrp="1"/>
+          </p:cNvSpPr>
+          <p:nvPr>
+            <p:ph type="body" idx="3" sz="quarter"/>
+          </p:nvPr>
+        </p:nvSpPr>
+        <p:spPr/>
+        <p:txBody>
+          <a:bodyPr/>
+          <a:lstStyle/>
+          <a:p>
+            <a:r>
+              <a:t>Memory is often over-engineered. Start simple. Add long-term only when you have a real need.</a:t>
             </a:r>
           </a:p>
         </p:txBody>
@@ -4024,8 +4376,8 @@
         </p:nvSpPr>
         <p:spPr>
           <a:xfrm>
-            <a:off x="914400" y="731520"/>
-            <a:ext cx="10058400" cy="548640"/>
+            <a:off x="914400" y="1828800"/>
+            <a:ext cx="10362895" cy="1371600"/>
           </a:xfrm>
           <a:prstGeom prst="rect">
             <a:avLst/>
@@ -4039,14 +4391,14 @@
           <a:lstStyle/>
           <a:p>
             <a:pPr algn="l">
-              <a:defRPr sz="1600" b="1">
-                <a:solidFill>
-                  <a:srgbClr val="0096D6"/>
+              <a:defRPr sz="4400" b="1">
+                <a:solidFill>
+                  <a:srgbClr val="FFFFFF"/>
                 </a:solidFill>
               </a:defRPr>
             </a:pPr>
             <a:r>
-              <a:t>SESSION 5</a:t>
+              <a:t>Agentic AI &amp; Frameworks</a:t>
             </a:r>
           </a:p>
         </p:txBody>
@@ -4059,8 +4411,8 @@
         </p:nvSpPr>
         <p:spPr>
           <a:xfrm>
-            <a:off x="914400" y="1371600"/>
-            <a:ext cx="10058400" cy="1371600"/>
+            <a:off x="914400" y="3291840"/>
+            <a:ext cx="10362895" cy="914400"/>
           </a:xfrm>
           <a:prstGeom prst="rect">
             <a:avLst/>
@@ -4073,15 +4425,15 @@
           </a:bodyPr>
           <a:lstStyle/>
           <a:p>
-            <a:pPr>
-              <a:defRPr sz="4000" b="1">
-                <a:solidFill>
-                  <a:srgbClr val="FFFFFF"/>
+            <a:pPr algn="l">
+              <a:defRPr sz="2200">
+                <a:solidFill>
+                  <a:srgbClr val="0096D6"/>
                 </a:solidFill>
               </a:defRPr>
             </a:pPr>
             <a:r>
-              <a:t>Agentic AI &amp; Frameworks</a:t>
+              <a:t>ReAct loop, LangGraph, CrewAI, multi-agent, and agentic coding</a:t>
             </a:r>
           </a:p>
         </p:txBody>
@@ -4094,8 +4446,8 @@
         </p:nvSpPr>
         <p:spPr>
           <a:xfrm>
-            <a:off x="914400" y="2743200"/>
-            <a:ext cx="10058400" cy="457200"/>
+            <a:off x="914400" y="4572000"/>
+            <a:ext cx="10362895" cy="548640"/>
           </a:xfrm>
           <a:prstGeom prst="rect">
             <a:avLst/>
@@ -4108,113 +4460,15 @@
           </a:bodyPr>
           <a:lstStyle/>
           <a:p>
-            <a:pPr>
-              <a:defRPr sz="1800">
-                <a:solidFill>
-                  <a:srgbClr val="88AACC"/>
+            <a:pPr algn="l">
+              <a:defRPr sz="1400">
+                <a:solidFill>
+                  <a:srgbClr val="8899BB"/>
                 </a:solidFill>
               </a:defRPr>
             </a:pPr>
             <a:r>
-              <a:t>Cut the Crap — AI Engineer Edition</a:t>
-            </a:r>
-          </a:p>
-        </p:txBody>
-      </p:sp>
-      <p:sp>
-        <p:nvSpPr>
-          <p:cNvPr id="5" name="TextBox 4"/>
-          <p:cNvSpPr txBox="1"/>
-          <p:nvPr/>
-        </p:nvSpPr>
-        <p:spPr>
-          <a:xfrm>
-            <a:off x="914400" y="3657600"/>
-            <a:ext cx="10058400" cy="2743200"/>
-          </a:xfrm>
-          <a:prstGeom prst="rect">
-            <a:avLst/>
-          </a:prstGeom>
-          <a:noFill/>
-        </p:spPr>
-        <p:txBody>
-          <a:bodyPr wrap="square">
-            <a:spAutoFit/>
-          </a:bodyPr>
-          <a:lstStyle/>
-          <a:p>
-            <a:pPr>
-              <a:spcAft>
-                <a:spcPts val="600"/>
-              </a:spcAft>
-              <a:defRPr sz="1600">
-                <a:solidFill>
-                  <a:srgbClr val="CCDDEE"/>
-                </a:solidFill>
-              </a:defRPr>
-            </a:pPr>
-            <a:r>
-              <a:t>▸ What makes something an 'agent' (not just a chatbot)</a:t>
-            </a:r>
-          </a:p>
-          <a:p>
-            <a:pPr>
-              <a:spcAft>
-                <a:spcPts val="600"/>
-              </a:spcAft>
-              <a:defRPr sz="1600">
-                <a:solidFill>
-                  <a:srgbClr val="CCDDEE"/>
-                </a:solidFill>
-              </a:defRPr>
-            </a:pPr>
-            <a:r>
-              <a:t>▸ The ReAct loop — Reason → Act → Observe → Repeat</a:t>
-            </a:r>
-          </a:p>
-          <a:p>
-            <a:pPr>
-              <a:spcAft>
-                <a:spcPts val="600"/>
-              </a:spcAft>
-              <a:defRPr sz="1600">
-                <a:solidFill>
-                  <a:srgbClr val="CCDDEE"/>
-                </a:solidFill>
-              </a:defRPr>
-            </a:pPr>
-            <a:r>
-              <a:t>▸ Frameworks: LangGraph, CrewAI, OpenAI SDK, Pydantic AI</a:t>
-            </a:r>
-          </a:p>
-          <a:p>
-            <a:pPr>
-              <a:spcAft>
-                <a:spcPts val="600"/>
-              </a:spcAft>
-              <a:defRPr sz="1600">
-                <a:solidFill>
-                  <a:srgbClr val="CCDDEE"/>
-                </a:solidFill>
-              </a:defRPr>
-            </a:pPr>
-            <a:r>
-              <a:t>▸ Multi-agent orchestration &amp; memory</a:t>
-            </a:r>
-          </a:p>
-          <a:p>
-            <a:pPr>
-              <a:spcAft>
-                <a:spcPts val="600"/>
-              </a:spcAft>
-              <a:defRPr sz="1600">
-                <a:solidFill>
-                  <a:srgbClr val="CCDDEE"/>
-                </a:solidFill>
-              </a:defRPr>
-            </a:pPr>
-            <a:r>
-              <a:t>▸ Hands-on: build a multi-step agent with LangGraph</a:t>
+              <a:t>Session 5 of 8  •  Cut the Crap — AI Engineer Edition  •  February 2026</a:t>
             </a:r>
           </a:p>
         </p:txBody>
@@ -4230,14 +4484,6 @@
 <file path=ppt/slides/slide10.xml><?xml version="1.0" encoding="utf-8"?>
 <p:sld xmlns:a="http://schemas.openxmlformats.org/drawingml/2006/main" xmlns:p="http://schemas.openxmlformats.org/presentationml/2006/main" xmlns:r="http://schemas.openxmlformats.org/officeDocument/2006/relationships">
   <p:cSld>
-    <p:bg>
-      <p:bgPr>
-        <a:solidFill>
-          <a:srgbClr val="FFFFFF"/>
-        </a:solidFill>
-        <a:effectLst/>
-      </p:bgPr>
-    </p:bg>
     <p:spTree>
       <p:nvGrpSpPr>
         <p:cNvPr id="1" name=""/>
@@ -4254,7 +4500,7 @@
         <p:spPr>
           <a:xfrm>
             <a:off x="0" y="0"/>
-            <a:ext cx="12191695" cy="54864"/>
+            <a:ext cx="12191695" cy="73152"/>
           </a:xfrm>
           <a:prstGeom prst="rect">
             <a:avLst/>
@@ -4297,7 +4543,7 @@
         <p:spPr>
           <a:xfrm>
             <a:off x="731520" y="274320"/>
-            <a:ext cx="10515600" cy="731520"/>
+            <a:ext cx="10728655" cy="731520"/>
           </a:xfrm>
           <a:prstGeom prst="rect">
             <a:avLst/>
@@ -4305,20 +4551,20 @@
           <a:noFill/>
         </p:spPr>
         <p:txBody>
-          <a:bodyPr wrap="square">
+          <a:bodyPr wrap="none">
             <a:spAutoFit/>
           </a:bodyPr>
           <a:lstStyle/>
           <a:p>
             <a:pPr>
-              <a:defRPr sz="2800" b="1">
+              <a:defRPr sz="3200" b="1">
                 <a:solidFill>
                   <a:srgbClr val="1B2A4A"/>
                 </a:solidFill>
               </a:defRPr>
             </a:pPr>
             <a:r>
-              <a:t>Hands-On: Multi-Step Research Agent</a:t>
+              <a:t>Agentic Coding Tools</a:t>
             </a:r>
           </a:p>
         </p:txBody>
@@ -4332,7 +4578,7 @@
         <p:spPr>
           <a:xfrm>
             <a:off x="731520" y="1188720"/>
-            <a:ext cx="10515600" cy="5029200"/>
+            <a:ext cx="5029200" cy="457200"/>
           </a:xfrm>
           <a:prstGeom prst="rect">
             <a:avLst/>
@@ -4340,6 +4586,41 @@
           <a:noFill/>
         </p:spPr>
         <p:txBody>
+          <a:bodyPr wrap="none">
+            <a:spAutoFit/>
+          </a:bodyPr>
+          <a:lstStyle/>
+          <a:p>
+            <a:pPr>
+              <a:defRPr sz="2200" b="1">
+                <a:solidFill>
+                  <a:srgbClr val="0096D6"/>
+                </a:solidFill>
+              </a:defRPr>
+            </a:pPr>
+            <a:r>
+              <a:t>GPT-5.2-Codex (OpenAI)</a:t>
+            </a:r>
+          </a:p>
+        </p:txBody>
+      </p:sp>
+      <p:sp>
+        <p:nvSpPr>
+          <p:cNvPr id="5" name="TextBox 4"/>
+          <p:cNvSpPr txBox="1"/>
+          <p:nvPr/>
+        </p:nvSpPr>
+        <p:spPr>
+          <a:xfrm>
+            <a:off x="731520" y="1737360"/>
+            <a:ext cx="5029200" cy="4572000"/>
+          </a:xfrm>
+          <a:prstGeom prst="rect">
+            <a:avLst/>
+          </a:prstGeom>
+          <a:noFill/>
+        </p:spPr>
+        <p:txBody>
           <a:bodyPr wrap="square">
             <a:spAutoFit/>
           </a:bodyPr>
@@ -4347,7 +4628,7 @@
           <a:p>
             <a:pPr>
               <a:spcAft>
-                <a:spcPts val="800"/>
+                <a:spcPts val="600"/>
               </a:spcAft>
               <a:defRPr sz="1800">
                 <a:solidFill>
@@ -4356,13 +4637,13 @@
               </a:defRPr>
             </a:pPr>
             <a:r>
-              <a:t>Build with LangGraph: takes a topic, searches, analyzes, decides if more info needed</a:t>
+              <a:t>Cloud-based coding agent</a:t>
             </a:r>
           </a:p>
           <a:p>
             <a:pPr>
               <a:spcAft>
-                <a:spcPts val="800"/>
+                <a:spcPts val="600"/>
               </a:spcAft>
               <a:defRPr sz="1800">
                 <a:solidFill>
@@ -4371,13 +4652,13 @@
               </a:defRPr>
             </a:pPr>
             <a:r>
-              <a:t>Full ReAct pattern with real decision-making and tool use</a:t>
+              <a:t>Runs in sandboxed environment</a:t>
             </a:r>
           </a:p>
           <a:p>
             <a:pPr>
               <a:spcAft>
-                <a:spcPts val="800"/>
+                <a:spcPts val="600"/>
               </a:spcAft>
               <a:defRPr sz="1800">
                 <a:solidFill>
@@ -4386,13 +4667,13 @@
               </a:defRPr>
             </a:pPr>
             <a:r>
-              <a:t>Includes persistence (memory) and conditional routing</a:t>
+              <a:t>Best for: bulk refactors, test writing</a:t>
             </a:r>
           </a:p>
           <a:p>
             <a:pPr>
               <a:spcAft>
-                <a:spcPts val="800"/>
+                <a:spcPts val="600"/>
               </a:spcAft>
               <a:defRPr sz="1800">
                 <a:solidFill>
@@ -4401,7 +4682,155 @@
               </a:defRPr>
             </a:pPr>
             <a:r>
-              <a:t>📝 Time: 30 minutes — code: session-5/code/langgraph_agent.py</a:t>
+              <a:t>Async — submit task, get results later</a:t>
+            </a:r>
+          </a:p>
+          <a:p>
+            <a:pPr>
+              <a:spcAft>
+                <a:spcPts val="600"/>
+              </a:spcAft>
+              <a:defRPr sz="1800">
+                <a:solidFill>
+                  <a:srgbClr val="333333"/>
+                </a:solidFill>
+              </a:defRPr>
+            </a:pPr>
+            <a:r>
+              <a:t>Integrated into ChatGPT &amp; API</a:t>
+            </a:r>
+          </a:p>
+        </p:txBody>
+      </p:sp>
+      <p:sp>
+        <p:nvSpPr>
+          <p:cNvPr id="6" name="TextBox 5"/>
+          <p:cNvSpPr txBox="1"/>
+          <p:nvPr/>
+        </p:nvSpPr>
+        <p:spPr>
+          <a:xfrm>
+            <a:off x="6400800" y="1188720"/>
+            <a:ext cx="5029200" cy="457200"/>
+          </a:xfrm>
+          <a:prstGeom prst="rect">
+            <a:avLst/>
+          </a:prstGeom>
+          <a:noFill/>
+        </p:spPr>
+        <p:txBody>
+          <a:bodyPr wrap="none">
+            <a:spAutoFit/>
+          </a:bodyPr>
+          <a:lstStyle/>
+          <a:p>
+            <a:pPr>
+              <a:defRPr sz="2200" b="1">
+                <a:solidFill>
+                  <a:srgbClr val="0096D6"/>
+                </a:solidFill>
+              </a:defRPr>
+            </a:pPr>
+            <a:r>
+              <a:t>Claude Code (Anthropic)</a:t>
+            </a:r>
+          </a:p>
+        </p:txBody>
+      </p:sp>
+      <p:sp>
+        <p:nvSpPr>
+          <p:cNvPr id="7" name="TextBox 6"/>
+          <p:cNvSpPr txBox="1"/>
+          <p:nvPr/>
+        </p:nvSpPr>
+        <p:spPr>
+          <a:xfrm>
+            <a:off x="6400800" y="1737360"/>
+            <a:ext cx="5029200" cy="4572000"/>
+          </a:xfrm>
+          <a:prstGeom prst="rect">
+            <a:avLst/>
+          </a:prstGeom>
+          <a:noFill/>
+        </p:spPr>
+        <p:txBody>
+          <a:bodyPr wrap="square">
+            <a:spAutoFit/>
+          </a:bodyPr>
+          <a:lstStyle/>
+          <a:p>
+            <a:pPr>
+              <a:spcAft>
+                <a:spcPts val="600"/>
+              </a:spcAft>
+              <a:defRPr sz="1800">
+                <a:solidFill>
+                  <a:srgbClr val="333333"/>
+                </a:solidFill>
+              </a:defRPr>
+            </a:pPr>
+            <a:r>
+              <a:t>Terminal-based coding assistant</a:t>
+            </a:r>
+          </a:p>
+          <a:p>
+            <a:pPr>
+              <a:spcAft>
+                <a:spcPts val="600"/>
+              </a:spcAft>
+              <a:defRPr sz="1800">
+                <a:solidFill>
+                  <a:srgbClr val="333333"/>
+                </a:solidFill>
+              </a:defRPr>
+            </a:pPr>
+            <a:r>
+              <a:t>Runs locally on your machine</a:t>
+            </a:r>
+          </a:p>
+          <a:p>
+            <a:pPr>
+              <a:spcAft>
+                <a:spcPts val="600"/>
+              </a:spcAft>
+              <a:defRPr sz="1800">
+                <a:solidFill>
+                  <a:srgbClr val="333333"/>
+                </a:solidFill>
+              </a:defRPr>
+            </a:pPr>
+            <a:r>
+              <a:t>Best: real-time pair programming</a:t>
+            </a:r>
+          </a:p>
+          <a:p>
+            <a:pPr>
+              <a:spcAft>
+                <a:spcPts val="600"/>
+              </a:spcAft>
+              <a:defRPr sz="1800">
+                <a:solidFill>
+                  <a:srgbClr val="333333"/>
+                </a:solidFill>
+              </a:defRPr>
+            </a:pPr>
+            <a:r>
+              <a:t>Interactive — works with you live</a:t>
+            </a:r>
+          </a:p>
+          <a:p>
+            <a:pPr>
+              <a:spcAft>
+                <a:spcPts val="600"/>
+              </a:spcAft>
+              <a:defRPr sz="1800">
+                <a:solidFill>
+                  <a:srgbClr val="333333"/>
+                </a:solidFill>
+              </a:defRPr>
+            </a:pPr>
+            <a:r>
+              <a:t>Uses OAuth (existing subscription)</a:t>
             </a:r>
           </a:p>
         </p:txBody>
@@ -4417,14 +4846,6 @@
 <file path=ppt/slides/slide11.xml><?xml version="1.0" encoding="utf-8"?>
 <p:sld xmlns:a="http://schemas.openxmlformats.org/drawingml/2006/main" xmlns:p="http://schemas.openxmlformats.org/presentationml/2006/main" xmlns:r="http://schemas.openxmlformats.org/officeDocument/2006/relationships">
   <p:cSld>
-    <p:bg>
-      <p:bgPr>
-        <a:solidFill>
-          <a:srgbClr val="FFFFFF"/>
-        </a:solidFill>
-        <a:effectLst/>
-      </p:bgPr>
-    </p:bg>
     <p:spTree>
       <p:nvGrpSpPr>
         <p:cNvPr id="1" name=""/>
@@ -4441,7 +4862,7 @@
         <p:spPr>
           <a:xfrm>
             <a:off x="0" y="0"/>
-            <a:ext cx="12191695" cy="54864"/>
+            <a:ext cx="12191695" cy="73152"/>
           </a:xfrm>
           <a:prstGeom prst="rect">
             <a:avLst/>
@@ -4484,7 +4905,7 @@
         <p:spPr>
           <a:xfrm>
             <a:off x="731520" y="274320"/>
-            <a:ext cx="10515600" cy="731520"/>
+            <a:ext cx="10728655" cy="822960"/>
           </a:xfrm>
           <a:prstGeom prst="rect">
             <a:avLst/>
@@ -4497,15 +4918,15 @@
           </a:bodyPr>
           <a:lstStyle/>
           <a:p>
-            <a:pPr>
-              <a:defRPr sz="2800" b="1">
+            <a:pPr algn="l">
+              <a:defRPr sz="3200" b="1">
                 <a:solidFill>
                   <a:srgbClr val="1B2A4A"/>
                 </a:solidFill>
               </a:defRPr>
             </a:pPr>
             <a:r>
-              <a:t>Session 5 Recap</a:t>
+              <a:t>Agentic Coding — Cursor &amp; Copilot</a:t>
             </a:r>
           </a:p>
         </p:txBody>
@@ -4518,8 +4939,8 @@
         </p:nvSpPr>
         <p:spPr>
           <a:xfrm>
-            <a:off x="731520" y="1188720"/>
-            <a:ext cx="10515600" cy="5029200"/>
+            <a:off x="914400" y="1280160"/>
+            <a:ext cx="10362895" cy="5029200"/>
           </a:xfrm>
           <a:prstGeom prst="rect">
             <a:avLst/>
@@ -4533,92 +4954,110 @@
           <a:lstStyle/>
           <a:p>
             <a:pPr>
+              <a:spcBef>
+                <a:spcPts val="400"/>
+              </a:spcBef>
+              <a:spcAft>
+                <a:spcPts val="800"/>
+              </a:spcAft>
+              <a:defRPr sz="2000">
+                <a:solidFill>
+                  <a:srgbClr val="333333"/>
+                </a:solidFill>
+              </a:defRPr>
+            </a:pPr>
+            <a:r>
+              <a:t>Cursor: AI-first code editor (VS Code fork)</a:t>
+            </a:r>
+          </a:p>
+          <a:p>
+            <a:pPr lvl="1">
+              <a:spcBef>
+                <a:spcPts val="400"/>
+              </a:spcBef>
               <a:spcAft>
                 <a:spcPts val="800"/>
               </a:spcAft>
               <a:defRPr sz="1800">
                 <a:solidFill>
+                  <a:srgbClr val="666666"/>
+                </a:solidFill>
+              </a:defRPr>
+            </a:pPr>
+            <a:r>
+              <a:t>Tab completion, inline chat, multi-file edits</a:t>
+            </a:r>
+          </a:p>
+          <a:p>
+            <a:pPr>
+              <a:spcBef>
+                <a:spcPts val="400"/>
+              </a:spcBef>
+              <a:spcAft>
+                <a:spcPts val="800"/>
+              </a:spcAft>
+              <a:defRPr sz="2000">
+                <a:solidFill>
                   <a:srgbClr val="333333"/>
                 </a:solidFill>
               </a:defRPr>
             </a:pPr>
             <a:r>
-              <a:t>✅ Agents = LLMs in a loop with tools and decisions (not magic)</a:t>
-            </a:r>
-          </a:p>
-          <a:p>
-            <a:pPr>
+              <a:t>GitHub Copilot: AI pair programmer in VS Code/JetBrains</a:t>
+            </a:r>
+          </a:p>
+          <a:p>
+            <a:pPr lvl="1">
+              <a:spcBef>
+                <a:spcPts val="400"/>
+              </a:spcBef>
               <a:spcAft>
                 <a:spcPts val="800"/>
               </a:spcAft>
               <a:defRPr sz="1800">
                 <a:solidFill>
-                  <a:srgbClr val="333333"/>
+                  <a:srgbClr val="666666"/>
                 </a:solidFill>
               </a:defRPr>
             </a:pPr>
             <a:r>
-              <a:t>✅ ReAct = Reason → Act → Observe → Repeat — it's just a while loop</a:t>
+              <a:t>Copilot Chat, code suggestions, PR summaries</a:t>
             </a:r>
           </a:p>
           <a:p>
             <a:pPr>
+              <a:spcBef>
+                <a:spcPts val="400"/>
+              </a:spcBef>
               <a:spcAft>
                 <a:spcPts val="800"/>
               </a:spcAft>
-              <a:defRPr sz="1800">
+              <a:defRPr sz="2000">
                 <a:solidFill>
                   <a:srgbClr val="333333"/>
                 </a:solidFill>
               </a:defRPr>
             </a:pPr>
             <a:r>
-              <a:t>✅ Frameworks: LangGraph for complex, raw SDK for simple, Pydantic AI for typed</a:t>
+              <a:t>Both use tool use under the hood (file read/write/search)</a:t>
             </a:r>
           </a:p>
           <a:p>
             <a:pPr>
+              <a:spcBef>
+                <a:spcPts val="400"/>
+              </a:spcBef>
               <a:spcAft>
                 <a:spcPts val="800"/>
               </a:spcAft>
-              <a:defRPr sz="1800">
+              <a:defRPr sz="2000">
                 <a:solidFill>
                   <a:srgbClr val="333333"/>
                 </a:solidFill>
               </a:defRPr>
             </a:pPr>
             <a:r>
-              <a:t>✅ Memory: conversation → short-term → long-term (checkpointing)</a:t>
-            </a:r>
-          </a:p>
-          <a:p>
-            <a:pPr>
-              <a:spcAft>
-                <a:spcPts val="800"/>
-              </a:spcAft>
-              <a:defRPr sz="1800">
-                <a:solidFill>
-                  <a:srgbClr val="333333"/>
-                </a:solidFill>
-              </a:defRPr>
-            </a:pPr>
-            <a:r>
-              <a:t>✅ Human-in-the-loop: always start with this in production</a:t>
-            </a:r>
-          </a:p>
-          <a:p>
-            <a:pPr>
-              <a:spcAft>
-                <a:spcPts val="800"/>
-              </a:spcAft>
-              <a:defRPr sz="1800">
-                <a:solidFill>
-                  <a:srgbClr val="333333"/>
-                </a:solidFill>
-              </a:defRPr>
-            </a:pPr>
-            <a:r>
-              <a:t>Next → Session 6: RAG &amp; Data — teaching AI about YOUR data</a:t>
+              <a:t>Comparison deep-dive in Session 8</a:t>
             </a:r>
           </a:p>
         </p:txBody>
@@ -4631,17 +5070,9 @@
 </p:sld>
 </file>
 
-<file path=ppt/slides/slide2.xml><?xml version="1.0" encoding="utf-8"?>
+<file path=ppt/slides/slide12.xml><?xml version="1.0" encoding="utf-8"?>
 <p:sld xmlns:a="http://schemas.openxmlformats.org/drawingml/2006/main" xmlns:p="http://schemas.openxmlformats.org/presentationml/2006/main" xmlns:r="http://schemas.openxmlformats.org/officeDocument/2006/relationships">
   <p:cSld>
-    <p:bg>
-      <p:bgPr>
-        <a:solidFill>
-          <a:srgbClr val="FFFFFF"/>
-        </a:solidFill>
-        <a:effectLst/>
-      </p:bgPr>
-    </p:bg>
     <p:spTree>
       <p:nvGrpSpPr>
         <p:cNvPr id="1" name=""/>
@@ -4658,7 +5089,7 @@
         <p:spPr>
           <a:xfrm>
             <a:off x="0" y="0"/>
-            <a:ext cx="12191695" cy="54864"/>
+            <a:ext cx="12191695" cy="73152"/>
           </a:xfrm>
           <a:prstGeom prst="rect">
             <a:avLst/>
@@ -4701,7 +5132,7 @@
         <p:spPr>
           <a:xfrm>
             <a:off x="731520" y="274320"/>
-            <a:ext cx="10515600" cy="731520"/>
+            <a:ext cx="10728655" cy="822960"/>
           </a:xfrm>
           <a:prstGeom prst="rect">
             <a:avLst/>
@@ -4714,15 +5145,15 @@
           </a:bodyPr>
           <a:lstStyle/>
           <a:p>
-            <a:pPr>
-              <a:defRPr sz="2800" b="1">
+            <a:pPr algn="l">
+              <a:defRPr sz="3200" b="1">
                 <a:solidFill>
                   <a:srgbClr val="1B2A4A"/>
                 </a:solidFill>
               </a:defRPr>
             </a:pPr>
             <a:r>
-              <a:t>What Is an Agent? (Cut Through the Hype)</a:t>
+              <a:t>Hands-On: LangGraph Research Agent</a:t>
             </a:r>
           </a:p>
         </p:txBody>
@@ -4735,8 +5166,8 @@
         </p:nvSpPr>
         <p:spPr>
           <a:xfrm>
-            <a:off x="731520" y="1188720"/>
-            <a:ext cx="10515600" cy="5029200"/>
+            <a:off x="914400" y="1280160"/>
+            <a:ext cx="10362895" cy="5029200"/>
           </a:xfrm>
           <a:prstGeom prst="rect">
             <a:avLst/>
@@ -4750,77 +5181,110 @@
           <a:lstStyle/>
           <a:p>
             <a:pPr>
+              <a:spcBef>
+                <a:spcPts val="400"/>
+              </a:spcBef>
               <a:spcAft>
                 <a:spcPts val="800"/>
               </a:spcAft>
-              <a:defRPr sz="1800">
+              <a:defRPr sz="2000">
                 <a:solidFill>
                   <a:srgbClr val="333333"/>
                 </a:solidFill>
               </a:defRPr>
             </a:pPr>
             <a:r>
-              <a:t>An agent: Observe → Think → Act → Repeat until the task is done</a:t>
+              <a:t>langgraph_agent.py — multi-step research agent</a:t>
             </a:r>
           </a:p>
           <a:p>
             <a:pPr>
+              <a:spcBef>
+                <a:spcPts val="400"/>
+              </a:spcBef>
               <a:spcAft>
                 <a:spcPts val="800"/>
               </a:spcAft>
-              <a:defRPr sz="1800">
+              <a:defRPr sz="2000">
                 <a:solidFill>
                   <a:srgbClr val="333333"/>
                 </a:solidFill>
               </a:defRPr>
             </a:pPr>
             <a:r>
-              <a:t>NOT an agent: single API call, fixed pipeline, chatbot with a system prompt</a:t>
+              <a:t>Tools: search_web, write_report</a:t>
             </a:r>
           </a:p>
           <a:p>
             <a:pPr>
+              <a:spcBef>
+                <a:spcPts val="400"/>
+              </a:spcBef>
               <a:spcAft>
                 <a:spcPts val="800"/>
               </a:spcAft>
-              <a:defRPr sz="1800">
+              <a:defRPr sz="2000">
                 <a:solidFill>
                   <a:srgbClr val="333333"/>
                 </a:solidFill>
               </a:defRPr>
             </a:pPr>
             <a:r>
-              <a:t>The key: a LOOP with AUTONOMY to decide next steps</a:t>
+              <a:t>Agent decides: search → analyze → search more? → write report</a:t>
             </a:r>
           </a:p>
           <a:p>
             <a:pPr>
+              <a:spcBef>
+                <a:spcPts val="400"/>
+              </a:spcBef>
               <a:spcAft>
                 <a:spcPts val="800"/>
               </a:spcAft>
-              <a:defRPr sz="1800">
+              <a:defRPr sz="2000">
                 <a:solidFill>
                   <a:srgbClr val="333333"/>
                 </a:solidFill>
               </a:defRPr>
             </a:pPr>
             <a:r>
-              <a:t>The word 'agent' is the most overhyped term in AI — let's be precise</a:t>
+              <a:t>Tracks research iterations (max 3 searches)</a:t>
             </a:r>
           </a:p>
           <a:p>
             <a:pPr>
+              <a:spcBef>
+                <a:spcPts val="400"/>
+              </a:spcBef>
               <a:spcAft>
                 <a:spcPts val="800"/>
               </a:spcAft>
-              <a:defRPr sz="1800">
+              <a:defRPr sz="2000">
                 <a:solidFill>
                   <a:srgbClr val="333333"/>
                 </a:solidFill>
               </a:defRPr>
             </a:pPr>
             <a:r>
-              <a:t>Most apps don't need agents — a well-crafted prompt with tools covers 80%</a:t>
+              <a:t>Exercise: run it, inspect the message trace</a:t>
+            </a:r>
+          </a:p>
+          <a:p>
+            <a:pPr>
+              <a:spcBef>
+                <a:spcPts val="400"/>
+              </a:spcBef>
+              <a:spcAft>
+                <a:spcPts val="800"/>
+              </a:spcAft>
+              <a:defRPr sz="2000">
+                <a:solidFill>
+                  <a:srgbClr val="333333"/>
+                </a:solidFill>
+              </a:defRPr>
+            </a:pPr>
+            <a:r>
+              <a:t>Bonus: add a new tool (e.g., save_to_file)</a:t>
             </a:r>
           </a:p>
         </p:txBody>
@@ -4833,17 +5297,9 @@
 </p:sld>
 </file>
 
-<file path=ppt/slides/slide3.xml><?xml version="1.0" encoding="utf-8"?>
+<file path=ppt/slides/slide13.xml><?xml version="1.0" encoding="utf-8"?>
 <p:sld xmlns:a="http://schemas.openxmlformats.org/drawingml/2006/main" xmlns:p="http://schemas.openxmlformats.org/presentationml/2006/main" xmlns:r="http://schemas.openxmlformats.org/officeDocument/2006/relationships">
   <p:cSld>
-    <p:bg>
-      <p:bgPr>
-        <a:solidFill>
-          <a:srgbClr val="FFFFFF"/>
-        </a:solidFill>
-        <a:effectLst/>
-      </p:bgPr>
-    </p:bg>
     <p:spTree>
       <p:nvGrpSpPr>
         <p:cNvPr id="1" name=""/>
@@ -4860,7 +5316,7 @@
         <p:spPr>
           <a:xfrm>
             <a:off x="0" y="0"/>
-            <a:ext cx="12191695" cy="54864"/>
+            <a:ext cx="12191695" cy="73152"/>
           </a:xfrm>
           <a:prstGeom prst="rect">
             <a:avLst/>
@@ -4903,7 +5359,7 @@
         <p:spPr>
           <a:xfrm>
             <a:off x="731520" y="274320"/>
-            <a:ext cx="10515600" cy="731520"/>
+            <a:ext cx="10728655" cy="822960"/>
           </a:xfrm>
           <a:prstGeom prst="rect">
             <a:avLst/>
@@ -4916,72 +5372,29 @@
           </a:bodyPr>
           <a:lstStyle/>
           <a:p>
-            <a:pPr>
-              <a:defRPr sz="2800" b="1">
+            <a:pPr algn="l">
+              <a:defRPr sz="3200" b="1">
                 <a:solidFill>
                   <a:srgbClr val="1B2A4A"/>
                 </a:solidFill>
               </a:defRPr>
             </a:pPr>
             <a:r>
-              <a:t>The ReAct Loop — It's Just a While Loop</a:t>
-            </a:r>
-          </a:p>
-        </p:txBody>
-      </p:sp>
-      <p:sp>
-        <p:nvSpPr>
-          <p:cNvPr id="4" name="Rounded Rectangle 3"/>
-          <p:cNvSpPr/>
+              <a:t>Key Takeaways — Session 5</a:t>
+            </a:r>
+          </a:p>
+        </p:txBody>
+      </p:sp>
+      <p:sp>
+        <p:nvSpPr>
+          <p:cNvPr id="4" name="TextBox 3"/>
+          <p:cNvSpPr txBox="1"/>
           <p:nvPr/>
         </p:nvSpPr>
         <p:spPr>
           <a:xfrm>
-            <a:off x="548640" y="1188720"/>
-            <a:ext cx="10972800" cy="4754880"/>
-          </a:xfrm>
-          <a:prstGeom prst="roundRect">
-            <a:avLst/>
-          </a:prstGeom>
-          <a:solidFill>
-            <a:srgbClr val="F0F0F0"/>
-          </a:solidFill>
-          <a:ln>
-            <a:noFill/>
-          </a:ln>
-        </p:spPr>
-        <p:style>
-          <a:lnRef idx="1">
-            <a:schemeClr val="accent1"/>
-          </a:lnRef>
-          <a:fillRef idx="3">
-            <a:schemeClr val="accent1"/>
-          </a:fillRef>
-          <a:effectRef idx="2">
-            <a:schemeClr val="accent1"/>
-          </a:effectRef>
-          <a:fontRef idx="minor">
-            <a:schemeClr val="lt1"/>
-          </a:fontRef>
-        </p:style>
-        <p:txBody>
-          <a:bodyPr rtlCol="0" anchor="ctr"/>
-          <a:lstStyle/>
-          <a:p>
-            <a:pPr algn="ctr"/>
-          </a:p>
-        </p:txBody>
-      </p:sp>
-      <p:sp>
-        <p:nvSpPr>
-          <p:cNvPr id="5" name="TextBox 4"/>
-          <p:cNvSpPr txBox="1"/>
-          <p:nvPr/>
-        </p:nvSpPr>
-        <p:spPr>
-          <a:xfrm>
-            <a:off x="822960" y="1371600"/>
-            <a:ext cx="10424160" cy="4389120"/>
+            <a:off x="914400" y="1280160"/>
+            <a:ext cx="10362895" cy="5029200"/>
           </a:xfrm>
           <a:prstGeom prst="rect">
             <a:avLst/>
@@ -4995,110 +5408,110 @@
           <a:lstStyle/>
           <a:p>
             <a:pPr>
-              <a:defRPr sz="1200">
+              <a:spcBef>
+                <a:spcPts val="400"/>
+              </a:spcBef>
+              <a:spcAft>
+                <a:spcPts val="800"/>
+              </a:spcAft>
+              <a:defRPr sz="2000">
                 <a:solidFill>
                   <a:srgbClr val="333333"/>
                 </a:solidFill>
-                <a:latin typeface="Consolas"/>
               </a:defRPr>
             </a:pPr>
             <a:r>
-              <a:t>import openai</a:t>
-            </a:r>
-            <a:br/>
-            <a:r>
-              <a:t>client = openai.OpenAI()</a:t>
-            </a:r>
-            <a:br/>
-            <a:r>
-              <a:t>tools = [{"type":"function","function":{"name":"search_web",</a:t>
-            </a:r>
-            <a:br/>
-            <a:r>
-              <a:t>    "description":"Search the web","parameters":{"type":"object",</a:t>
-            </a:r>
-            <a:br/>
-            <a:r>
-              <a:t>    "properties":{"query":{"type":"string"}},"required":["query"]}}}]</a:t>
-            </a:r>
-            <a:br/>
-            <a:br/>
-            <a:r>
-              <a:t>messages = [</a:t>
-            </a:r>
-            <a:br/>
-            <a:r>
-              <a:t>    {"role":"system","content":"You are a research assistant."},</a:t>
-            </a:r>
-            <a:br/>
-            <a:r>
-              <a:t>    {"role":"user","content":"Population of Tokyo vs NYC?"}</a:t>
-            </a:r>
-            <a:br/>
-            <a:r>
-              <a:t>]</a:t>
-            </a:r>
-            <a:br/>
-            <a:br/>
-            <a:r>
-              <a:t># The ReAct loop — literally a while loop!</a:t>
-            </a:r>
-            <a:br/>
-            <a:r>
-              <a:t>while True:</a:t>
-            </a:r>
-            <a:br/>
-            <a:r>
-              <a:t>    response = client.chat.completions.create(</a:t>
-            </a:r>
-            <a:br/>
-            <a:r>
-              <a:t>        model="gpt-5.2", messages=messages, tools=tools)</a:t>
-            </a:r>
-            <a:br/>
-            <a:r>
-              <a:t>    msg = response.choices[0].message</a:t>
-            </a:r>
-            <a:br/>
-            <a:r>
-              <a:t>    messages.append(msg)</a:t>
-            </a:r>
-            <a:br/>
-            <a:r>
-              <a:t>    </a:t>
-            </a:r>
-            <a:br/>
-            <a:r>
-              <a:t>    if msg.tool_calls:</a:t>
-            </a:r>
-            <a:br/>
-            <a:r>
-              <a:t>        for call in msg.tool_calls:</a:t>
-            </a:r>
-            <a:br/>
-            <a:r>
-              <a:t>            result = execute_tool(call.function.name, call.function.arguments)</a:t>
-            </a:r>
-            <a:br/>
-            <a:r>
-              <a:t>            messages.append({"role":"tool","tool_call_id":call.id,"content":result})</a:t>
-            </a:r>
-            <a:br/>
-            <a:r>
-              <a:t>    else:</a:t>
-            </a:r>
-            <a:br/>
-            <a:r>
-              <a:t>        print(msg.content)</a:t>
-            </a:r>
-            <a:br/>
-            <a:r>
-              <a:t>        break  # No more tool calls = done</a:t>
-            </a:r>
-            <a:br/>
-            <a:br/>
-            <a:r>
-              <a:t># Every framework is just a fancier version of this loop</a:t>
+              <a:t>Agents = LLMs that reason + act in a loop (ReAct)</a:t>
+            </a:r>
+          </a:p>
+          <a:p>
+            <a:pPr>
+              <a:spcBef>
+                <a:spcPts val="400"/>
+              </a:spcBef>
+              <a:spcAft>
+                <a:spcPts val="800"/>
+              </a:spcAft>
+              <a:defRPr sz="2000">
+                <a:solidFill>
+                  <a:srgbClr val="333333"/>
+                </a:solidFill>
+              </a:defRPr>
+            </a:pPr>
+            <a:r>
+              <a:t>LangGraph for complex agents, OpenAI SDK for simple ones</a:t>
+            </a:r>
+          </a:p>
+          <a:p>
+            <a:pPr>
+              <a:spcBef>
+                <a:spcPts val="400"/>
+              </a:spcBef>
+              <a:spcAft>
+                <a:spcPts val="800"/>
+              </a:spcAft>
+              <a:defRPr sz="2000">
+                <a:solidFill>
+                  <a:srgbClr val="333333"/>
+                </a:solidFill>
+              </a:defRPr>
+            </a:pPr>
+            <a:r>
+              <a:t>Multi-agent: powerful but add complexity only when needed</a:t>
+            </a:r>
+          </a:p>
+          <a:p>
+            <a:pPr>
+              <a:spcBef>
+                <a:spcPts val="400"/>
+              </a:spcBef>
+              <a:spcAft>
+                <a:spcPts val="800"/>
+              </a:spcAft>
+              <a:defRPr sz="2000">
+                <a:solidFill>
+                  <a:srgbClr val="333333"/>
+                </a:solidFill>
+              </a:defRPr>
+            </a:pPr>
+            <a:r>
+              <a:t>Memory: start with short-term, add long-term as needed</a:t>
+            </a:r>
+          </a:p>
+          <a:p>
+            <a:pPr>
+              <a:spcBef>
+                <a:spcPts val="400"/>
+              </a:spcBef>
+              <a:spcAft>
+                <a:spcPts val="800"/>
+              </a:spcAft>
+              <a:defRPr sz="2000">
+                <a:solidFill>
+                  <a:srgbClr val="333333"/>
+                </a:solidFill>
+              </a:defRPr>
+            </a:pPr>
+            <a:r>
+              <a:t>Agentic coding: Codex (async), Claude Code (interactive)</a:t>
+            </a:r>
+          </a:p>
+          <a:p>
+            <a:pPr>
+              <a:spcBef>
+                <a:spcPts val="400"/>
+              </a:spcBef>
+              <a:spcAft>
+                <a:spcPts val="800"/>
+              </a:spcAft>
+              <a:defRPr sz="2000">
+                <a:solidFill>
+                  <a:srgbClr val="333333"/>
+                </a:solidFill>
+              </a:defRPr>
+            </a:pPr>
+            <a:r>
+              <a:t>Next session: RAG &amp; data retrieval</a:t>
             </a:r>
           </a:p>
         </p:txBody>
@@ -5111,17 +5524,9 @@
 </p:sld>
 </file>
 
-<file path=ppt/slides/slide4.xml><?xml version="1.0" encoding="utf-8"?>
+<file path=ppt/slides/slide2.xml><?xml version="1.0" encoding="utf-8"?>
 <p:sld xmlns:a="http://schemas.openxmlformats.org/drawingml/2006/main" xmlns:p="http://schemas.openxmlformats.org/presentationml/2006/main" xmlns:r="http://schemas.openxmlformats.org/officeDocument/2006/relationships">
   <p:cSld>
-    <p:bg>
-      <p:bgPr>
-        <a:solidFill>
-          <a:srgbClr val="FFFFFF"/>
-        </a:solidFill>
-        <a:effectLst/>
-      </p:bgPr>
-    </p:bg>
     <p:spTree>
       <p:nvGrpSpPr>
         <p:cNvPr id="1" name=""/>
@@ -5138,7 +5543,7 @@
         <p:spPr>
           <a:xfrm>
             <a:off x="0" y="0"/>
-            <a:ext cx="12191695" cy="54864"/>
+            <a:ext cx="12191695" cy="73152"/>
           </a:xfrm>
           <a:prstGeom prst="rect">
             <a:avLst/>
@@ -5181,7 +5586,7 @@
         <p:spPr>
           <a:xfrm>
             <a:off x="731520" y="274320"/>
-            <a:ext cx="10515600" cy="731520"/>
+            <a:ext cx="10728655" cy="822960"/>
           </a:xfrm>
           <a:prstGeom prst="rect">
             <a:avLst/>
@@ -5194,705 +5599,150 @@
           </a:bodyPr>
           <a:lstStyle/>
           <a:p>
+            <a:pPr algn="l">
+              <a:defRPr sz="3200" b="1">
+                <a:solidFill>
+                  <a:srgbClr val="1B2A4A"/>
+                </a:solidFill>
+              </a:defRPr>
+            </a:pPr>
+            <a:r>
+              <a:t>What Is an AI Agent?</a:t>
+            </a:r>
+          </a:p>
+        </p:txBody>
+      </p:sp>
+      <p:sp>
+        <p:nvSpPr>
+          <p:cNvPr id="4" name="TextBox 3"/>
+          <p:cNvSpPr txBox="1"/>
+          <p:nvPr/>
+        </p:nvSpPr>
+        <p:spPr>
+          <a:xfrm>
+            <a:off x="914400" y="1280160"/>
+            <a:ext cx="10362895" cy="5029200"/>
+          </a:xfrm>
+          <a:prstGeom prst="rect">
+            <a:avLst/>
+          </a:prstGeom>
+          <a:noFill/>
+        </p:spPr>
+        <p:txBody>
+          <a:bodyPr wrap="square">
+            <a:spAutoFit/>
+          </a:bodyPr>
+          <a:lstStyle/>
+          <a:p>
             <a:pPr>
-              <a:defRPr sz="2800" b="1">
-                <a:solidFill>
-                  <a:srgbClr val="1B2A4A"/>
+              <a:spcBef>
+                <a:spcPts val="400"/>
+              </a:spcBef>
+              <a:spcAft>
+                <a:spcPts val="800"/>
+              </a:spcAft>
+              <a:defRPr sz="2000">
+                <a:solidFill>
+                  <a:srgbClr val="333333"/>
                 </a:solidFill>
               </a:defRPr>
             </a:pPr>
             <a:r>
-              <a:t>Framework Landscape — Feb 2026</a:t>
-            </a:r>
-          </a:p>
-        </p:txBody>
-      </p:sp>
-      <p:graphicFrame>
-        <p:nvGraphicFramePr>
-          <p:cNvPr id="4" name="Table 3"/>
-          <p:cNvGraphicFramePr>
-            <a:graphicFrameLocks noGrp="1"/>
-          </p:cNvGraphicFramePr>
-          <p:nvPr/>
-        </p:nvGraphicFramePr>
-        <p:xfrm>
-          <a:off x="731520" y="1188720"/>
-          <a:ext cx="10515600" cy="2880360"/>
-        </p:xfrm>
-        <a:graphic>
-          <a:graphicData uri="http://schemas.openxmlformats.org/drawingml/2006/table">
-            <a:tbl>
-              <a:tblPr firstRow="1" bandRow="1">
-                <a:tableStyleId>{5C22544A-7EE6-4342-B048-85BDC9FD1C3A}</a:tableStyleId>
-              </a:tblPr>
-              <a:tblGrid>
-                <a:gridCol w="2628900"/>
-                <a:gridCol w="2628900"/>
-                <a:gridCol w="2628900"/>
-                <a:gridCol w="2628900"/>
-              </a:tblGrid>
-              <a:tr h="411480">
-                <a:tc>
-                  <a:txBody>
-                    <a:bodyPr/>
-                    <a:lstStyle/>
-                    <a:p>
-                      <a:pPr>
-                        <a:defRPr sz="1400" b="1">
-                          <a:solidFill>
-                            <a:srgbClr val="FFFFFF"/>
-                          </a:solidFill>
-                        </a:defRPr>
-                      </a:pPr>
-                      <a:r>
-                        <a:t>Framework</a:t>
-                      </a:r>
-                    </a:p>
-                  </a:txBody>
-                  <a:tcPr>
-                    <a:solidFill>
-                      <a:srgbClr val="1B2A4A"/>
-                    </a:solidFill>
-                  </a:tcPr>
-                </a:tc>
-                <a:tc>
-                  <a:txBody>
-                    <a:bodyPr/>
-                    <a:lstStyle/>
-                    <a:p>
-                      <a:pPr>
-                        <a:defRPr sz="1400" b="1">
-                          <a:solidFill>
-                            <a:srgbClr val="FFFFFF"/>
-                          </a:solidFill>
-                        </a:defRPr>
-                      </a:pPr>
-                      <a:r>
-                        <a:t>Best For</a:t>
-                      </a:r>
-                    </a:p>
-                  </a:txBody>
-                  <a:tcPr>
-                    <a:solidFill>
-                      <a:srgbClr val="1B2A4A"/>
-                    </a:solidFill>
-                  </a:tcPr>
-                </a:tc>
-                <a:tc>
-                  <a:txBody>
-                    <a:bodyPr/>
-                    <a:lstStyle/>
-                    <a:p>
-                      <a:pPr>
-                        <a:defRPr sz="1400" b="1">
-                          <a:solidFill>
-                            <a:srgbClr val="FFFFFF"/>
-                          </a:solidFill>
-                        </a:defRPr>
-                      </a:pPr>
-                      <a:r>
-                        <a:t>Complexity</a:t>
-                      </a:r>
-                    </a:p>
-                  </a:txBody>
-                  <a:tcPr>
-                    <a:solidFill>
-                      <a:srgbClr val="1B2A4A"/>
-                    </a:solidFill>
-                  </a:tcPr>
-                </a:tc>
-                <a:tc>
-                  <a:txBody>
-                    <a:bodyPr/>
-                    <a:lstStyle/>
-                    <a:p>
-                      <a:pPr>
-                        <a:defRPr sz="1400" b="1">
-                          <a:solidFill>
-                            <a:srgbClr val="FFFFFF"/>
-                          </a:solidFill>
-                        </a:defRPr>
-                      </a:pPr>
-                      <a:r>
-                        <a:t>Notes</a:t>
-                      </a:r>
-                    </a:p>
-                  </a:txBody>
-                  <a:tcPr>
-                    <a:solidFill>
-                      <a:srgbClr val="1B2A4A"/>
-                    </a:solidFill>
-                  </a:tcPr>
-                </a:tc>
-              </a:tr>
-              <a:tr h="411480">
-                <a:tc>
-                  <a:txBody>
-                    <a:bodyPr/>
-                    <a:lstStyle/>
-                    <a:p>
-                      <a:pPr>
-                        <a:defRPr sz="1300">
-                          <a:solidFill>
-                            <a:srgbClr val="333333"/>
-                          </a:solidFill>
-                        </a:defRPr>
-                      </a:pPr>
-                      <a:r>
-                        <a:t>LangGraph</a:t>
-                      </a:r>
-                    </a:p>
-                  </a:txBody>
-                  <a:tcPr>
-                    <a:solidFill>
-                      <a:srgbClr val="F5F7FA"/>
-                    </a:solidFill>
-                  </a:tcPr>
-                </a:tc>
-                <a:tc>
-                  <a:txBody>
-                    <a:bodyPr/>
-                    <a:lstStyle/>
-                    <a:p>
-                      <a:pPr>
-                        <a:defRPr sz="1300">
-                          <a:solidFill>
-                            <a:srgbClr val="333333"/>
-                          </a:solidFill>
-                        </a:defRPr>
-                      </a:pPr>
-                      <a:r>
-                        <a:t>Complex multi-step agents</a:t>
-                      </a:r>
-                    </a:p>
-                  </a:txBody>
-                  <a:tcPr>
-                    <a:solidFill>
-                      <a:srgbClr val="F5F7FA"/>
-                    </a:solidFill>
-                  </a:tcPr>
-                </a:tc>
-                <a:tc>
-                  <a:txBody>
-                    <a:bodyPr/>
-                    <a:lstStyle/>
-                    <a:p>
-                      <a:pPr>
-                        <a:defRPr sz="1300">
-                          <a:solidFill>
-                            <a:srgbClr val="333333"/>
-                          </a:solidFill>
-                        </a:defRPr>
-                      </a:pPr>
-                      <a:r>
-                        <a:t>Medium-High</a:t>
-                      </a:r>
-                    </a:p>
-                  </a:txBody>
-                  <a:tcPr>
-                    <a:solidFill>
-                      <a:srgbClr val="F5F7FA"/>
-                    </a:solidFill>
-                  </a:tcPr>
-                </a:tc>
-                <a:tc>
-                  <a:txBody>
-                    <a:bodyPr/>
-                    <a:lstStyle/>
-                    <a:p>
-                      <a:pPr>
-                        <a:defRPr sz="1300">
-                          <a:solidFill>
-                            <a:srgbClr val="333333"/>
-                          </a:solidFill>
-                        </a:defRPr>
-                      </a:pPr>
-                      <a:r>
-                        <a:t>Graph-based, persistence, human-in-loop</a:t>
-                      </a:r>
-                    </a:p>
-                  </a:txBody>
-                  <a:tcPr>
-                    <a:solidFill>
-                      <a:srgbClr val="F5F7FA"/>
-                    </a:solidFill>
-                  </a:tcPr>
-                </a:tc>
-              </a:tr>
-              <a:tr h="411480">
-                <a:tc>
-                  <a:txBody>
-                    <a:bodyPr/>
-                    <a:lstStyle/>
-                    <a:p>
-                      <a:pPr>
-                        <a:defRPr sz="1300">
-                          <a:solidFill>
-                            <a:srgbClr val="333333"/>
-                          </a:solidFill>
-                        </a:defRPr>
-                      </a:pPr>
-                      <a:r>
-                        <a:t>OpenAI Agents SDK</a:t>
-                      </a:r>
-                    </a:p>
-                  </a:txBody>
-                  <a:tcPr>
-                    <a:solidFill>
-                      <a:srgbClr val="FFFFFF"/>
-                    </a:solidFill>
-                  </a:tcPr>
-                </a:tc>
-                <a:tc>
-                  <a:txBody>
-                    <a:bodyPr/>
-                    <a:lstStyle/>
-                    <a:p>
-                      <a:pPr>
-                        <a:defRPr sz="1300">
-                          <a:solidFill>
-                            <a:srgbClr val="333333"/>
-                          </a:solidFill>
-                        </a:defRPr>
-                      </a:pPr>
-                      <a:r>
-                        <a:t>OpenAI-native apps</a:t>
-                      </a:r>
-                    </a:p>
-                  </a:txBody>
-                  <a:tcPr>
-                    <a:solidFill>
-                      <a:srgbClr val="FFFFFF"/>
-                    </a:solidFill>
-                  </a:tcPr>
-                </a:tc>
-                <a:tc>
-                  <a:txBody>
-                    <a:bodyPr/>
-                    <a:lstStyle/>
-                    <a:p>
-                      <a:pPr>
-                        <a:defRPr sz="1300">
-                          <a:solidFill>
-                            <a:srgbClr val="333333"/>
-                          </a:solidFill>
-                        </a:defRPr>
-                      </a:pPr>
-                      <a:r>
-                        <a:t>Low</a:t>
-                      </a:r>
-                    </a:p>
-                  </a:txBody>
-                  <a:tcPr>
-                    <a:solidFill>
-                      <a:srgbClr val="FFFFFF"/>
-                    </a:solidFill>
-                  </a:tcPr>
-                </a:tc>
-                <a:tc>
-                  <a:txBody>
-                    <a:bodyPr/>
-                    <a:lstStyle/>
-                    <a:p>
-                      <a:pPr>
-                        <a:defRPr sz="1300">
-                          <a:solidFill>
-                            <a:srgbClr val="333333"/>
-                          </a:solidFill>
-                        </a:defRPr>
-                      </a:pPr>
-                      <a:r>
-                        <a:t>Simple, only works with OpenAI models</a:t>
-                      </a:r>
-                    </a:p>
-                  </a:txBody>
-                  <a:tcPr>
-                    <a:solidFill>
-                      <a:srgbClr val="FFFFFF"/>
-                    </a:solidFill>
-                  </a:tcPr>
-                </a:tc>
-              </a:tr>
-              <a:tr h="411480">
-                <a:tc>
-                  <a:txBody>
-                    <a:bodyPr/>
-                    <a:lstStyle/>
-                    <a:p>
-                      <a:pPr>
-                        <a:defRPr sz="1300">
-                          <a:solidFill>
-                            <a:srgbClr val="333333"/>
-                          </a:solidFill>
-                        </a:defRPr>
-                      </a:pPr>
-                      <a:r>
-                        <a:t>Anthropic SDK</a:t>
-                      </a:r>
-                    </a:p>
-                  </a:txBody>
-                  <a:tcPr>
-                    <a:solidFill>
-                      <a:srgbClr val="F5F7FA"/>
-                    </a:solidFill>
-                  </a:tcPr>
-                </a:tc>
-                <a:tc>
-                  <a:txBody>
-                    <a:bodyPr/>
-                    <a:lstStyle/>
-                    <a:p>
-                      <a:pPr>
-                        <a:defRPr sz="1300">
-                          <a:solidFill>
-                            <a:srgbClr val="333333"/>
-                          </a:solidFill>
-                        </a:defRPr>
-                      </a:pPr>
-                      <a:r>
-                        <a:t>Claude-native agents</a:t>
-                      </a:r>
-                    </a:p>
-                  </a:txBody>
-                  <a:tcPr>
-                    <a:solidFill>
-                      <a:srgbClr val="F5F7FA"/>
-                    </a:solidFill>
-                  </a:tcPr>
-                </a:tc>
-                <a:tc>
-                  <a:txBody>
-                    <a:bodyPr/>
-                    <a:lstStyle/>
-                    <a:p>
-                      <a:pPr>
-                        <a:defRPr sz="1300">
-                          <a:solidFill>
-                            <a:srgbClr val="333333"/>
-                          </a:solidFill>
-                        </a:defRPr>
-                      </a:pPr>
-                      <a:r>
-                        <a:t>Low</a:t>
-                      </a:r>
-                    </a:p>
-                  </a:txBody>
-                  <a:tcPr>
-                    <a:solidFill>
-                      <a:srgbClr val="F5F7FA"/>
-                    </a:solidFill>
-                  </a:tcPr>
-                </a:tc>
-                <a:tc>
-                  <a:txBody>
-                    <a:bodyPr/>
-                    <a:lstStyle/>
-                    <a:p>
-                      <a:pPr>
-                        <a:defRPr sz="1300">
-                          <a:solidFill>
-                            <a:srgbClr val="333333"/>
-                          </a:solidFill>
-                        </a:defRPr>
-                      </a:pPr>
-                      <a:r>
-                        <a:t>Clean tool use, extended thinking</a:t>
-                      </a:r>
-                    </a:p>
-                  </a:txBody>
-                  <a:tcPr>
-                    <a:solidFill>
-                      <a:srgbClr val="F5F7FA"/>
-                    </a:solidFill>
-                  </a:tcPr>
-                </a:tc>
-              </a:tr>
-              <a:tr h="411480">
-                <a:tc>
-                  <a:txBody>
-                    <a:bodyPr/>
-                    <a:lstStyle/>
-                    <a:p>
-                      <a:pPr>
-                        <a:defRPr sz="1300">
-                          <a:solidFill>
-                            <a:srgbClr val="333333"/>
-                          </a:solidFill>
-                        </a:defRPr>
-                      </a:pPr>
-                      <a:r>
-                        <a:t>CrewAI</a:t>
-                      </a:r>
-                    </a:p>
-                  </a:txBody>
-                  <a:tcPr>
-                    <a:solidFill>
-                      <a:srgbClr val="FFFFFF"/>
-                    </a:solidFill>
-                  </a:tcPr>
-                </a:tc>
-                <a:tc>
-                  <a:txBody>
-                    <a:bodyPr/>
-                    <a:lstStyle/>
-                    <a:p>
-                      <a:pPr>
-                        <a:defRPr sz="1300">
-                          <a:solidFill>
-                            <a:srgbClr val="333333"/>
-                          </a:solidFill>
-                        </a:defRPr>
-                      </a:pPr>
-                      <a:r>
-                        <a:t>Multi-agent collaboration</a:t>
-                      </a:r>
-                    </a:p>
-                  </a:txBody>
-                  <a:tcPr>
-                    <a:solidFill>
-                      <a:srgbClr val="FFFFFF"/>
-                    </a:solidFill>
-                  </a:tcPr>
-                </a:tc>
-                <a:tc>
-                  <a:txBody>
-                    <a:bodyPr/>
-                    <a:lstStyle/>
-                    <a:p>
-                      <a:pPr>
-                        <a:defRPr sz="1300">
-                          <a:solidFill>
-                            <a:srgbClr val="333333"/>
-                          </a:solidFill>
-                        </a:defRPr>
-                      </a:pPr>
-                      <a:r>
-                        <a:t>Medium</a:t>
-                      </a:r>
-                    </a:p>
-                  </a:txBody>
-                  <a:tcPr>
-                    <a:solidFill>
-                      <a:srgbClr val="FFFFFF"/>
-                    </a:solidFill>
-                  </a:tcPr>
-                </a:tc>
-                <a:tc>
-                  <a:txBody>
-                    <a:bodyPr/>
-                    <a:lstStyle/>
-                    <a:p>
-                      <a:pPr>
-                        <a:defRPr sz="1300">
-                          <a:solidFill>
-                            <a:srgbClr val="333333"/>
-                          </a:solidFill>
-                        </a:defRPr>
-                      </a:pPr>
-                      <a:r>
-                        <a:t>Role-based teams, intuitive</a:t>
-                      </a:r>
-                    </a:p>
-                  </a:txBody>
-                  <a:tcPr>
-                    <a:solidFill>
-                      <a:srgbClr val="FFFFFF"/>
-                    </a:solidFill>
-                  </a:tcPr>
-                </a:tc>
-              </a:tr>
-              <a:tr h="411480">
-                <a:tc>
-                  <a:txBody>
-                    <a:bodyPr/>
-                    <a:lstStyle/>
-                    <a:p>
-                      <a:pPr>
-                        <a:defRPr sz="1300">
-                          <a:solidFill>
-                            <a:srgbClr val="333333"/>
-                          </a:solidFill>
-                        </a:defRPr>
-                      </a:pPr>
-                      <a:r>
-                        <a:t>Pydantic AI</a:t>
-                      </a:r>
-                    </a:p>
-                  </a:txBody>
-                  <a:tcPr>
-                    <a:solidFill>
-                      <a:srgbClr val="F5F7FA"/>
-                    </a:solidFill>
-                  </a:tcPr>
-                </a:tc>
-                <a:tc>
-                  <a:txBody>
-                    <a:bodyPr/>
-                    <a:lstStyle/>
-                    <a:p>
-                      <a:pPr>
-                        <a:defRPr sz="1300">
-                          <a:solidFill>
-                            <a:srgbClr val="333333"/>
-                          </a:solidFill>
-                        </a:defRPr>
-                      </a:pPr>
-                      <a:r>
-                        <a:t>Production Python apps</a:t>
-                      </a:r>
-                    </a:p>
-                  </a:txBody>
-                  <a:tcPr>
-                    <a:solidFill>
-                      <a:srgbClr val="F5F7FA"/>
-                    </a:solidFill>
-                  </a:tcPr>
-                </a:tc>
-                <a:tc>
-                  <a:txBody>
-                    <a:bodyPr/>
-                    <a:lstStyle/>
-                    <a:p>
-                      <a:pPr>
-                        <a:defRPr sz="1300">
-                          <a:solidFill>
-                            <a:srgbClr val="333333"/>
-                          </a:solidFill>
-                        </a:defRPr>
-                      </a:pPr>
-                      <a:r>
-                        <a:t>Medium</a:t>
-                      </a:r>
-                    </a:p>
-                  </a:txBody>
-                  <a:tcPr>
-                    <a:solidFill>
-                      <a:srgbClr val="F5F7FA"/>
-                    </a:solidFill>
-                  </a:tcPr>
-                </a:tc>
-                <a:tc>
-                  <a:txBody>
-                    <a:bodyPr/>
-                    <a:lstStyle/>
-                    <a:p>
-                      <a:pPr>
-                        <a:defRPr sz="1300">
-                          <a:solidFill>
-                            <a:srgbClr val="333333"/>
-                          </a:solidFill>
-                        </a:defRPr>
-                      </a:pPr>
-                      <a:r>
-                        <a:t>Type-safe, model-agnostic, structured output</a:t>
-                      </a:r>
-                    </a:p>
-                  </a:txBody>
-                  <a:tcPr>
-                    <a:solidFill>
-                      <a:srgbClr val="F5F7FA"/>
-                    </a:solidFill>
-                  </a:tcPr>
-                </a:tc>
-              </a:tr>
-              <a:tr h="411480">
-                <a:tc>
-                  <a:txBody>
-                    <a:bodyPr/>
-                    <a:lstStyle/>
-                    <a:p>
-                      <a:pPr>
-                        <a:defRPr sz="1300">
-                          <a:solidFill>
-                            <a:srgbClr val="333333"/>
-                          </a:solidFill>
-                        </a:defRPr>
-                      </a:pPr>
-                      <a:r>
-                        <a:t>Smolagents (HF)</a:t>
-                      </a:r>
-                    </a:p>
-                  </a:txBody>
-                  <a:tcPr>
-                    <a:solidFill>
-                      <a:srgbClr val="FFFFFF"/>
-                    </a:solidFill>
-                  </a:tcPr>
-                </a:tc>
-                <a:tc>
-                  <a:txBody>
-                    <a:bodyPr/>
-                    <a:lstStyle/>
-                    <a:p>
-                      <a:pPr>
-                        <a:defRPr sz="1300">
-                          <a:solidFill>
-                            <a:srgbClr val="333333"/>
-                          </a:solidFill>
-                        </a:defRPr>
-                      </a:pPr>
-                      <a:r>
-                        <a:t>Quick prototypes</a:t>
-                      </a:r>
-                    </a:p>
-                  </a:txBody>
-                  <a:tcPr>
-                    <a:solidFill>
-                      <a:srgbClr val="FFFFFF"/>
-                    </a:solidFill>
-                  </a:tcPr>
-                </a:tc>
-                <a:tc>
-                  <a:txBody>
-                    <a:bodyPr/>
-                    <a:lstStyle/>
-                    <a:p>
-                      <a:pPr>
-                        <a:defRPr sz="1300">
-                          <a:solidFill>
-                            <a:srgbClr val="333333"/>
-                          </a:solidFill>
-                        </a:defRPr>
-                      </a:pPr>
-                      <a:r>
-                        <a:t>Low</a:t>
-                      </a:r>
-                    </a:p>
-                  </a:txBody>
-                  <a:tcPr>
-                    <a:solidFill>
-                      <a:srgbClr val="FFFFFF"/>
-                    </a:solidFill>
-                  </a:tcPr>
-                </a:tc>
-                <a:tc>
-                  <a:txBody>
-                    <a:bodyPr/>
-                    <a:lstStyle/>
-                    <a:p>
-                      <a:pPr>
-                        <a:defRPr sz="1300">
-                          <a:solidFill>
-                            <a:srgbClr val="333333"/>
-                          </a:solidFill>
-                        </a:defRPr>
-                      </a:pPr>
-                      <a:r>
-                        <a:t>Lightweight, good for learning</a:t>
-                      </a:r>
-                    </a:p>
-                  </a:txBody>
-                  <a:tcPr>
-                    <a:solidFill>
-                      <a:srgbClr val="FFFFFF"/>
-                    </a:solidFill>
-                  </a:tcPr>
-                </a:tc>
-              </a:tr>
-            </a:tbl>
-          </a:graphicData>
-        </a:graphic>
-      </p:graphicFrame>
+              <a:t>An LLM that can reason, plan, and take actions in a loop</a:t>
+            </a:r>
+          </a:p>
+          <a:p>
+            <a:pPr>
+              <a:spcBef>
+                <a:spcPts val="400"/>
+              </a:spcBef>
+              <a:spcAft>
+                <a:spcPts val="800"/>
+              </a:spcAft>
+              <a:defRPr sz="2000">
+                <a:solidFill>
+                  <a:srgbClr val="333333"/>
+                </a:solidFill>
+              </a:defRPr>
+            </a:pPr>
+            <a:r>
+              <a:t>More than chat: observe → think → act → observe → ...</a:t>
+            </a:r>
+          </a:p>
+          <a:p>
+            <a:pPr>
+              <a:spcBef>
+                <a:spcPts val="400"/>
+              </a:spcBef>
+              <a:spcAft>
+                <a:spcPts val="800"/>
+              </a:spcAft>
+              <a:defRPr sz="2000">
+                <a:solidFill>
+                  <a:srgbClr val="333333"/>
+                </a:solidFill>
+              </a:defRPr>
+            </a:pPr>
+            <a:r>
+              <a:t>Uses tools to interact with the real world</a:t>
+            </a:r>
+          </a:p>
+          <a:p>
+            <a:pPr>
+              <a:spcBef>
+                <a:spcPts val="400"/>
+              </a:spcBef>
+              <a:spcAft>
+                <a:spcPts val="800"/>
+              </a:spcAft>
+              <a:defRPr sz="2000">
+                <a:solidFill>
+                  <a:srgbClr val="333333"/>
+                </a:solidFill>
+              </a:defRPr>
+            </a:pPr>
+            <a:r>
+              <a:t>Can handle multi-step tasks autonomously</a:t>
+            </a:r>
+          </a:p>
+          <a:p>
+            <a:pPr>
+              <a:spcBef>
+                <a:spcPts val="400"/>
+              </a:spcBef>
+              <a:spcAft>
+                <a:spcPts val="800"/>
+              </a:spcAft>
+              <a:defRPr sz="2000">
+                <a:solidFill>
+                  <a:srgbClr val="333333"/>
+                </a:solidFill>
+              </a:defRPr>
+            </a:pPr>
+            <a:r>
+              <a:t>Key difference from tool use: the model decides the workflow</a:t>
+            </a:r>
+          </a:p>
+          <a:p>
+            <a:pPr>
+              <a:spcBef>
+                <a:spcPts val="400"/>
+              </a:spcBef>
+              <a:spcAft>
+                <a:spcPts val="800"/>
+              </a:spcAft>
+              <a:defRPr sz="2000">
+                <a:solidFill>
+                  <a:srgbClr val="333333"/>
+                </a:solidFill>
+              </a:defRPr>
+            </a:pPr>
+            <a:r>
+              <a:t>Examples: research agents, coding agents, data analysis agents</a:t>
+            </a:r>
+          </a:p>
+        </p:txBody>
+      </p:sp>
     </p:spTree>
   </p:cSld>
   <p:clrMapOvr>
@@ -5901,17 +5751,9 @@
 </p:sld>
 </file>
 
-<file path=ppt/slides/slide5.xml><?xml version="1.0" encoding="utf-8"?>
+<file path=ppt/slides/slide3.xml><?xml version="1.0" encoding="utf-8"?>
 <p:sld xmlns:a="http://schemas.openxmlformats.org/drawingml/2006/main" xmlns:p="http://schemas.openxmlformats.org/presentationml/2006/main" xmlns:r="http://schemas.openxmlformats.org/officeDocument/2006/relationships">
   <p:cSld>
-    <p:bg>
-      <p:bgPr>
-        <a:solidFill>
-          <a:srgbClr val="FFFFFF"/>
-        </a:solidFill>
-        <a:effectLst/>
-      </p:bgPr>
-    </p:bg>
     <p:spTree>
       <p:nvGrpSpPr>
         <p:cNvPr id="1" name=""/>
@@ -5928,7 +5770,7 @@
         <p:spPr>
           <a:xfrm>
             <a:off x="0" y="0"/>
-            <a:ext cx="12191695" cy="54864"/>
+            <a:ext cx="12191695" cy="73152"/>
           </a:xfrm>
           <a:prstGeom prst="rect">
             <a:avLst/>
@@ -5971,7 +5813,7 @@
         <p:spPr>
           <a:xfrm>
             <a:off x="731520" y="274320"/>
-            <a:ext cx="10515600" cy="731520"/>
+            <a:ext cx="10728655" cy="822960"/>
           </a:xfrm>
           <a:prstGeom prst="rect">
             <a:avLst/>
@@ -5984,72 +5826,29 @@
           </a:bodyPr>
           <a:lstStyle/>
           <a:p>
-            <a:pPr>
-              <a:defRPr sz="2800" b="1">
+            <a:pPr algn="l">
+              <a:defRPr sz="3200" b="1">
                 <a:solidFill>
                   <a:srgbClr val="1B2A4A"/>
                 </a:solidFill>
               </a:defRPr>
             </a:pPr>
             <a:r>
-              <a:t>LangGraph — Graph-Based Agent</a:t>
-            </a:r>
-          </a:p>
-        </p:txBody>
-      </p:sp>
-      <p:sp>
-        <p:nvSpPr>
-          <p:cNvPr id="4" name="Rounded Rectangle 3"/>
-          <p:cNvSpPr/>
+              <a:t>The ReAct Loop</a:t>
+            </a:r>
+          </a:p>
+        </p:txBody>
+      </p:sp>
+      <p:sp>
+        <p:nvSpPr>
+          <p:cNvPr id="4" name="TextBox 3"/>
+          <p:cNvSpPr txBox="1"/>
           <p:nvPr/>
         </p:nvSpPr>
         <p:spPr>
           <a:xfrm>
-            <a:off x="548640" y="1188720"/>
-            <a:ext cx="10972800" cy="4754880"/>
-          </a:xfrm>
-          <a:prstGeom prst="roundRect">
-            <a:avLst/>
-          </a:prstGeom>
-          <a:solidFill>
-            <a:srgbClr val="F0F0F0"/>
-          </a:solidFill>
-          <a:ln>
-            <a:noFill/>
-          </a:ln>
-        </p:spPr>
-        <p:style>
-          <a:lnRef idx="1">
-            <a:schemeClr val="accent1"/>
-          </a:lnRef>
-          <a:fillRef idx="3">
-            <a:schemeClr val="accent1"/>
-          </a:fillRef>
-          <a:effectRef idx="2">
-            <a:schemeClr val="accent1"/>
-          </a:effectRef>
-          <a:fontRef idx="minor">
-            <a:schemeClr val="lt1"/>
-          </a:fontRef>
-        </p:style>
-        <p:txBody>
-          <a:bodyPr rtlCol="0" anchor="ctr"/>
-          <a:lstStyle/>
-          <a:p>
-            <a:pPr algn="ctr"/>
-          </a:p>
-        </p:txBody>
-      </p:sp>
-      <p:sp>
-        <p:nvSpPr>
-          <p:cNvPr id="5" name="TextBox 4"/>
-          <p:cNvSpPr txBox="1"/>
-          <p:nvPr/>
-        </p:nvSpPr>
-        <p:spPr>
-          <a:xfrm>
-            <a:off x="822960" y="1371600"/>
-            <a:ext cx="10424160" cy="4389120"/>
+            <a:off x="914400" y="1280160"/>
+            <a:ext cx="10362895" cy="5029200"/>
           </a:xfrm>
           <a:prstGeom prst="rect">
             <a:avLst/>
@@ -6063,122 +5862,110 @@
           <a:lstStyle/>
           <a:p>
             <a:pPr>
-              <a:defRPr sz="1200">
+              <a:spcBef>
+                <a:spcPts val="400"/>
+              </a:spcBef>
+              <a:spcAft>
+                <a:spcPts val="800"/>
+              </a:spcAft>
+              <a:defRPr sz="2000">
                 <a:solidFill>
                   <a:srgbClr val="333333"/>
                 </a:solidFill>
-                <a:latin typeface="Consolas"/>
               </a:defRPr>
             </a:pPr>
             <a:r>
-              <a:t>from langgraph.graph import StateGraph, START, END</a:t>
-            </a:r>
-            <a:br/>
-            <a:r>
-              <a:t>from langgraph.prebuilt import ToolNode</a:t>
-            </a:r>
-            <a:br/>
-            <a:r>
-              <a:t>from langchain_openai import ChatOpenAI</a:t>
-            </a:r>
-            <a:br/>
-            <a:r>
-              <a:t>from langchain_core.messages import HumanMessage</a:t>
-            </a:r>
-            <a:br/>
-            <a:r>
-              <a:t>from typing import TypedDict, Annotated</a:t>
-            </a:r>
-            <a:br/>
-            <a:r>
-              <a:t>from langgraph.graph.message import add_messages</a:t>
-            </a:r>
-            <a:br/>
-            <a:br/>
-            <a:r>
-              <a:t>class State(TypedDict):</a:t>
-            </a:r>
-            <a:br/>
-            <a:r>
-              <a:t>    messages: Annotated[list, add_messages]</a:t>
-            </a:r>
-            <a:br/>
-            <a:br/>
-            <a:r>
-              <a:t>@tool</a:t>
-            </a:r>
-            <a:br/>
-            <a:r>
-              <a:t>def search_web(query: str) -&gt; str:</a:t>
-            </a:r>
-            <a:br/>
-            <a:r>
-              <a:t>    """Search the web."""</a:t>
-            </a:r>
-            <a:br/>
-            <a:r>
-              <a:t>    return f"Results for: {query}"</a:t>
-            </a:r>
-            <a:br/>
-            <a:br/>
-            <a:r>
-              <a:t>llm = ChatOpenAI(model="gpt-5.2").bind_tools([search_web])</a:t>
-            </a:r>
-            <a:br/>
-            <a:br/>
-            <a:r>
-              <a:t>def agent(state: State):</a:t>
-            </a:r>
-            <a:br/>
-            <a:r>
-              <a:t>    return {"messages": [llm.invoke(state["messages"])]}</a:t>
-            </a:r>
-            <a:br/>
-            <a:br/>
-            <a:r>
-              <a:t>def should_continue(state: State):</a:t>
-            </a:r>
-            <a:br/>
-            <a:r>
-              <a:t>    if state["messages"][-1].tool_calls: return "tools"</a:t>
-            </a:r>
-            <a:br/>
-            <a:r>
-              <a:t>    return END</a:t>
-            </a:r>
-            <a:br/>
-            <a:br/>
-            <a:r>
-              <a:t>graph = StateGraph(State)</a:t>
-            </a:r>
-            <a:br/>
-            <a:r>
-              <a:t>graph.add_node("agent", agent)</a:t>
-            </a:r>
-            <a:br/>
-            <a:r>
-              <a:t>graph.add_node("tools", ToolNode([search_web]))</a:t>
-            </a:r>
-            <a:br/>
-            <a:r>
-              <a:t>graph.add_edge(START, "agent")</a:t>
-            </a:r>
-            <a:br/>
-            <a:r>
-              <a:t>graph.add_conditional_edges("agent", should_continue, ["tools", END])</a:t>
-            </a:r>
-            <a:br/>
-            <a:r>
-              <a:t>graph.add_edge("tools", "agent")</a:t>
-            </a:r>
-            <a:br/>
-            <a:r>
-              <a:t>app = graph.compile()</a:t>
-            </a:r>
-            <a:br/>
-            <a:br/>
-            <a:r>
-              <a:t>result = app.invoke({"messages": [HumanMessage("Research AI regulations")]})</a:t>
+              <a:t>ReAct = Reasoning + Acting (Yao et al., 2023)</a:t>
+            </a:r>
+          </a:p>
+          <a:p>
+            <a:pPr>
+              <a:spcBef>
+                <a:spcPts val="400"/>
+              </a:spcBef>
+              <a:spcAft>
+                <a:spcPts val="800"/>
+              </a:spcAft>
+              <a:defRPr sz="2000">
+                <a:solidFill>
+                  <a:srgbClr val="333333"/>
+                </a:solidFill>
+              </a:defRPr>
+            </a:pPr>
+            <a:r>
+              <a:t>1. Thought: model reasons about what to do next</a:t>
+            </a:r>
+          </a:p>
+          <a:p>
+            <a:pPr>
+              <a:spcBef>
+                <a:spcPts val="400"/>
+              </a:spcBef>
+              <a:spcAft>
+                <a:spcPts val="800"/>
+              </a:spcAft>
+              <a:defRPr sz="2000">
+                <a:solidFill>
+                  <a:srgbClr val="333333"/>
+                </a:solidFill>
+              </a:defRPr>
+            </a:pPr>
+            <a:r>
+              <a:t>2. Action: model calls a tool</a:t>
+            </a:r>
+          </a:p>
+          <a:p>
+            <a:pPr>
+              <a:spcBef>
+                <a:spcPts val="400"/>
+              </a:spcBef>
+              <a:spcAft>
+                <a:spcPts val="800"/>
+              </a:spcAft>
+              <a:defRPr sz="2000">
+                <a:solidFill>
+                  <a:srgbClr val="333333"/>
+                </a:solidFill>
+              </a:defRPr>
+            </a:pPr>
+            <a:r>
+              <a:t>3. Observation: tool returns results</a:t>
+            </a:r>
+          </a:p>
+          <a:p>
+            <a:pPr>
+              <a:spcBef>
+                <a:spcPts val="400"/>
+              </a:spcBef>
+              <a:spcAft>
+                <a:spcPts val="800"/>
+              </a:spcAft>
+              <a:defRPr sz="2000">
+                <a:solidFill>
+                  <a:srgbClr val="333333"/>
+                </a:solidFill>
+              </a:defRPr>
+            </a:pPr>
+            <a:r>
+              <a:t>4. Repeat until task is complete</a:t>
+            </a:r>
+          </a:p>
+          <a:p>
+            <a:pPr>
+              <a:spcBef>
+                <a:spcPts val="400"/>
+              </a:spcBef>
+              <a:spcAft>
+                <a:spcPts val="800"/>
+              </a:spcAft>
+              <a:defRPr sz="2000">
+                <a:solidFill>
+                  <a:srgbClr val="333333"/>
+                </a:solidFill>
+              </a:defRPr>
+            </a:pPr>
+            <a:r>
+              <a:t>This is what every agent framework implements</a:t>
             </a:r>
           </a:p>
         </p:txBody>
@@ -6191,17 +5978,9 @@
 </p:sld>
 </file>
 
-<file path=ppt/slides/slide6.xml><?xml version="1.0" encoding="utf-8"?>
+<file path=ppt/slides/slide4.xml><?xml version="1.0" encoding="utf-8"?>
 <p:sld xmlns:a="http://schemas.openxmlformats.org/drawingml/2006/main" xmlns:p="http://schemas.openxmlformats.org/presentationml/2006/main" xmlns:r="http://schemas.openxmlformats.org/officeDocument/2006/relationships">
   <p:cSld>
-    <p:bg>
-      <p:bgPr>
-        <a:solidFill>
-          <a:srgbClr val="FFFFFF"/>
-        </a:solidFill>
-        <a:effectLst/>
-      </p:bgPr>
-    </p:bg>
     <p:spTree>
       <p:nvGrpSpPr>
         <p:cNvPr id="1" name=""/>
@@ -6218,7 +5997,7 @@
         <p:spPr>
           <a:xfrm>
             <a:off x="0" y="0"/>
-            <a:ext cx="12191695" cy="54864"/>
+            <a:ext cx="12191695" cy="73152"/>
           </a:xfrm>
           <a:prstGeom prst="rect">
             <a:avLst/>
@@ -6261,7 +6040,7 @@
         <p:spPr>
           <a:xfrm>
             <a:off x="731520" y="274320"/>
-            <a:ext cx="10515600" cy="731520"/>
+            <a:ext cx="10728655" cy="731520"/>
           </a:xfrm>
           <a:prstGeom prst="rect">
             <a:avLst/>
@@ -6269,171 +6048,662 @@
           <a:noFill/>
         </p:spPr>
         <p:txBody>
-          <a:bodyPr wrap="square">
+          <a:bodyPr wrap="none">
             <a:spAutoFit/>
           </a:bodyPr>
           <a:lstStyle/>
           <a:p>
             <a:pPr>
-              <a:defRPr sz="2800" b="1">
+              <a:defRPr sz="3200" b="1">
                 <a:solidFill>
                   <a:srgbClr val="1B2A4A"/>
                 </a:solidFill>
               </a:defRPr>
             </a:pPr>
             <a:r>
-              <a:t>Pydantic AI — Type-Safe Agents</a:t>
-            </a:r>
-          </a:p>
-        </p:txBody>
-      </p:sp>
-      <p:sp>
-        <p:nvSpPr>
-          <p:cNvPr id="4" name="Rounded Rectangle 3"/>
-          <p:cNvSpPr/>
+              <a:t>Agent Frameworks — February 2026</a:t>
+            </a:r>
+          </a:p>
+        </p:txBody>
+      </p:sp>
+      <p:graphicFrame>
+        <p:nvGraphicFramePr>
+          <p:cNvPr id="4" name="Table 3"/>
+          <p:cNvGraphicFramePr>
+            <a:graphicFrameLocks noGrp="1"/>
+          </p:cNvGraphicFramePr>
           <p:nvPr/>
-        </p:nvSpPr>
-        <p:spPr>
-          <a:xfrm>
-            <a:off x="548640" y="1188720"/>
-            <a:ext cx="10972800" cy="4754880"/>
-          </a:xfrm>
-          <a:prstGeom prst="roundRect">
-            <a:avLst/>
-          </a:prstGeom>
-          <a:solidFill>
-            <a:srgbClr val="F0F0F0"/>
-          </a:solidFill>
-          <a:ln>
-            <a:noFill/>
-          </a:ln>
-        </p:spPr>
-        <p:style>
-          <a:lnRef idx="1">
-            <a:schemeClr val="accent1"/>
-          </a:lnRef>
-          <a:fillRef idx="3">
-            <a:schemeClr val="accent1"/>
-          </a:fillRef>
-          <a:effectRef idx="2">
-            <a:schemeClr val="accent1"/>
-          </a:effectRef>
-          <a:fontRef idx="minor">
-            <a:schemeClr val="lt1"/>
-          </a:fontRef>
-        </p:style>
-        <p:txBody>
-          <a:bodyPr rtlCol="0" anchor="ctr"/>
-          <a:lstStyle/>
-          <a:p>
-            <a:pPr algn="ctr"/>
-          </a:p>
-        </p:txBody>
-      </p:sp>
-      <p:sp>
-        <p:nvSpPr>
-          <p:cNvPr id="5" name="TextBox 4"/>
-          <p:cNvSpPr txBox="1"/>
-          <p:nvPr/>
-        </p:nvSpPr>
-        <p:spPr>
-          <a:xfrm>
-            <a:off x="822960" y="1371600"/>
-            <a:ext cx="10424160" cy="4389120"/>
-          </a:xfrm>
-          <a:prstGeom prst="rect">
-            <a:avLst/>
-          </a:prstGeom>
-          <a:noFill/>
-        </p:spPr>
-        <p:txBody>
-          <a:bodyPr wrap="square">
-            <a:spAutoFit/>
-          </a:bodyPr>
-          <a:lstStyle/>
-          <a:p>
-            <a:pPr>
-              <a:defRPr sz="1200">
-                <a:solidFill>
-                  <a:srgbClr val="333333"/>
-                </a:solidFill>
-                <a:latin typeface="Consolas"/>
-              </a:defRPr>
-            </a:pPr>
-            <a:r>
-              <a:t>from pydantic_ai import Agent</a:t>
-            </a:r>
-            <a:br/>
-            <a:r>
-              <a:t>from pydantic import BaseModel</a:t>
-            </a:r>
-            <a:br/>
-            <a:br/>
-            <a:r>
-              <a:t>class CityInfo(BaseModel):</a:t>
-            </a:r>
-            <a:br/>
-            <a:r>
-              <a:t>    name: str</a:t>
-            </a:r>
-            <a:br/>
-            <a:r>
-              <a:t>    population: int</a:t>
-            </a:r>
-            <a:br/>
-            <a:r>
-              <a:t>    country: str</a:t>
-            </a:r>
-            <a:br/>
-            <a:r>
-              <a:t>    fun_fact: str</a:t>
-            </a:r>
-            <a:br/>
-            <a:br/>
-            <a:r>
-              <a:t>agent = Agent(</a:t>
-            </a:r>
-            <a:br/>
-            <a:r>
-              <a:t>    "openai:gpt-5.2",  # or "anthropic:claude-sonnet-4-6-20250217"</a:t>
-            </a:r>
-            <a:br/>
-            <a:r>
-              <a:t>    result_type=CityInfo,  # Structured output built-in!</a:t>
-            </a:r>
-            <a:br/>
-            <a:r>
-              <a:t>    system_prompt="You provide city information."</a:t>
-            </a:r>
-            <a:br/>
-            <a:r>
-              <a:t>)</a:t>
-            </a:r>
-            <a:br/>
-            <a:br/>
-            <a:r>
-              <a:t>result = agent.run_sync("Tell me about Tokyo")</a:t>
-            </a:r>
-            <a:br/>
-            <a:r>
-              <a:t>print(result.data)  # CityInfo(name='Tokyo', population=13960000, ...)</a:t>
-            </a:r>
-            <a:br/>
-            <a:br/>
-            <a:r>
-              <a:t># Model-agnostic — swap providers with one line change</a:t>
-            </a:r>
-            <a:br/>
-            <a:r>
-              <a:t># Type-safe — IDE autocomplete on result.data</a:t>
-            </a:r>
-            <a:br/>
-            <a:r>
-              <a:t># Great for production APIs that need reliable structured output</a:t>
-            </a:r>
-          </a:p>
-        </p:txBody>
-      </p:sp>
+        </p:nvGraphicFramePr>
+        <p:xfrm>
+          <a:off x="731520" y="1280160"/>
+          <a:ext cx="10728652" cy="2560320"/>
+        </p:xfrm>
+        <a:graphic>
+          <a:graphicData uri="http://schemas.openxmlformats.org/drawingml/2006/table">
+            <a:tbl>
+              <a:tblPr firstRow="1" bandRow="1">
+                <a:tableStyleId>{5C22544A-7EE6-4342-B048-85BDC9FD1C3A}</a:tableStyleId>
+              </a:tblPr>
+              <a:tblGrid>
+                <a:gridCol w="2682163"/>
+                <a:gridCol w="2682163"/>
+                <a:gridCol w="2682163"/>
+                <a:gridCol w="2682163"/>
+              </a:tblGrid>
+              <a:tr h="365760">
+                <a:tc>
+                  <a:txBody>
+                    <a:bodyPr/>
+                    <a:lstStyle/>
+                    <a:p>
+                      <a:pPr algn="ctr">
+                        <a:defRPr sz="1400" b="1">
+                          <a:solidFill>
+                            <a:srgbClr val="FFFFFF"/>
+                          </a:solidFill>
+                        </a:defRPr>
+                      </a:pPr>
+                      <a:r>
+                        <a:t>Framework</a:t>
+                      </a:r>
+                    </a:p>
+                  </a:txBody>
+                  <a:tcPr>
+                    <a:solidFill>
+                      <a:srgbClr val="1B2A4A"/>
+                    </a:solidFill>
+                  </a:tcPr>
+                </a:tc>
+                <a:tc>
+                  <a:txBody>
+                    <a:bodyPr/>
+                    <a:lstStyle/>
+                    <a:p>
+                      <a:pPr algn="ctr">
+                        <a:defRPr sz="1400" b="1">
+                          <a:solidFill>
+                            <a:srgbClr val="FFFFFF"/>
+                          </a:solidFill>
+                        </a:defRPr>
+                      </a:pPr>
+                      <a:r>
+                        <a:t>Best For</a:t>
+                      </a:r>
+                    </a:p>
+                  </a:txBody>
+                  <a:tcPr>
+                    <a:solidFill>
+                      <a:srgbClr val="1B2A4A"/>
+                    </a:solidFill>
+                  </a:tcPr>
+                </a:tc>
+                <a:tc>
+                  <a:txBody>
+                    <a:bodyPr/>
+                    <a:lstStyle/>
+                    <a:p>
+                      <a:pPr algn="ctr">
+                        <a:defRPr sz="1400" b="1">
+                          <a:solidFill>
+                            <a:srgbClr val="FFFFFF"/>
+                          </a:solidFill>
+                        </a:defRPr>
+                      </a:pPr>
+                      <a:r>
+                        <a:t>Language</a:t>
+                      </a:r>
+                    </a:p>
+                  </a:txBody>
+                  <a:tcPr>
+                    <a:solidFill>
+                      <a:srgbClr val="1B2A4A"/>
+                    </a:solidFill>
+                  </a:tcPr>
+                </a:tc>
+                <a:tc>
+                  <a:txBody>
+                    <a:bodyPr/>
+                    <a:lstStyle/>
+                    <a:p>
+                      <a:pPr algn="ctr">
+                        <a:defRPr sz="1400" b="1">
+                          <a:solidFill>
+                            <a:srgbClr val="FFFFFF"/>
+                          </a:solidFill>
+                        </a:defRPr>
+                      </a:pPr>
+                      <a:r>
+                        <a:t>Key Feature</a:t>
+                      </a:r>
+                    </a:p>
+                  </a:txBody>
+                  <a:tcPr>
+                    <a:solidFill>
+                      <a:srgbClr val="1B2A4A"/>
+                    </a:solidFill>
+                  </a:tcPr>
+                </a:tc>
+              </a:tr>
+              <a:tr h="365760">
+                <a:tc>
+                  <a:txBody>
+                    <a:bodyPr/>
+                    <a:lstStyle/>
+                    <a:p>
+                      <a:pPr algn="ctr">
+                        <a:defRPr sz="1300">
+                          <a:solidFill>
+                            <a:srgbClr val="333333"/>
+                          </a:solidFill>
+                        </a:defRPr>
+                      </a:pPr>
+                      <a:r>
+                        <a:t>LangGraph</a:t>
+                      </a:r>
+                    </a:p>
+                  </a:txBody>
+                  <a:tcPr/>
+                </a:tc>
+                <a:tc>
+                  <a:txBody>
+                    <a:bodyPr/>
+                    <a:lstStyle/>
+                    <a:p>
+                      <a:pPr algn="ctr">
+                        <a:defRPr sz="1300">
+                          <a:solidFill>
+                            <a:srgbClr val="333333"/>
+                          </a:solidFill>
+                        </a:defRPr>
+                      </a:pPr>
+                      <a:r>
+                        <a:t>Complex stateful agents</a:t>
+                      </a:r>
+                    </a:p>
+                  </a:txBody>
+                  <a:tcPr/>
+                </a:tc>
+                <a:tc>
+                  <a:txBody>
+                    <a:bodyPr/>
+                    <a:lstStyle/>
+                    <a:p>
+                      <a:pPr algn="ctr">
+                        <a:defRPr sz="1300">
+                          <a:solidFill>
+                            <a:srgbClr val="333333"/>
+                          </a:solidFill>
+                        </a:defRPr>
+                      </a:pPr>
+                      <a:r>
+                        <a:t>Python/JS</a:t>
+                      </a:r>
+                    </a:p>
+                  </a:txBody>
+                  <a:tcPr/>
+                </a:tc>
+                <a:tc>
+                  <a:txBody>
+                    <a:bodyPr/>
+                    <a:lstStyle/>
+                    <a:p>
+                      <a:pPr algn="ctr">
+                        <a:defRPr sz="1300">
+                          <a:solidFill>
+                            <a:srgbClr val="333333"/>
+                          </a:solidFill>
+                        </a:defRPr>
+                      </a:pPr>
+                      <a:r>
+                        <a:t>Graph-based workflow</a:t>
+                      </a:r>
+                    </a:p>
+                  </a:txBody>
+                  <a:tcPr/>
+                </a:tc>
+              </a:tr>
+              <a:tr h="365760">
+                <a:tc>
+                  <a:txBody>
+                    <a:bodyPr/>
+                    <a:lstStyle/>
+                    <a:p>
+                      <a:pPr algn="ctr">
+                        <a:defRPr sz="1300">
+                          <a:solidFill>
+                            <a:srgbClr val="333333"/>
+                          </a:solidFill>
+                        </a:defRPr>
+                      </a:pPr>
+                      <a:r>
+                        <a:t>OpenAI Agents SDK</a:t>
+                      </a:r>
+                    </a:p>
+                  </a:txBody>
+                  <a:tcPr>
+                    <a:solidFill>
+                      <a:srgbClr val="F5F7FA"/>
+                    </a:solidFill>
+                  </a:tcPr>
+                </a:tc>
+                <a:tc>
+                  <a:txBody>
+                    <a:bodyPr/>
+                    <a:lstStyle/>
+                    <a:p>
+                      <a:pPr algn="ctr">
+                        <a:defRPr sz="1300">
+                          <a:solidFill>
+                            <a:srgbClr val="333333"/>
+                          </a:solidFill>
+                        </a:defRPr>
+                      </a:pPr>
+                      <a:r>
+                        <a:t>Simple OpenAI agents</a:t>
+                      </a:r>
+                    </a:p>
+                  </a:txBody>
+                  <a:tcPr>
+                    <a:solidFill>
+                      <a:srgbClr val="F5F7FA"/>
+                    </a:solidFill>
+                  </a:tcPr>
+                </a:tc>
+                <a:tc>
+                  <a:txBody>
+                    <a:bodyPr/>
+                    <a:lstStyle/>
+                    <a:p>
+                      <a:pPr algn="ctr">
+                        <a:defRPr sz="1300">
+                          <a:solidFill>
+                            <a:srgbClr val="333333"/>
+                          </a:solidFill>
+                        </a:defRPr>
+                      </a:pPr>
+                      <a:r>
+                        <a:t>Python</a:t>
+                      </a:r>
+                    </a:p>
+                  </a:txBody>
+                  <a:tcPr>
+                    <a:solidFill>
+                      <a:srgbClr val="F5F7FA"/>
+                    </a:solidFill>
+                  </a:tcPr>
+                </a:tc>
+                <a:tc>
+                  <a:txBody>
+                    <a:bodyPr/>
+                    <a:lstStyle/>
+                    <a:p>
+                      <a:pPr algn="ctr">
+                        <a:defRPr sz="1300">
+                          <a:solidFill>
+                            <a:srgbClr val="333333"/>
+                          </a:solidFill>
+                        </a:defRPr>
+                      </a:pPr>
+                      <a:r>
+                        <a:t>Built-in tool loop</a:t>
+                      </a:r>
+                    </a:p>
+                  </a:txBody>
+                  <a:tcPr>
+                    <a:solidFill>
+                      <a:srgbClr val="F5F7FA"/>
+                    </a:solidFill>
+                  </a:tcPr>
+                </a:tc>
+              </a:tr>
+              <a:tr h="365760">
+                <a:tc>
+                  <a:txBody>
+                    <a:bodyPr/>
+                    <a:lstStyle/>
+                    <a:p>
+                      <a:pPr algn="ctr">
+                        <a:defRPr sz="1300">
+                          <a:solidFill>
+                            <a:srgbClr val="333333"/>
+                          </a:solidFill>
+                        </a:defRPr>
+                      </a:pPr>
+                      <a:r>
+                        <a:t>CrewAI</a:t>
+                      </a:r>
+                    </a:p>
+                  </a:txBody>
+                  <a:tcPr/>
+                </a:tc>
+                <a:tc>
+                  <a:txBody>
+                    <a:bodyPr/>
+                    <a:lstStyle/>
+                    <a:p>
+                      <a:pPr algn="ctr">
+                        <a:defRPr sz="1300">
+                          <a:solidFill>
+                            <a:srgbClr val="333333"/>
+                          </a:solidFill>
+                        </a:defRPr>
+                      </a:pPr>
+                      <a:r>
+                        <a:t>Multi-agent teams</a:t>
+                      </a:r>
+                    </a:p>
+                  </a:txBody>
+                  <a:tcPr/>
+                </a:tc>
+                <a:tc>
+                  <a:txBody>
+                    <a:bodyPr/>
+                    <a:lstStyle/>
+                    <a:p>
+                      <a:pPr algn="ctr">
+                        <a:defRPr sz="1300">
+                          <a:solidFill>
+                            <a:srgbClr val="333333"/>
+                          </a:solidFill>
+                        </a:defRPr>
+                      </a:pPr>
+                      <a:r>
+                        <a:t>Python</a:t>
+                      </a:r>
+                    </a:p>
+                  </a:txBody>
+                  <a:tcPr/>
+                </a:tc>
+                <a:tc>
+                  <a:txBody>
+                    <a:bodyPr/>
+                    <a:lstStyle/>
+                    <a:p>
+                      <a:pPr algn="ctr">
+                        <a:defRPr sz="1300">
+                          <a:solidFill>
+                            <a:srgbClr val="333333"/>
+                          </a:solidFill>
+                        </a:defRPr>
+                      </a:pPr>
+                      <a:r>
+                        <a:t>Role-based agents</a:t>
+                      </a:r>
+                    </a:p>
+                  </a:txBody>
+                  <a:tcPr/>
+                </a:tc>
+              </a:tr>
+              <a:tr h="365760">
+                <a:tc>
+                  <a:txBody>
+                    <a:bodyPr/>
+                    <a:lstStyle/>
+                    <a:p>
+                      <a:pPr algn="ctr">
+                        <a:defRPr sz="1300">
+                          <a:solidFill>
+                            <a:srgbClr val="333333"/>
+                          </a:solidFill>
+                        </a:defRPr>
+                      </a:pPr>
+                      <a:r>
+                        <a:t>Anthropic Tool Use</a:t>
+                      </a:r>
+                    </a:p>
+                  </a:txBody>
+                  <a:tcPr>
+                    <a:solidFill>
+                      <a:srgbClr val="F5F7FA"/>
+                    </a:solidFill>
+                  </a:tcPr>
+                </a:tc>
+                <a:tc>
+                  <a:txBody>
+                    <a:bodyPr/>
+                    <a:lstStyle/>
+                    <a:p>
+                      <a:pPr algn="ctr">
+                        <a:defRPr sz="1300">
+                          <a:solidFill>
+                            <a:srgbClr val="333333"/>
+                          </a:solidFill>
+                        </a:defRPr>
+                      </a:pPr>
+                      <a:r>
+                        <a:t>Claude-native agents</a:t>
+                      </a:r>
+                    </a:p>
+                  </a:txBody>
+                  <a:tcPr>
+                    <a:solidFill>
+                      <a:srgbClr val="F5F7FA"/>
+                    </a:solidFill>
+                  </a:tcPr>
+                </a:tc>
+                <a:tc>
+                  <a:txBody>
+                    <a:bodyPr/>
+                    <a:lstStyle/>
+                    <a:p>
+                      <a:pPr algn="ctr">
+                        <a:defRPr sz="1300">
+                          <a:solidFill>
+                            <a:srgbClr val="333333"/>
+                          </a:solidFill>
+                        </a:defRPr>
+                      </a:pPr>
+                      <a:r>
+                        <a:t>Python</a:t>
+                      </a:r>
+                    </a:p>
+                  </a:txBody>
+                  <a:tcPr>
+                    <a:solidFill>
+                      <a:srgbClr val="F5F7FA"/>
+                    </a:solidFill>
+                  </a:tcPr>
+                </a:tc>
+                <a:tc>
+                  <a:txBody>
+                    <a:bodyPr/>
+                    <a:lstStyle/>
+                    <a:p>
+                      <a:pPr algn="ctr">
+                        <a:defRPr sz="1300">
+                          <a:solidFill>
+                            <a:srgbClr val="333333"/>
+                          </a:solidFill>
+                        </a:defRPr>
+                      </a:pPr>
+                      <a:r>
+                        <a:t>Direct tool loop</a:t>
+                      </a:r>
+                    </a:p>
+                  </a:txBody>
+                  <a:tcPr>
+                    <a:solidFill>
+                      <a:srgbClr val="F5F7FA"/>
+                    </a:solidFill>
+                  </a:tcPr>
+                </a:tc>
+              </a:tr>
+              <a:tr h="365760">
+                <a:tc>
+                  <a:txBody>
+                    <a:bodyPr/>
+                    <a:lstStyle/>
+                    <a:p>
+                      <a:pPr algn="ctr">
+                        <a:defRPr sz="1300">
+                          <a:solidFill>
+                            <a:srgbClr val="333333"/>
+                          </a:solidFill>
+                        </a:defRPr>
+                      </a:pPr>
+                      <a:r>
+                        <a:t>AutoGen (Microsoft)</a:t>
+                      </a:r>
+                    </a:p>
+                  </a:txBody>
+                  <a:tcPr/>
+                </a:tc>
+                <a:tc>
+                  <a:txBody>
+                    <a:bodyPr/>
+                    <a:lstStyle/>
+                    <a:p>
+                      <a:pPr algn="ctr">
+                        <a:defRPr sz="1300">
+                          <a:solidFill>
+                            <a:srgbClr val="333333"/>
+                          </a:solidFill>
+                        </a:defRPr>
+                      </a:pPr>
+                      <a:r>
+                        <a:t>Conversational agents</a:t>
+                      </a:r>
+                    </a:p>
+                  </a:txBody>
+                  <a:tcPr/>
+                </a:tc>
+                <a:tc>
+                  <a:txBody>
+                    <a:bodyPr/>
+                    <a:lstStyle/>
+                    <a:p>
+                      <a:pPr algn="ctr">
+                        <a:defRPr sz="1300">
+                          <a:solidFill>
+                            <a:srgbClr val="333333"/>
+                          </a:solidFill>
+                        </a:defRPr>
+                      </a:pPr>
+                      <a:r>
+                        <a:t>Python</a:t>
+                      </a:r>
+                    </a:p>
+                  </a:txBody>
+                  <a:tcPr/>
+                </a:tc>
+                <a:tc>
+                  <a:txBody>
+                    <a:bodyPr/>
+                    <a:lstStyle/>
+                    <a:p>
+                      <a:pPr algn="ctr">
+                        <a:defRPr sz="1300">
+                          <a:solidFill>
+                            <a:srgbClr val="333333"/>
+                          </a:solidFill>
+                        </a:defRPr>
+                      </a:pPr>
+                      <a:r>
+                        <a:t>Agent chat</a:t>
+                      </a:r>
+                    </a:p>
+                  </a:txBody>
+                  <a:tcPr/>
+                </a:tc>
+              </a:tr>
+              <a:tr h="365760">
+                <a:tc>
+                  <a:txBody>
+                    <a:bodyPr/>
+                    <a:lstStyle/>
+                    <a:p>
+                      <a:pPr algn="ctr">
+                        <a:defRPr sz="1300">
+                          <a:solidFill>
+                            <a:srgbClr val="333333"/>
+                          </a:solidFill>
+                        </a:defRPr>
+                      </a:pPr>
+                      <a:r>
+                        <a:t>Pydantic AI</a:t>
+                      </a:r>
+                    </a:p>
+                  </a:txBody>
+                  <a:tcPr>
+                    <a:solidFill>
+                      <a:srgbClr val="F5F7FA"/>
+                    </a:solidFill>
+                  </a:tcPr>
+                </a:tc>
+                <a:tc>
+                  <a:txBody>
+                    <a:bodyPr/>
+                    <a:lstStyle/>
+                    <a:p>
+                      <a:pPr algn="ctr">
+                        <a:defRPr sz="1300">
+                          <a:solidFill>
+                            <a:srgbClr val="333333"/>
+                          </a:solidFill>
+                        </a:defRPr>
+                      </a:pPr>
+                      <a:r>
+                        <a:t>Type-safe agents</a:t>
+                      </a:r>
+                    </a:p>
+                  </a:txBody>
+                  <a:tcPr>
+                    <a:solidFill>
+                      <a:srgbClr val="F5F7FA"/>
+                    </a:solidFill>
+                  </a:tcPr>
+                </a:tc>
+                <a:tc>
+                  <a:txBody>
+                    <a:bodyPr/>
+                    <a:lstStyle/>
+                    <a:p>
+                      <a:pPr algn="ctr">
+                        <a:defRPr sz="1300">
+                          <a:solidFill>
+                            <a:srgbClr val="333333"/>
+                          </a:solidFill>
+                        </a:defRPr>
+                      </a:pPr>
+                      <a:r>
+                        <a:t>Python</a:t>
+                      </a:r>
+                    </a:p>
+                  </a:txBody>
+                  <a:tcPr>
+                    <a:solidFill>
+                      <a:srgbClr val="F5F7FA"/>
+                    </a:solidFill>
+                  </a:tcPr>
+                </a:tc>
+                <a:tc>
+                  <a:txBody>
+                    <a:bodyPr/>
+                    <a:lstStyle/>
+                    <a:p>
+                      <a:pPr algn="ctr">
+                        <a:defRPr sz="1300">
+                          <a:solidFill>
+                            <a:srgbClr val="333333"/>
+                          </a:solidFill>
+                        </a:defRPr>
+                      </a:pPr>
+                      <a:r>
+                        <a:t>Pydantic integration</a:t>
+                      </a:r>
+                    </a:p>
+                  </a:txBody>
+                  <a:tcPr>
+                    <a:solidFill>
+                      <a:srgbClr val="F5F7FA"/>
+                    </a:solidFill>
+                  </a:tcPr>
+                </a:tc>
+              </a:tr>
+            </a:tbl>
+          </a:graphicData>
+        </a:graphic>
+      </p:graphicFrame>
     </p:spTree>
   </p:cSld>
   <p:clrMapOvr>
@@ -6442,17 +6712,9 @@
 </p:sld>
 </file>
 
-<file path=ppt/slides/slide7.xml><?xml version="1.0" encoding="utf-8"?>
+<file path=ppt/slides/slide5.xml><?xml version="1.0" encoding="utf-8"?>
 <p:sld xmlns:a="http://schemas.openxmlformats.org/drawingml/2006/main" xmlns:p="http://schemas.openxmlformats.org/presentationml/2006/main" xmlns:r="http://schemas.openxmlformats.org/officeDocument/2006/relationships">
   <p:cSld>
-    <p:bg>
-      <p:bgPr>
-        <a:solidFill>
-          <a:srgbClr val="FFFFFF"/>
-        </a:solidFill>
-        <a:effectLst/>
-      </p:bgPr>
-    </p:bg>
     <p:spTree>
       <p:nvGrpSpPr>
         <p:cNvPr id="1" name=""/>
@@ -6469,7 +6731,7 @@
         <p:spPr>
           <a:xfrm>
             <a:off x="0" y="0"/>
-            <a:ext cx="12191695" cy="54864"/>
+            <a:ext cx="12191695" cy="73152"/>
           </a:xfrm>
           <a:prstGeom prst="rect">
             <a:avLst/>
@@ -6512,7 +6774,7 @@
         <p:spPr>
           <a:xfrm>
             <a:off x="731520" y="274320"/>
-            <a:ext cx="10515600" cy="731520"/>
+            <a:ext cx="10728655" cy="822960"/>
           </a:xfrm>
           <a:prstGeom prst="rect">
             <a:avLst/>
@@ -6525,15 +6787,15 @@
           </a:bodyPr>
           <a:lstStyle/>
           <a:p>
-            <a:pPr>
-              <a:defRPr sz="2800" b="1">
+            <a:pPr algn="l">
+              <a:defRPr sz="3200" b="1">
                 <a:solidFill>
                   <a:srgbClr val="1B2A4A"/>
                 </a:solidFill>
               </a:defRPr>
             </a:pPr>
             <a:r>
-              <a:t>Multi-Agent Orchestration Patterns</a:t>
+              <a:t>LangGraph — Graph-Based Agents</a:t>
             </a:r>
           </a:p>
         </p:txBody>
@@ -6546,8 +6808,8 @@
         </p:nvSpPr>
         <p:spPr>
           <a:xfrm>
-            <a:off x="731520" y="1188720"/>
-            <a:ext cx="10515600" cy="5029200"/>
+            <a:off x="914400" y="1280160"/>
+            <a:ext cx="10362895" cy="5029200"/>
           </a:xfrm>
           <a:prstGeom prst="rect">
             <a:avLst/>
@@ -6561,77 +6823,110 @@
           <a:lstStyle/>
           <a:p>
             <a:pPr>
+              <a:spcBef>
+                <a:spcPts val="400"/>
+              </a:spcBef>
               <a:spcAft>
                 <a:spcPts val="800"/>
               </a:spcAft>
-              <a:defRPr sz="1800">
+              <a:defRPr sz="2000">
                 <a:solidFill>
                   <a:srgbClr val="333333"/>
                 </a:solidFill>
               </a:defRPr>
             </a:pPr>
             <a:r>
-              <a:t>Sequential Pipeline: Agent A → Agent B → Agent C (like CrewAI researcher→writer)</a:t>
+              <a:t>Model agents as directed graphs: nodes = steps, edges = flow</a:t>
             </a:r>
           </a:p>
           <a:p>
             <a:pPr>
+              <a:spcBef>
+                <a:spcPts val="400"/>
+              </a:spcBef>
               <a:spcAft>
                 <a:spcPts val="800"/>
               </a:spcAft>
-              <a:defRPr sz="1800">
+              <a:defRPr sz="2000">
                 <a:solidFill>
                   <a:srgbClr val="333333"/>
                 </a:solidFill>
               </a:defRPr>
             </a:pPr>
             <a:r>
-              <a:t>Supervisor/Worker: supervisor delegates subtasks, workers report back</a:t>
+              <a:t>StateGraph: define state shape, add nodes and edges</a:t>
             </a:r>
           </a:p>
           <a:p>
             <a:pPr>
+              <a:spcBef>
+                <a:spcPts val="400"/>
+              </a:spcBef>
               <a:spcAft>
                 <a:spcPts val="800"/>
               </a:spcAft>
-              <a:defRPr sz="1800">
+              <a:defRPr sz="2000">
                 <a:solidFill>
                   <a:srgbClr val="333333"/>
                 </a:solidFill>
               </a:defRPr>
             </a:pPr>
             <a:r>
-              <a:t>Debate/Consensus: agents argue, judge picks best answer (great for quality)</a:t>
+              <a:t>Conditional edges: route based on state (e.g., tool calls → tools)</a:t>
             </a:r>
           </a:p>
           <a:p>
             <a:pPr>
+              <a:spcBef>
+                <a:spcPts val="400"/>
+              </a:spcBef>
               <a:spcAft>
                 <a:spcPts val="800"/>
               </a:spcAft>
-              <a:defRPr sz="1800">
+              <a:defRPr sz="2000">
                 <a:solidFill>
                   <a:srgbClr val="333333"/>
                 </a:solidFill>
               </a:defRPr>
             </a:pPr>
             <a:r>
-              <a:t>Swarm (OpenAI): agents hand off conversations to each other dynamically</a:t>
+              <a:t>Built-in persistence, streaming, and human-in-the-loop</a:t>
             </a:r>
           </a:p>
           <a:p>
             <a:pPr>
+              <a:spcBef>
+                <a:spcPts val="400"/>
+              </a:spcBef>
               <a:spcAft>
                 <a:spcPts val="800"/>
               </a:spcAft>
-              <a:defRPr sz="1800">
+              <a:defRPr sz="2000">
                 <a:solidFill>
                   <a:srgbClr val="333333"/>
                 </a:solidFill>
               </a:defRPr>
             </a:pPr>
             <a:r>
-              <a:t>Most production systems use Sequential or Supervisor — simpler, cheaper</a:t>
+              <a:t>Integrates with LangChain tools and retrievers</a:t>
+            </a:r>
+          </a:p>
+          <a:p>
+            <a:pPr>
+              <a:spcBef>
+                <a:spcPts val="400"/>
+              </a:spcBef>
+              <a:spcAft>
+                <a:spcPts val="800"/>
+              </a:spcAft>
+              <a:defRPr sz="2000">
+                <a:solidFill>
+                  <a:srgbClr val="333333"/>
+                </a:solidFill>
+              </a:defRPr>
+            </a:pPr>
+            <a:r>
+              <a:t>Production-ready with LangGraph Cloud</a:t>
             </a:r>
           </a:p>
         </p:txBody>
@@ -6644,17 +6939,9 @@
 </p:sld>
 </file>
 
-<file path=ppt/slides/slide8.xml><?xml version="1.0" encoding="utf-8"?>
+<file path=ppt/slides/slide6.xml><?xml version="1.0" encoding="utf-8"?>
 <p:sld xmlns:a="http://schemas.openxmlformats.org/drawingml/2006/main" xmlns:p="http://schemas.openxmlformats.org/presentationml/2006/main" xmlns:r="http://schemas.openxmlformats.org/officeDocument/2006/relationships">
   <p:cSld>
-    <p:bg>
-      <p:bgPr>
-        <a:solidFill>
-          <a:srgbClr val="FFFFFF"/>
-        </a:solidFill>
-        <a:effectLst/>
-      </p:bgPr>
-    </p:bg>
     <p:spTree>
       <p:nvGrpSpPr>
         <p:cNvPr id="1" name=""/>
@@ -6671,7 +6958,7 @@
         <p:spPr>
           <a:xfrm>
             <a:off x="0" y="0"/>
-            <a:ext cx="12191695" cy="54864"/>
+            <a:ext cx="12191695" cy="73152"/>
           </a:xfrm>
           <a:prstGeom prst="rect">
             <a:avLst/>
@@ -6714,7 +7001,7 @@
         <p:spPr>
           <a:xfrm>
             <a:off x="731520" y="274320"/>
-            <a:ext cx="10515600" cy="731520"/>
+            <a:ext cx="10728655" cy="731520"/>
           </a:xfrm>
           <a:prstGeom prst="rect">
             <a:avLst/>
@@ -6722,7 +7009,7 @@
           <a:noFill/>
         </p:spPr>
         <p:txBody>
-          <a:bodyPr wrap="square">
+          <a:bodyPr wrap="none">
             <a:spAutoFit/>
           </a:bodyPr>
           <a:lstStyle/>
@@ -6735,119 +7022,21 @@
               </a:defRPr>
             </a:pPr>
             <a:r>
-              <a:t>Agent Memory — From Toy to Useful</a:t>
-            </a:r>
-          </a:p>
-        </p:txBody>
-      </p:sp>
-      <p:sp>
-        <p:nvSpPr>
-          <p:cNvPr id="4" name="TextBox 3"/>
-          <p:cNvSpPr txBox="1"/>
+              <a:t>LangGraph Agent — State &amp; Nodes</a:t>
+            </a:r>
+          </a:p>
+        </p:txBody>
+      </p:sp>
+      <p:sp>
+        <p:nvSpPr>
+          <p:cNvPr id="4" name="Rounded Rectangle 3"/>
+          <p:cNvSpPr/>
           <p:nvPr/>
         </p:nvSpPr>
         <p:spPr>
           <a:xfrm>
             <a:off x="731520" y="1188720"/>
-            <a:ext cx="5029200" cy="5029200"/>
-          </a:xfrm>
-          <a:prstGeom prst="rect">
-            <a:avLst/>
-          </a:prstGeom>
-          <a:noFill/>
-        </p:spPr>
-        <p:txBody>
-          <a:bodyPr wrap="square">
-            <a:spAutoFit/>
-          </a:bodyPr>
-          <a:lstStyle/>
-          <a:p>
-            <a:pPr>
-              <a:spcAft>
-                <a:spcPts val="800"/>
-              </a:spcAft>
-              <a:defRPr sz="1800">
-                <a:solidFill>
-                  <a:srgbClr val="333333"/>
-                </a:solidFill>
-              </a:defRPr>
-            </a:pPr>
-            <a:r>
-              <a:t>Conversation: chat history in messages array (you already do this)</a:t>
-            </a:r>
-          </a:p>
-          <a:p>
-            <a:pPr>
-              <a:spcAft>
-                <a:spcPts val="800"/>
-              </a:spcAft>
-              <a:defRPr sz="1800">
-                <a:solidFill>
-                  <a:srgbClr val="333333"/>
-                </a:solidFill>
-              </a:defRPr>
-            </a:pPr>
-            <a:r>
-              <a:t>Short-term: working scratchpad for current task (state in graph)</a:t>
-            </a:r>
-          </a:p>
-          <a:p>
-            <a:pPr>
-              <a:spcAft>
-                <a:spcPts val="800"/>
-              </a:spcAft>
-              <a:defRPr sz="1800">
-                <a:solidFill>
-                  <a:srgbClr val="333333"/>
-                </a:solidFill>
-              </a:defRPr>
-            </a:pPr>
-            <a:r>
-              <a:t>Long-term: persists across sessions — DB, vector store, file</a:t>
-            </a:r>
-          </a:p>
-          <a:p>
-            <a:pPr>
-              <a:spcAft>
-                <a:spcPts val="800"/>
-              </a:spcAft>
-              <a:defRPr sz="1800">
-                <a:solidFill>
-                  <a:srgbClr val="333333"/>
-                </a:solidFill>
-              </a:defRPr>
-            </a:pPr>
-            <a:r>
-              <a:t>LangGraph checkpointing: MemorySaver → SqliteSaver → PostgresSaver</a:t>
-            </a:r>
-          </a:p>
-          <a:p>
-            <a:pPr>
-              <a:spcAft>
-                <a:spcPts val="800"/>
-              </a:spcAft>
-              <a:defRPr sz="1800">
-                <a:solidFill>
-                  <a:srgbClr val="333333"/>
-                </a:solidFill>
-              </a:defRPr>
-            </a:pPr>
-            <a:r>
-              <a:t>Episodic: summarized past interactions in vector DB — the frontier</a:t>
-            </a:r>
-          </a:p>
-        </p:txBody>
-      </p:sp>
-      <p:sp>
-        <p:nvSpPr>
-          <p:cNvPr id="5" name="Rounded Rectangle 4"/>
-          <p:cNvSpPr/>
-          <p:nvPr/>
-        </p:nvSpPr>
-        <p:spPr>
-          <a:xfrm>
-            <a:off x="6217920" y="1188720"/>
-            <a:ext cx="5486400" cy="4572000"/>
+            <a:ext cx="10728655" cy="5212080"/>
           </a:xfrm>
           <a:prstGeom prst="roundRect">
             <a:avLst/>
@@ -6855,8 +7044,10 @@
           <a:solidFill>
             <a:srgbClr val="F0F0F0"/>
           </a:solidFill>
-          <a:ln>
-            <a:noFill/>
+          <a:ln w="12700">
+            <a:solidFill>
+              <a:srgbClr val="DDDDDD"/>
+            </a:solidFill>
           </a:ln>
         </p:spPr>
         <p:style>
@@ -6883,14 +7074,14 @@
       </p:sp>
       <p:sp>
         <p:nvSpPr>
-          <p:cNvPr id="6" name="TextBox 5"/>
+          <p:cNvPr id="5" name="TextBox 4"/>
           <p:cNvSpPr txBox="1"/>
           <p:nvPr/>
         </p:nvSpPr>
         <p:spPr>
           <a:xfrm>
-            <a:off x="6400800" y="1325880"/>
-            <a:ext cx="5120640" cy="4297680"/>
+            <a:off x="822960" y="1234440"/>
+            <a:ext cx="1828800" cy="320040"/>
           </a:xfrm>
           <a:prstGeom prst="rect">
             <a:avLst/>
@@ -6898,13 +7089,48 @@
           <a:noFill/>
         </p:spPr>
         <p:txBody>
+          <a:bodyPr wrap="none">
+            <a:spAutoFit/>
+          </a:bodyPr>
+          <a:lstStyle/>
+          <a:p>
+            <a:pPr>
+              <a:defRPr sz="1100" b="1">
+                <a:solidFill>
+                  <a:srgbClr val="666666"/>
+                </a:solidFill>
+              </a:defRPr>
+            </a:pPr>
+            <a:r>
+              <a:t>python</a:t>
+            </a:r>
+          </a:p>
+        </p:txBody>
+      </p:sp>
+      <p:sp>
+        <p:nvSpPr>
+          <p:cNvPr id="6" name="TextBox 5"/>
+          <p:cNvSpPr txBox="1"/>
+          <p:nvPr/>
+        </p:nvSpPr>
+        <p:spPr>
+          <a:xfrm>
+            <a:off x="914400" y="1554480"/>
+            <a:ext cx="10362895" cy="4754880"/>
+          </a:xfrm>
+          <a:prstGeom prst="rect">
+            <a:avLst/>
+          </a:prstGeom>
+          <a:noFill/>
+        </p:spPr>
+        <p:txBody>
           <a:bodyPr wrap="square">
             <a:spAutoFit/>
           </a:bodyPr>
           <a:lstStyle/>
           <a:p>
-            <a:pPr>
-              <a:defRPr sz="1100">
+            <a:pPr algn="l">
+              <a:defRPr sz="1300">
                 <a:solidFill>
                   <a:srgbClr val="333333"/>
                 </a:solidFill>
@@ -6912,32 +7138,66 @@
               </a:defRPr>
             </a:pPr>
             <a:r>
-              <a:t>from langgraph.checkpoint.memory import MemorySaver</a:t>
+              <a:t>from langgraph.graph import StateGraph, START, END</a:t>
             </a:r>
             <a:br/>
             <a:r>
-              <a:t>app = graph.compile(checkpointer=MemorySaver())</a:t>
+              <a:t>from langgraph.prebuilt import ToolNode</a:t>
+            </a:r>
+            <a:br/>
+            <a:r>
+              <a:t>from typing import Annotated, TypedDict</a:t>
+            </a:r>
+            <a:br/>
+            <a:r>
+              <a:t>from langgraph.graph.message import add_messages</a:t>
             </a:r>
             <a:br/>
             <a:br/>
             <a:r>
-              <a:t># Each thread_id = persistent conversation</a:t>
+              <a:t>class AgentState(TypedDict):</a:t>
             </a:r>
             <a:br/>
             <a:r>
-              <a:t>config = {"configurable": {"thread_id": "user-123"}}</a:t>
+              <a:t>    messages: Annotated[list, add_messages]</a:t>
             </a:r>
             <a:br/>
             <a:r>
-              <a:t>app.invoke({"messages": [HumanMessage("Hi!")]}, config)</a:t>
+              <a:t>    research_count: int</a:t>
             </a:r>
             <a:br/>
-            <a:r>
-              <a:t># Later — same thread picks up where it left off</a:t>
-            </a:r>
             <a:br/>
             <a:r>
-              <a:t>app.invoke({"messages": [HumanMessage("What did I say?")]}, config)</a:t>
+              <a:t>def agent_node(state):</a:t>
+            </a:r>
+            <a:br/>
+            <a:r>
+              <a:t>    response = llm_with_tools.invoke(state["messages"])</a:t>
+            </a:r>
+            <a:br/>
+            <a:r>
+              <a:t>    return {"messages": [response]}</a:t>
+            </a:r>
+            <a:br/>
+            <a:br/>
+            <a:r>
+              <a:t>def should_continue(state):</a:t>
+            </a:r>
+            <a:br/>
+            <a:r>
+              <a:t>    last = state["messages"][-1]</a:t>
+            </a:r>
+            <a:br/>
+            <a:r>
+              <a:t>    if hasattr(last, "tool_calls") and last.tool_calls:</a:t>
+            </a:r>
+            <a:br/>
+            <a:r>
+              <a:t>        return "tools"</a:t>
+            </a:r>
+            <a:br/>
+            <a:r>
+              <a:t>    return END</a:t>
             </a:r>
           </a:p>
         </p:txBody>
@@ -6950,17 +7210,9 @@
 </p:sld>
 </file>
 
-<file path=ppt/slides/slide9.xml><?xml version="1.0" encoding="utf-8"?>
+<file path=ppt/slides/slide7.xml><?xml version="1.0" encoding="utf-8"?>
 <p:sld xmlns:a="http://schemas.openxmlformats.org/drawingml/2006/main" xmlns:p="http://schemas.openxmlformats.org/presentationml/2006/main" xmlns:r="http://schemas.openxmlformats.org/officeDocument/2006/relationships">
   <p:cSld>
-    <p:bg>
-      <p:bgPr>
-        <a:solidFill>
-          <a:srgbClr val="FFFFFF"/>
-        </a:solidFill>
-        <a:effectLst/>
-      </p:bgPr>
-    </p:bg>
     <p:spTree>
       <p:nvGrpSpPr>
         <p:cNvPr id="1" name=""/>
@@ -6977,7 +7229,7 @@
         <p:spPr>
           <a:xfrm>
             <a:off x="0" y="0"/>
-            <a:ext cx="12191695" cy="54864"/>
+            <a:ext cx="12191695" cy="73152"/>
           </a:xfrm>
           <a:prstGeom prst="rect">
             <a:avLst/>
@@ -7020,7 +7272,7 @@
         <p:spPr>
           <a:xfrm>
             <a:off x="731520" y="274320"/>
-            <a:ext cx="10515600" cy="731520"/>
+            <a:ext cx="10728655" cy="731520"/>
           </a:xfrm>
           <a:prstGeom prst="rect">
             <a:avLst/>
@@ -7028,7 +7280,7 @@
           <a:noFill/>
         </p:spPr>
         <p:txBody>
-          <a:bodyPr wrap="square">
+          <a:bodyPr wrap="none">
             <a:spAutoFit/>
           </a:bodyPr>
           <a:lstStyle/>
@@ -7041,7 +7293,7 @@
               </a:defRPr>
             </a:pPr>
             <a:r>
-              <a:t>Human-in-the-Loop — Critical for Production</a:t>
+              <a:t>LangGraph Agent — Building the Graph</a:t>
             </a:r>
           </a:p>
         </p:txBody>
@@ -7054,14 +7306,195 @@
         </p:nvSpPr>
         <p:spPr>
           <a:xfrm>
-            <a:off x="548640" y="1188720"/>
-            <a:ext cx="10972800" cy="4754880"/>
+            <a:off x="731520" y="1188720"/>
+            <a:ext cx="10728655" cy="5212080"/>
           </a:xfrm>
           <a:prstGeom prst="roundRect">
             <a:avLst/>
           </a:prstGeom>
           <a:solidFill>
             <a:srgbClr val="F0F0F0"/>
+          </a:solidFill>
+          <a:ln w="12700">
+            <a:solidFill>
+              <a:srgbClr val="DDDDDD"/>
+            </a:solidFill>
+          </a:ln>
+        </p:spPr>
+        <p:style>
+          <a:lnRef idx="1">
+            <a:schemeClr val="accent1"/>
+          </a:lnRef>
+          <a:fillRef idx="3">
+            <a:schemeClr val="accent1"/>
+          </a:fillRef>
+          <a:effectRef idx="2">
+            <a:schemeClr val="accent1"/>
+          </a:effectRef>
+          <a:fontRef idx="minor">
+            <a:schemeClr val="lt1"/>
+          </a:fontRef>
+        </p:style>
+        <p:txBody>
+          <a:bodyPr rtlCol="0" anchor="ctr"/>
+          <a:lstStyle/>
+          <a:p>
+            <a:pPr algn="ctr"/>
+          </a:p>
+        </p:txBody>
+      </p:sp>
+      <p:sp>
+        <p:nvSpPr>
+          <p:cNvPr id="5" name="TextBox 4"/>
+          <p:cNvSpPr txBox="1"/>
+          <p:nvPr/>
+        </p:nvSpPr>
+        <p:spPr>
+          <a:xfrm>
+            <a:off x="822960" y="1234440"/>
+            <a:ext cx="1828800" cy="320040"/>
+          </a:xfrm>
+          <a:prstGeom prst="rect">
+            <a:avLst/>
+          </a:prstGeom>
+          <a:noFill/>
+        </p:spPr>
+        <p:txBody>
+          <a:bodyPr wrap="none">
+            <a:spAutoFit/>
+          </a:bodyPr>
+          <a:lstStyle/>
+          <a:p>
+            <a:pPr>
+              <a:defRPr sz="1100" b="1">
+                <a:solidFill>
+                  <a:srgbClr val="666666"/>
+                </a:solidFill>
+              </a:defRPr>
+            </a:pPr>
+            <a:r>
+              <a:t>python</a:t>
+            </a:r>
+          </a:p>
+        </p:txBody>
+      </p:sp>
+      <p:sp>
+        <p:nvSpPr>
+          <p:cNvPr id="6" name="TextBox 5"/>
+          <p:cNvSpPr txBox="1"/>
+          <p:nvPr/>
+        </p:nvSpPr>
+        <p:spPr>
+          <a:xfrm>
+            <a:off x="914400" y="1554480"/>
+            <a:ext cx="10362895" cy="4754880"/>
+          </a:xfrm>
+          <a:prstGeom prst="rect">
+            <a:avLst/>
+          </a:prstGeom>
+          <a:noFill/>
+        </p:spPr>
+        <p:txBody>
+          <a:bodyPr wrap="square">
+            <a:spAutoFit/>
+          </a:bodyPr>
+          <a:lstStyle/>
+          <a:p>
+            <a:pPr algn="l">
+              <a:defRPr sz="1300">
+                <a:solidFill>
+                  <a:srgbClr val="333333"/>
+                </a:solidFill>
+                <a:latin typeface="Consolas"/>
+              </a:defRPr>
+            </a:pPr>
+            <a:r>
+              <a:t>graph = StateGraph(AgentState)</a:t>
+            </a:r>
+            <a:br/>
+            <a:r>
+              <a:t>graph.add_node("agent", agent_node)</a:t>
+            </a:r>
+            <a:br/>
+            <a:r>
+              <a:t>graph.add_node("tools", ToolNode([search_web, write_report]))</a:t>
+            </a:r>
+            <a:br/>
+            <a:br/>
+            <a:r>
+              <a:t>graph.add_edge(START, "agent")</a:t>
+            </a:r>
+            <a:br/>
+            <a:r>
+              <a:t>graph.add_conditional_edges("agent", should_continue, ["tools", END])</a:t>
+            </a:r>
+            <a:br/>
+            <a:r>
+              <a:t>graph.add_edge("tools", "agent")</a:t>
+            </a:r>
+            <a:br/>
+            <a:br/>
+            <a:r>
+              <a:t>agent = graph.compile()</a:t>
+            </a:r>
+            <a:br/>
+            <a:br/>
+            <a:r>
+              <a:t># Run it</a:t>
+            </a:r>
+            <a:br/>
+            <a:r>
+              <a:t>result = agent.invoke({</a:t>
+            </a:r>
+            <a:br/>
+            <a:r>
+              <a:t>    "messages": [HumanMessage("Research AI regulations")],</a:t>
+            </a:r>
+            <a:br/>
+            <a:r>
+              <a:t>    "research_count": 0,</a:t>
+            </a:r>
+            <a:br/>
+            <a:r>
+              <a:t>})</a:t>
+            </a:r>
+          </a:p>
+        </p:txBody>
+      </p:sp>
+    </p:spTree>
+  </p:cSld>
+  <p:clrMapOvr>
+    <a:masterClrMapping/>
+  </p:clrMapOvr>
+</p:sld>
+</file>
+
+<file path=ppt/slides/slide8.xml><?xml version="1.0" encoding="utf-8"?>
+<p:sld xmlns:a="http://schemas.openxmlformats.org/drawingml/2006/main" xmlns:p="http://schemas.openxmlformats.org/presentationml/2006/main" xmlns:r="http://schemas.openxmlformats.org/officeDocument/2006/relationships">
+  <p:cSld>
+    <p:spTree>
+      <p:nvGrpSpPr>
+        <p:cNvPr id="1" name=""/>
+        <p:cNvGrpSpPr/>
+        <p:nvPr/>
+      </p:nvGrpSpPr>
+      <p:grpSpPr/>
+      <p:sp>
+        <p:nvSpPr>
+          <p:cNvPr id="2" name="Rectangle 1"/>
+          <p:cNvSpPr/>
+          <p:nvPr/>
+        </p:nvSpPr>
+        <p:spPr>
+          <a:xfrm>
+            <a:off x="0" y="0"/>
+            <a:ext cx="12191695" cy="73152"/>
+          </a:xfrm>
+          <a:prstGeom prst="rect">
+            <a:avLst/>
+          </a:prstGeom>
+          <a:solidFill>
+            <a:srgbClr val="0096D6"/>
           </a:solidFill>
           <a:ln>
             <a:noFill/>
@@ -7091,14 +7524,14 @@
       </p:sp>
       <p:sp>
         <p:nvSpPr>
-          <p:cNvPr id="5" name="TextBox 4"/>
+          <p:cNvPr id="3" name="TextBox 2"/>
           <p:cNvSpPr txBox="1"/>
           <p:nvPr/>
         </p:nvSpPr>
         <p:spPr>
           <a:xfrm>
-            <a:off x="822960" y="1371600"/>
-            <a:ext cx="10424160" cy="4389120"/>
+            <a:off x="731520" y="274320"/>
+            <a:ext cx="10728655" cy="822960"/>
           </a:xfrm>
           <a:prstGeom prst="rect">
             <a:avLst/>
@@ -7111,88 +7544,373 @@
           </a:bodyPr>
           <a:lstStyle/>
           <a:p>
+            <a:pPr algn="l">
+              <a:defRPr sz="3200" b="1">
+                <a:solidFill>
+                  <a:srgbClr val="1B2A4A"/>
+                </a:solidFill>
+              </a:defRPr>
+            </a:pPr>
+            <a:r>
+              <a:t>Multi-Agent Orchestration</a:t>
+            </a:r>
+          </a:p>
+        </p:txBody>
+      </p:sp>
+      <p:sp>
+        <p:nvSpPr>
+          <p:cNvPr id="4" name="TextBox 3"/>
+          <p:cNvSpPr txBox="1"/>
+          <p:nvPr/>
+        </p:nvSpPr>
+        <p:spPr>
+          <a:xfrm>
+            <a:off x="914400" y="1280160"/>
+            <a:ext cx="10362895" cy="5029200"/>
+          </a:xfrm>
+          <a:prstGeom prst="rect">
+            <a:avLst/>
+          </a:prstGeom>
+          <a:noFill/>
+        </p:spPr>
+        <p:txBody>
+          <a:bodyPr wrap="square">
+            <a:spAutoFit/>
+          </a:bodyPr>
+          <a:lstStyle/>
+          <a:p>
             <a:pPr>
-              <a:defRPr sz="1200">
+              <a:spcBef>
+                <a:spcPts val="400"/>
+              </a:spcBef>
+              <a:spcAft>
+                <a:spcPts val="800"/>
+              </a:spcAft>
+              <a:defRPr sz="2000">
                 <a:solidFill>
                   <a:srgbClr val="333333"/>
                 </a:solidFill>
-                <a:latin typeface="Consolas"/>
               </a:defRPr>
             </a:pPr>
             <a:r>
-              <a:t>graph = StateGraph(State)</a:t>
-            </a:r>
-            <a:br/>
-            <a:r>
-              <a:t>graph.add_node("plan", plan_node)</a:t>
-            </a:r>
-            <a:br/>
-            <a:r>
-              <a:t>graph.add_node("approve", approval_node)</a:t>
-            </a:r>
-            <a:br/>
-            <a:r>
-              <a:t>graph.add_node("execute", execute_node)</a:t>
-            </a:r>
-            <a:br/>
-            <a:r>
-              <a:t>graph.add_edge(START, "plan")</a:t>
-            </a:r>
-            <a:br/>
-            <a:r>
-              <a:t>graph.add_edge("plan", "approve")</a:t>
-            </a:r>
-            <a:br/>
-            <a:br/>
-            <a:r>
-              <a:t># Interrupt BEFORE risky actions</a:t>
-            </a:r>
-            <a:br/>
-            <a:r>
-              <a:t>app = graph.compile(</a:t>
-            </a:r>
-            <a:br/>
-            <a:r>
-              <a:t>    checkpointer=MemorySaver(),</a:t>
-            </a:r>
-            <a:br/>
-            <a:r>
-              <a:t>    interrupt_before=["execute"]  # ← Pauses here!</a:t>
-            </a:r>
-            <a:br/>
-            <a:r>
-              <a:t>)</a:t>
-            </a:r>
-            <a:br/>
-            <a:br/>
-            <a:r>
-              <a:t># Agent plans, then STOPS before executing</a:t>
-            </a:r>
-            <a:br/>
-            <a:r>
-              <a:t>result = app.invoke({"messages": [HumanMessage("Delete old files")]}, config)</a:t>
-            </a:r>
-            <a:br/>
-            <a:r>
-              <a:t># Human reviews the plan...</a:t>
-            </a:r>
-            <a:br/>
-            <a:br/>
-            <a:r>
-              <a:t># Resume execution after approval</a:t>
-            </a:r>
-            <a:br/>
-            <a:r>
-              <a:t>app.invoke(None, config)  # ← Continues from where it paused</a:t>
-            </a:r>
-            <a:br/>
-            <a:br/>
-            <a:r>
-              <a:t># ALWAYS start with human-in-the-loop for risky actions</a:t>
-            </a:r>
-            <a:br/>
-            <a:r>
-              <a:t># Gradually remove guardrails as you build trust</a:t>
+              <a:t>Multiple specialized agents collaborating on a task</a:t>
+            </a:r>
+          </a:p>
+          <a:p>
+            <a:pPr>
+              <a:spcBef>
+                <a:spcPts val="400"/>
+              </a:spcBef>
+              <a:spcAft>
+                <a:spcPts val="800"/>
+              </a:spcAft>
+              <a:defRPr sz="2000">
+                <a:solidFill>
+                  <a:srgbClr val="333333"/>
+                </a:solidFill>
+              </a:defRPr>
+            </a:pPr>
+            <a:r>
+              <a:t>Patterns: supervisor (one routes to others), pipeline, debate</a:t>
+            </a:r>
+          </a:p>
+          <a:p>
+            <a:pPr>
+              <a:spcBef>
+                <a:spcPts val="400"/>
+              </a:spcBef>
+              <a:spcAft>
+                <a:spcPts val="800"/>
+              </a:spcAft>
+              <a:defRPr sz="2000">
+                <a:solidFill>
+                  <a:srgbClr val="333333"/>
+                </a:solidFill>
+              </a:defRPr>
+            </a:pPr>
+            <a:r>
+              <a:t>CrewAI: define agents with roles, goals, and backstories</a:t>
+            </a:r>
+          </a:p>
+          <a:p>
+            <a:pPr>
+              <a:spcBef>
+                <a:spcPts val="400"/>
+              </a:spcBef>
+              <a:spcAft>
+                <a:spcPts val="800"/>
+              </a:spcAft>
+              <a:defRPr sz="2000">
+                <a:solidFill>
+                  <a:srgbClr val="333333"/>
+                </a:solidFill>
+              </a:defRPr>
+            </a:pPr>
+            <a:r>
+              <a:t>LangGraph: use sub-graphs for each agent</a:t>
+            </a:r>
+          </a:p>
+          <a:p>
+            <a:pPr>
+              <a:spcBef>
+                <a:spcPts val="400"/>
+              </a:spcBef>
+              <a:spcAft>
+                <a:spcPts val="800"/>
+              </a:spcAft>
+              <a:defRPr sz="2000">
+                <a:solidFill>
+                  <a:srgbClr val="333333"/>
+                </a:solidFill>
+              </a:defRPr>
+            </a:pPr>
+            <a:r>
+              <a:t>Example: researcher → analyst → writer → editor</a:t>
+            </a:r>
+          </a:p>
+          <a:p>
+            <a:pPr>
+              <a:spcBef>
+                <a:spcPts val="400"/>
+              </a:spcBef>
+              <a:spcAft>
+                <a:spcPts val="800"/>
+              </a:spcAft>
+              <a:defRPr sz="2000">
+                <a:solidFill>
+                  <a:srgbClr val="333333"/>
+                </a:solidFill>
+              </a:defRPr>
+            </a:pPr>
+            <a:r>
+              <a:t>Challenge: coordination, context sharing, error handling</a:t>
+            </a:r>
+          </a:p>
+        </p:txBody>
+      </p:sp>
+    </p:spTree>
+  </p:cSld>
+  <p:clrMapOvr>
+    <a:masterClrMapping/>
+  </p:clrMapOvr>
+</p:sld>
+</file>
+
+<file path=ppt/slides/slide9.xml><?xml version="1.0" encoding="utf-8"?>
+<p:sld xmlns:a="http://schemas.openxmlformats.org/drawingml/2006/main" xmlns:p="http://schemas.openxmlformats.org/presentationml/2006/main" xmlns:r="http://schemas.openxmlformats.org/officeDocument/2006/relationships">
+  <p:cSld>
+    <p:spTree>
+      <p:nvGrpSpPr>
+        <p:cNvPr id="1" name=""/>
+        <p:cNvGrpSpPr/>
+        <p:nvPr/>
+      </p:nvGrpSpPr>
+      <p:grpSpPr/>
+      <p:sp>
+        <p:nvSpPr>
+          <p:cNvPr id="2" name="Rectangle 1"/>
+          <p:cNvSpPr/>
+          <p:nvPr/>
+        </p:nvSpPr>
+        <p:spPr>
+          <a:xfrm>
+            <a:off x="0" y="0"/>
+            <a:ext cx="12191695" cy="73152"/>
+          </a:xfrm>
+          <a:prstGeom prst="rect">
+            <a:avLst/>
+          </a:prstGeom>
+          <a:solidFill>
+            <a:srgbClr val="0096D6"/>
+          </a:solidFill>
+          <a:ln>
+            <a:noFill/>
+          </a:ln>
+        </p:spPr>
+        <p:style>
+          <a:lnRef idx="1">
+            <a:schemeClr val="accent1"/>
+          </a:lnRef>
+          <a:fillRef idx="3">
+            <a:schemeClr val="accent1"/>
+          </a:fillRef>
+          <a:effectRef idx="2">
+            <a:schemeClr val="accent1"/>
+          </a:effectRef>
+          <a:fontRef idx="minor">
+            <a:schemeClr val="lt1"/>
+          </a:fontRef>
+        </p:style>
+        <p:txBody>
+          <a:bodyPr rtlCol="0" anchor="ctr"/>
+          <a:lstStyle/>
+          <a:p>
+            <a:pPr algn="ctr"/>
+          </a:p>
+        </p:txBody>
+      </p:sp>
+      <p:sp>
+        <p:nvSpPr>
+          <p:cNvPr id="3" name="TextBox 2"/>
+          <p:cNvSpPr txBox="1"/>
+          <p:nvPr/>
+        </p:nvSpPr>
+        <p:spPr>
+          <a:xfrm>
+            <a:off x="731520" y="274320"/>
+            <a:ext cx="10728655" cy="822960"/>
+          </a:xfrm>
+          <a:prstGeom prst="rect">
+            <a:avLst/>
+          </a:prstGeom>
+          <a:noFill/>
+        </p:spPr>
+        <p:txBody>
+          <a:bodyPr wrap="square">
+            <a:spAutoFit/>
+          </a:bodyPr>
+          <a:lstStyle/>
+          <a:p>
+            <a:pPr algn="l">
+              <a:defRPr sz="3200" b="1">
+                <a:solidFill>
+                  <a:srgbClr val="1B2A4A"/>
+                </a:solidFill>
+              </a:defRPr>
+            </a:pPr>
+            <a:r>
+              <a:t>Agent Memory</a:t>
+            </a:r>
+          </a:p>
+        </p:txBody>
+      </p:sp>
+      <p:sp>
+        <p:nvSpPr>
+          <p:cNvPr id="4" name="TextBox 3"/>
+          <p:cNvSpPr txBox="1"/>
+          <p:nvPr/>
+        </p:nvSpPr>
+        <p:spPr>
+          <a:xfrm>
+            <a:off x="914400" y="1280160"/>
+            <a:ext cx="10362895" cy="5029200"/>
+          </a:xfrm>
+          <a:prstGeom prst="rect">
+            <a:avLst/>
+          </a:prstGeom>
+          <a:noFill/>
+        </p:spPr>
+        <p:txBody>
+          <a:bodyPr wrap="square">
+            <a:spAutoFit/>
+          </a:bodyPr>
+          <a:lstStyle/>
+          <a:p>
+            <a:pPr>
+              <a:spcBef>
+                <a:spcPts val="400"/>
+              </a:spcBef>
+              <a:spcAft>
+                <a:spcPts val="800"/>
+              </a:spcAft>
+              <a:defRPr sz="2000">
+                <a:solidFill>
+                  <a:srgbClr val="333333"/>
+                </a:solidFill>
+              </a:defRPr>
+            </a:pPr>
+            <a:r>
+              <a:t>Short-term: conversation history (messages array)</a:t>
+            </a:r>
+          </a:p>
+          <a:p>
+            <a:pPr>
+              <a:spcBef>
+                <a:spcPts val="400"/>
+              </a:spcBef>
+              <a:spcAft>
+                <a:spcPts val="800"/>
+              </a:spcAft>
+              <a:defRPr sz="2000">
+                <a:solidFill>
+                  <a:srgbClr val="333333"/>
+                </a:solidFill>
+              </a:defRPr>
+            </a:pPr>
+            <a:r>
+              <a:t>Working memory: scratchpad / state within the graph</a:t>
+            </a:r>
+          </a:p>
+          <a:p>
+            <a:pPr>
+              <a:spcBef>
+                <a:spcPts val="400"/>
+              </a:spcBef>
+              <a:spcAft>
+                <a:spcPts val="800"/>
+              </a:spcAft>
+              <a:defRPr sz="2000">
+                <a:solidFill>
+                  <a:srgbClr val="333333"/>
+                </a:solidFill>
+              </a:defRPr>
+            </a:pPr>
+            <a:r>
+              <a:t>Long-term: vector DB or structured storage across sessions</a:t>
+            </a:r>
+          </a:p>
+          <a:p>
+            <a:pPr>
+              <a:spcBef>
+                <a:spcPts val="400"/>
+              </a:spcBef>
+              <a:spcAft>
+                <a:spcPts val="800"/>
+              </a:spcAft>
+              <a:defRPr sz="2000">
+                <a:solidFill>
+                  <a:srgbClr val="333333"/>
+                </a:solidFill>
+              </a:defRPr>
+            </a:pPr>
+            <a:r>
+              <a:t>LangGraph: built-in checkpointing and state persistence</a:t>
+            </a:r>
+          </a:p>
+          <a:p>
+            <a:pPr>
+              <a:spcBef>
+                <a:spcPts val="400"/>
+              </a:spcBef>
+              <a:spcAft>
+                <a:spcPts val="800"/>
+              </a:spcAft>
+              <a:defRPr sz="2000">
+                <a:solidFill>
+                  <a:srgbClr val="333333"/>
+                </a:solidFill>
+              </a:defRPr>
+            </a:pPr>
+            <a:r>
+              <a:t>Challenge: what to remember vs. what to forget</a:t>
+            </a:r>
+          </a:p>
+          <a:p>
+            <a:pPr>
+              <a:spcBef>
+                <a:spcPts val="400"/>
+              </a:spcBef>
+              <a:spcAft>
+                <a:spcPts val="800"/>
+              </a:spcAft>
+              <a:defRPr sz="2000">
+                <a:solidFill>
+                  <a:srgbClr val="333333"/>
+                </a:solidFill>
+              </a:defRPr>
+            </a:pPr>
+            <a:r>
+              <a:t>Practical: most apps only need short-term + simple key-value</a:t>
             </a:r>
           </a:p>
         </p:txBody>

--- a/developer/session-5/session-5-agentic-frameworks.pptx
+++ b/developer/session-5/session-5-agentic-frameworks.pptx
@@ -18,6 +18,7 @@
     <p:sldId id="266" r:id="rId18"/>
     <p:sldId id="267" r:id="rId19"/>
     <p:sldId id="268" r:id="rId20"/>
+    <p:sldId id="269" r:id="rId21"/>
   </p:sldIdLst>
   <p:sldSz cx="12191695" cy="6858000" type="screen4x3"/>
   <p:notesSz cx="6858000" cy="9144000"/>
@@ -514,7 +515,7 @@
           <a:lstStyle/>
           <a:p>
             <a:r>
-              <a:t>Welcome to Session 5. ReAct loop, LangGraph, CrewAI, multi-agent, and agentic coding</a:t>
+              <a:t>Today: agents, frameworks, multi-agent, coding agents.</a:t>
             </a:r>
           </a:p>
         </p:txBody>
@@ -584,217 +585,7 @@
           <a:lstStyle/>
           <a:p>
             <a:r>
-              <a:t>Both are production-quality. Codex is async/cloud. Claude Code is interactive/local. Cursor and Copilot also popular.</a:t>
-            </a:r>
-          </a:p>
-        </p:txBody>
-      </p:sp>
-      <p:sp>
-        <p:nvSpPr>
-          <p:cNvPr id="4" name="Slide Number Placeholder 3"/>
-          <p:cNvSpPr>
-            <a:spLocks noGrp="1"/>
-          </p:cNvSpPr>
-          <p:nvPr>
-            <p:ph type="sldNum" idx="5" sz="quarter"/>
-          </p:nvPr>
-        </p:nvSpPr>
-        <p:spPr/>
-      </p:sp>
-    </p:spTree>
-  </p:cSld>
-  <p:clrMapOvr>
-    <a:masterClrMapping/>
-  </p:clrMapOvr>
-</p:notes>
-</file>
-
-<file path=ppt/notesSlides/notesSlide11.xml><?xml version="1.0" encoding="utf-8"?>
-<p:notes xmlns:a="http://schemas.openxmlformats.org/drawingml/2006/main" xmlns:p="http://schemas.openxmlformats.org/presentationml/2006/main" xmlns:r="http://schemas.openxmlformats.org/officeDocument/2006/relationships">
-  <p:cSld>
-    <p:spTree>
-      <p:nvGrpSpPr>
-        <p:cNvPr id="1" name=""/>
-        <p:cNvGrpSpPr/>
-        <p:nvPr/>
-      </p:nvGrpSpPr>
-      <p:grpSpPr>
-        <a:xfrm>
-          <a:off x="0" y="0"/>
-          <a:ext cx="0" cy="0"/>
-          <a:chOff x="0" y="0"/>
-          <a:chExt cx="0" cy="0"/>
-        </a:xfrm>
-      </p:grpSpPr>
-      <p:sp>
-        <p:nvSpPr>
-          <p:cNvPr id="2" name="Slide Image Placeholder 1"/>
-          <p:cNvSpPr>
-            <a:spLocks noGrp="1"/>
-          </p:cNvSpPr>
-          <p:nvPr>
-            <p:ph type="sldImg" idx="2"/>
-          </p:nvPr>
-        </p:nvSpPr>
-        <p:spPr/>
-      </p:sp>
-      <p:sp>
-        <p:nvSpPr>
-          <p:cNvPr id="3" name="Notes Placeholder 2"/>
-          <p:cNvSpPr>
-            <a:spLocks noGrp="1"/>
-          </p:cNvSpPr>
-          <p:nvPr>
-            <p:ph type="body" idx="3" sz="quarter"/>
-          </p:nvPr>
-        </p:nvSpPr>
-        <p:spPr/>
-        <p:txBody>
-          <a:bodyPr/>
-          <a:lstStyle/>
-          <a:p>
-            <a:r>
-              <a:t>Brief mention of Cursor and Copilot. Detailed comparison in Session 8.</a:t>
-            </a:r>
-          </a:p>
-        </p:txBody>
-      </p:sp>
-      <p:sp>
-        <p:nvSpPr>
-          <p:cNvPr id="4" name="Slide Number Placeholder 3"/>
-          <p:cNvSpPr>
-            <a:spLocks noGrp="1"/>
-          </p:cNvSpPr>
-          <p:nvPr>
-            <p:ph type="sldNum" idx="5" sz="quarter"/>
-          </p:nvPr>
-        </p:nvSpPr>
-        <p:spPr/>
-      </p:sp>
-    </p:spTree>
-  </p:cSld>
-  <p:clrMapOvr>
-    <a:masterClrMapping/>
-  </p:clrMapOvr>
-</p:notes>
-</file>
-
-<file path=ppt/notesSlides/notesSlide12.xml><?xml version="1.0" encoding="utf-8"?>
-<p:notes xmlns:a="http://schemas.openxmlformats.org/drawingml/2006/main" xmlns:p="http://schemas.openxmlformats.org/presentationml/2006/main" xmlns:r="http://schemas.openxmlformats.org/officeDocument/2006/relationships">
-  <p:cSld>
-    <p:spTree>
-      <p:nvGrpSpPr>
-        <p:cNvPr id="1" name=""/>
-        <p:cNvGrpSpPr/>
-        <p:nvPr/>
-      </p:nvGrpSpPr>
-      <p:grpSpPr>
-        <a:xfrm>
-          <a:off x="0" y="0"/>
-          <a:ext cx="0" cy="0"/>
-          <a:chOff x="0" y="0"/>
-          <a:chExt cx="0" cy="0"/>
-        </a:xfrm>
-      </p:grpSpPr>
-      <p:sp>
-        <p:nvSpPr>
-          <p:cNvPr id="2" name="Slide Image Placeholder 1"/>
-          <p:cNvSpPr>
-            <a:spLocks noGrp="1"/>
-          </p:cNvSpPr>
-          <p:nvPr>
-            <p:ph type="sldImg" idx="2"/>
-          </p:nvPr>
-        </p:nvSpPr>
-        <p:spPr/>
-      </p:sp>
-      <p:sp>
-        <p:nvSpPr>
-          <p:cNvPr id="3" name="Notes Placeholder 2"/>
-          <p:cNvSpPr>
-            <a:spLocks noGrp="1"/>
-          </p:cNvSpPr>
-          <p:nvPr>
-            <p:ph type="body" idx="3" sz="quarter"/>
-          </p:nvPr>
-        </p:nvSpPr>
-        <p:spPr/>
-        <p:txBody>
-          <a:bodyPr/>
-          <a:lstStyle/>
-          <a:p>
-            <a:r>
-              <a:t>Hands-on. Students run the LangGraph agent, observe the ReAct loop in action.</a:t>
-            </a:r>
-          </a:p>
-        </p:txBody>
-      </p:sp>
-      <p:sp>
-        <p:nvSpPr>
-          <p:cNvPr id="4" name="Slide Number Placeholder 3"/>
-          <p:cNvSpPr>
-            <a:spLocks noGrp="1"/>
-          </p:cNvSpPr>
-          <p:nvPr>
-            <p:ph type="sldNum" idx="5" sz="quarter"/>
-          </p:nvPr>
-        </p:nvSpPr>
-        <p:spPr/>
-      </p:sp>
-    </p:spTree>
-  </p:cSld>
-  <p:clrMapOvr>
-    <a:masterClrMapping/>
-  </p:clrMapOvr>
-</p:notes>
-</file>
-
-<file path=ppt/notesSlides/notesSlide13.xml><?xml version="1.0" encoding="utf-8"?>
-<p:notes xmlns:a="http://schemas.openxmlformats.org/drawingml/2006/main" xmlns:p="http://schemas.openxmlformats.org/presentationml/2006/main" xmlns:r="http://schemas.openxmlformats.org/officeDocument/2006/relationships">
-  <p:cSld>
-    <p:spTree>
-      <p:nvGrpSpPr>
-        <p:cNvPr id="1" name=""/>
-        <p:cNvGrpSpPr/>
-        <p:nvPr/>
-      </p:nvGrpSpPr>
-      <p:grpSpPr>
-        <a:xfrm>
-          <a:off x="0" y="0"/>
-          <a:ext cx="0" cy="0"/>
-          <a:chOff x="0" y="0"/>
-          <a:chExt cx="0" cy="0"/>
-        </a:xfrm>
-      </p:grpSpPr>
-      <p:sp>
-        <p:nvSpPr>
-          <p:cNvPr id="2" name="Slide Image Placeholder 1"/>
-          <p:cNvSpPr>
-            <a:spLocks noGrp="1"/>
-          </p:cNvSpPr>
-          <p:nvPr>
-            <p:ph type="sldImg" idx="2"/>
-          </p:nvPr>
-        </p:nvSpPr>
-        <p:spPr/>
-      </p:sp>
-      <p:sp>
-        <p:nvSpPr>
-          <p:cNvPr id="3" name="Notes Placeholder 2"/>
-          <p:cNvSpPr>
-            <a:spLocks noGrp="1"/>
-          </p:cNvSpPr>
-          <p:nvPr>
-            <p:ph type="body" idx="3" sz="quarter"/>
-          </p:nvPr>
-        </p:nvSpPr>
-        <p:spPr/>
-        <p:txBody>
-          <a:bodyPr/>
-          <a:lstStyle/>
-          <a:p>
-            <a:r>
-              <a:t>Recap. Agents are the future but start simple.</a:t>
+              <a:t>~25 min. This brings together everything from Sessions 1-4.</a:t>
             </a:r>
           </a:p>
         </p:txBody>
@@ -864,7 +655,7 @@
           <a:lstStyle/>
           <a:p>
             <a:r>
-              <a:t>Agents are the biggest shift in how we use LLMs. The model becomes a decision-maker, not just a responder.</a:t>
+              <a:t>Agent = LLM + tools + loop. That's it.</a:t>
             </a:r>
           </a:p>
         </p:txBody>
@@ -934,7 +725,7 @@
           <a:lstStyle/>
           <a:p>
             <a:r>
-              <a:t>ReAct is the foundational agent pattern. Draw the loop diagram on the whiteboard.</a:t>
+              <a:t>This is the core pattern. Every framework implements this differently.</a:t>
             </a:r>
           </a:p>
         </p:txBody>
@@ -1004,7 +795,7 @@
           <a:lstStyle/>
           <a:p>
             <a:r>
-              <a:t>Framework landscape. LangGraph is the most mature. OpenAI SDK is simplest. CrewAI is great for multi-agent.</a:t>
+              <a:t>No single best framework. Match to your use case.</a:t>
             </a:r>
           </a:p>
         </p:txBody>
@@ -1074,7 +865,7 @@
           <a:lstStyle/>
           <a:p>
             <a:r>
-              <a:t>LangGraph is the recommended framework for complex agents. Graph abstraction is powerful.</a:t>
+              <a:t>OpenAI Agents SDK: simplest way to build an agent with OpenAI.</a:t>
             </a:r>
           </a:p>
         </p:txBody>
@@ -1144,7 +935,7 @@
           <a:lstStyle/>
           <a:p>
             <a:r>
-              <a:t>LangGraph agent definition. State is a TypedDict. Nodes are functions. Conditional edges route the flow.</a:t>
+              <a:t>LangGraph: graph-based agent. More control over flow.</a:t>
             </a:r>
           </a:p>
         </p:txBody>
@@ -1214,7 +1005,7 @@
           <a:lstStyle/>
           <a:p>
             <a:r>
-              <a:t>Compile the graph and invoke it. The agent loops between reasoning and tool use until it decides to stop.</a:t>
+              <a:t>Multi-agent is powerful but complex. Start with single agent.</a:t>
             </a:r>
           </a:p>
         </p:txBody>
@@ -1284,7 +1075,7 @@
           <a:lstStyle/>
           <a:p>
             <a:r>
-              <a:t>Multi-agent is powerful but complex. Start with single agents, add more only when needed.</a:t>
+              <a:t>Memory turns a tool into a colleague.</a:t>
             </a:r>
           </a:p>
         </p:txBody>
@@ -1354,7 +1145,7 @@
           <a:lstStyle/>
           <a:p>
             <a:r>
-              <a:t>Memory is often over-engineered. Start simple. Add long-term only when you have a real need.</a:t>
+              <a:t>Demo Claude Code if available. Show real coding workflow.</a:t>
             </a:r>
           </a:p>
         </p:txBody>
@@ -4376,8 +4167,8 @@
         </p:nvSpPr>
         <p:spPr>
           <a:xfrm>
-            <a:off x="914400" y="1828800"/>
-            <a:ext cx="10362895" cy="1371600"/>
+            <a:off x="731520" y="1828800"/>
+            <a:ext cx="10698480" cy="1828800"/>
           </a:xfrm>
           <a:prstGeom prst="rect">
             <a:avLst/>
@@ -4398,7 +4189,7 @@
               </a:defRPr>
             </a:pPr>
             <a:r>
-              <a:t>Agentic AI &amp; Frameworks</a:t>
+              <a:t>Session 5: Agentic AI &amp; Frameworks</a:t>
             </a:r>
           </a:p>
         </p:txBody>
@@ -4411,8 +4202,8 @@
         </p:nvSpPr>
         <p:spPr>
           <a:xfrm>
-            <a:off x="914400" y="3291840"/>
-            <a:ext cx="10362895" cy="914400"/>
+            <a:off x="731520" y="3840480"/>
+            <a:ext cx="10698480" cy="914400"/>
           </a:xfrm>
           <a:prstGeom prst="rect">
             <a:avLst/>
@@ -4426,81 +4217,28 @@
           <a:lstStyle/>
           <a:p>
             <a:pPr algn="l">
-              <a:defRPr sz="2200">
+              <a:defRPr sz="2400">
                 <a:solidFill>
                   <a:srgbClr val="0096D6"/>
                 </a:solidFill>
               </a:defRPr>
             </a:pPr>
             <a:r>
-              <a:t>ReAct loop, LangGraph, CrewAI, multi-agent, and agentic coding</a:t>
-            </a:r>
-          </a:p>
-        </p:txBody>
-      </p:sp>
-      <p:sp>
-        <p:nvSpPr>
-          <p:cNvPr id="4" name="TextBox 3"/>
-          <p:cNvSpPr txBox="1"/>
+              <a:t>Cut the Crap — AI Engineer Edition</a:t>
+            </a:r>
+          </a:p>
+        </p:txBody>
+      </p:sp>
+      <p:sp>
+        <p:nvSpPr>
+          <p:cNvPr id="4" name="Rectangle 3"/>
+          <p:cNvSpPr/>
           <p:nvPr/>
         </p:nvSpPr>
         <p:spPr>
           <a:xfrm>
-            <a:off x="914400" y="4572000"/>
-            <a:ext cx="10362895" cy="548640"/>
-          </a:xfrm>
-          <a:prstGeom prst="rect">
-            <a:avLst/>
-          </a:prstGeom>
-          <a:noFill/>
-        </p:spPr>
-        <p:txBody>
-          <a:bodyPr wrap="none">
-            <a:spAutoFit/>
-          </a:bodyPr>
-          <a:lstStyle/>
-          <a:p>
-            <a:pPr algn="l">
-              <a:defRPr sz="1400">
-                <a:solidFill>
-                  <a:srgbClr val="8899BB"/>
-                </a:solidFill>
-              </a:defRPr>
-            </a:pPr>
-            <a:r>
-              <a:t>Session 5 of 8  •  Cut the Crap — AI Engineer Edition  •  February 2026</a:t>
-            </a:r>
-          </a:p>
-        </p:txBody>
-      </p:sp>
-    </p:spTree>
-  </p:cSld>
-  <p:clrMapOvr>
-    <a:masterClrMapping/>
-  </p:clrMapOvr>
-</p:sld>
-</file>
-
-<file path=ppt/slides/slide10.xml><?xml version="1.0" encoding="utf-8"?>
-<p:sld xmlns:a="http://schemas.openxmlformats.org/drawingml/2006/main" xmlns:p="http://schemas.openxmlformats.org/presentationml/2006/main" xmlns:r="http://schemas.openxmlformats.org/officeDocument/2006/relationships">
-  <p:cSld>
-    <p:spTree>
-      <p:nvGrpSpPr>
-        <p:cNvPr id="1" name=""/>
-        <p:cNvGrpSpPr/>
-        <p:nvPr/>
-      </p:nvGrpSpPr>
-      <p:grpSpPr/>
-      <p:sp>
-        <p:nvSpPr>
-          <p:cNvPr id="2" name="Rectangle 1"/>
-          <p:cNvSpPr/>
-          <p:nvPr/>
-        </p:nvSpPr>
-        <p:spPr>
-          <a:xfrm>
-            <a:off x="0" y="0"/>
-            <a:ext cx="12191695" cy="73152"/>
+            <a:off x="731520" y="3657600"/>
+            <a:ext cx="2743200" cy="50800"/>
           </a:xfrm>
           <a:prstGeom prst="rect">
             <a:avLst/>
@@ -4534,6 +4272,67 @@
           </a:p>
         </p:txBody>
       </p:sp>
+    </p:spTree>
+  </p:cSld>
+  <p:clrMapOvr>
+    <a:masterClrMapping/>
+  </p:clrMapOvr>
+</p:sld>
+</file>
+
+<file path=ppt/slides/slide10.xml><?xml version="1.0" encoding="utf-8"?>
+<p:sld xmlns:a="http://schemas.openxmlformats.org/drawingml/2006/main" xmlns:p="http://schemas.openxmlformats.org/presentationml/2006/main" xmlns:r="http://schemas.openxmlformats.org/officeDocument/2006/relationships">
+  <p:cSld>
+    <p:spTree>
+      <p:nvGrpSpPr>
+        <p:cNvPr id="1" name=""/>
+        <p:cNvGrpSpPr/>
+        <p:nvPr/>
+      </p:nvGrpSpPr>
+      <p:grpSpPr/>
+      <p:sp>
+        <p:nvSpPr>
+          <p:cNvPr id="2" name="Rectangle 1"/>
+          <p:cNvSpPr/>
+          <p:nvPr/>
+        </p:nvSpPr>
+        <p:spPr>
+          <a:xfrm>
+            <a:off x="0" y="0"/>
+            <a:ext cx="12191695" cy="1005840"/>
+          </a:xfrm>
+          <a:prstGeom prst="rect">
+            <a:avLst/>
+          </a:prstGeom>
+          <a:solidFill>
+            <a:srgbClr val="1B2A4A"/>
+          </a:solidFill>
+          <a:ln>
+            <a:noFill/>
+          </a:ln>
+        </p:spPr>
+        <p:style>
+          <a:lnRef idx="1">
+            <a:schemeClr val="accent1"/>
+          </a:lnRef>
+          <a:fillRef idx="3">
+            <a:schemeClr val="accent1"/>
+          </a:fillRef>
+          <a:effectRef idx="2">
+            <a:schemeClr val="accent1"/>
+          </a:effectRef>
+          <a:fontRef idx="minor">
+            <a:schemeClr val="lt1"/>
+          </a:fontRef>
+        </p:style>
+        <p:txBody>
+          <a:bodyPr rtlCol="0" anchor="ctr"/>
+          <a:lstStyle/>
+          <a:p>
+            <a:pPr algn="ctr"/>
+          </a:p>
+        </p:txBody>
+      </p:sp>
       <p:sp>
         <p:nvSpPr>
           <p:cNvPr id="3" name="TextBox 2"/>
@@ -4542,8 +4341,8 @@
         </p:nvSpPr>
         <p:spPr>
           <a:xfrm>
-            <a:off x="731520" y="274320"/>
-            <a:ext cx="10728655" cy="731520"/>
+            <a:off x="731520" y="137160"/>
+            <a:ext cx="10698480" cy="731520"/>
           </a:xfrm>
           <a:prstGeom prst="rect">
             <a:avLst/>
@@ -4551,20 +4350,20 @@
           <a:noFill/>
         </p:spPr>
         <p:txBody>
-          <a:bodyPr wrap="none">
+          <a:bodyPr wrap="square">
             <a:spAutoFit/>
           </a:bodyPr>
           <a:lstStyle/>
           <a:p>
             <a:pPr>
-              <a:defRPr sz="3200" b="1">
-                <a:solidFill>
-                  <a:srgbClr val="1B2A4A"/>
-                </a:solidFill>
-              </a:defRPr>
-            </a:pPr>
-            <a:r>
-              <a:t>Agentic Coding Tools</a:t>
+              <a:defRPr sz="2800" b="1">
+                <a:solidFill>
+                  <a:srgbClr val="FFFFFF"/>
+                </a:solidFill>
+              </a:defRPr>
+            </a:pPr>
+            <a:r>
+              <a:t>Agent Memory</a:t>
             </a:r>
           </a:p>
         </p:txBody>
@@ -4577,8 +4376,8 @@
         </p:nvSpPr>
         <p:spPr>
           <a:xfrm>
-            <a:off x="731520" y="1188720"/>
-            <a:ext cx="5029200" cy="457200"/>
+            <a:off x="731520" y="1280160"/>
+            <a:ext cx="10698480" cy="5029200"/>
           </a:xfrm>
           <a:prstGeom prst="rect">
             <a:avLst/>
@@ -4586,41 +4385,6 @@
           <a:noFill/>
         </p:spPr>
         <p:txBody>
-          <a:bodyPr wrap="none">
-            <a:spAutoFit/>
-          </a:bodyPr>
-          <a:lstStyle/>
-          <a:p>
-            <a:pPr>
-              <a:defRPr sz="2200" b="1">
-                <a:solidFill>
-                  <a:srgbClr val="0096D6"/>
-                </a:solidFill>
-              </a:defRPr>
-            </a:pPr>
-            <a:r>
-              <a:t>GPT-5.2-Codex (OpenAI)</a:t>
-            </a:r>
-          </a:p>
-        </p:txBody>
-      </p:sp>
-      <p:sp>
-        <p:nvSpPr>
-          <p:cNvPr id="5" name="TextBox 4"/>
-          <p:cNvSpPr txBox="1"/>
-          <p:nvPr/>
-        </p:nvSpPr>
-        <p:spPr>
-          <a:xfrm>
-            <a:off x="731520" y="1737360"/>
-            <a:ext cx="5029200" cy="4572000"/>
-          </a:xfrm>
-          <a:prstGeom prst="rect">
-            <a:avLst/>
-          </a:prstGeom>
-          <a:noFill/>
-        </p:spPr>
-        <p:txBody>
           <a:bodyPr wrap="square">
             <a:spAutoFit/>
           </a:bodyPr>
@@ -4628,209 +4392,91 @@
           <a:p>
             <a:pPr>
               <a:spcAft>
-                <a:spcPts val="600"/>
+                <a:spcPts val="1000"/>
               </a:spcAft>
-              <a:defRPr sz="1800">
-                <a:solidFill>
-                  <a:srgbClr val="333333"/>
-                </a:solidFill>
-              </a:defRPr>
-            </a:pPr>
-            <a:r>
-              <a:t>Cloud-based coding agent</a:t>
+              <a:defRPr sz="2200">
+                <a:solidFill>
+                  <a:srgbClr val="222222"/>
+                </a:solidFill>
+              </a:defRPr>
+            </a:pPr>
+            <a:r>
+              <a:t>Short-term: conversation history (messages array)</a:t>
             </a:r>
           </a:p>
           <a:p>
             <a:pPr>
               <a:spcAft>
-                <a:spcPts val="600"/>
+                <a:spcPts val="1000"/>
               </a:spcAft>
-              <a:defRPr sz="1800">
-                <a:solidFill>
-                  <a:srgbClr val="333333"/>
-                </a:solidFill>
-              </a:defRPr>
-            </a:pPr>
-            <a:r>
-              <a:t>Runs in sandboxed environment</a:t>
+              <a:defRPr sz="2200">
+                <a:solidFill>
+                  <a:srgbClr val="222222"/>
+                </a:solidFill>
+              </a:defRPr>
+            </a:pPr>
+            <a:r>
+              <a:t>Long-term: persistent storage across sessions</a:t>
             </a:r>
           </a:p>
           <a:p>
             <a:pPr>
               <a:spcAft>
-                <a:spcPts val="600"/>
+                <a:spcPts val="1000"/>
               </a:spcAft>
-              <a:defRPr sz="1800">
-                <a:solidFill>
-                  <a:srgbClr val="333333"/>
-                </a:solidFill>
-              </a:defRPr>
-            </a:pPr>
-            <a:r>
-              <a:t>Best for: bulk refactors, test writing</a:t>
+              <a:defRPr sz="2200">
+                <a:solidFill>
+                  <a:srgbClr val="222222"/>
+                </a:solidFill>
+              </a:defRPr>
+            </a:pPr>
+            <a:r>
+              <a:t>Options: vector DB, file system, database</a:t>
             </a:r>
           </a:p>
           <a:p>
             <a:pPr>
               <a:spcAft>
-                <a:spcPts val="600"/>
+                <a:spcPts val="1000"/>
               </a:spcAft>
-              <a:defRPr sz="1800">
-                <a:solidFill>
-                  <a:srgbClr val="333333"/>
-                </a:solidFill>
-              </a:defRPr>
-            </a:pPr>
-            <a:r>
-              <a:t>Async — submit task, get results later</a:t>
+              <a:defRPr sz="2200">
+                <a:solidFill>
+                  <a:srgbClr val="222222"/>
+                </a:solidFill>
+              </a:defRPr>
+            </a:pPr>
+            <a:r>
+              <a:t>Working memory: scratchpad for current task</a:t>
             </a:r>
           </a:p>
           <a:p>
             <a:pPr>
               <a:spcAft>
-                <a:spcPts val="600"/>
+                <a:spcPts val="1000"/>
               </a:spcAft>
-              <a:defRPr sz="1800">
-                <a:solidFill>
-                  <a:srgbClr val="333333"/>
-                </a:solidFill>
-              </a:defRPr>
-            </a:pPr>
-            <a:r>
-              <a:t>Integrated into ChatGPT &amp; API</a:t>
-            </a:r>
-          </a:p>
-        </p:txBody>
-      </p:sp>
-      <p:sp>
-        <p:nvSpPr>
-          <p:cNvPr id="6" name="TextBox 5"/>
-          <p:cNvSpPr txBox="1"/>
-          <p:nvPr/>
-        </p:nvSpPr>
-        <p:spPr>
-          <a:xfrm>
-            <a:off x="6400800" y="1188720"/>
-            <a:ext cx="5029200" cy="457200"/>
-          </a:xfrm>
-          <a:prstGeom prst="rect">
-            <a:avLst/>
-          </a:prstGeom>
-          <a:noFill/>
-        </p:spPr>
-        <p:txBody>
-          <a:bodyPr wrap="none">
-            <a:spAutoFit/>
-          </a:bodyPr>
-          <a:lstStyle/>
-          <a:p>
-            <a:pPr>
-              <a:defRPr sz="2200" b="1">
-                <a:solidFill>
-                  <a:srgbClr val="0096D6"/>
-                </a:solidFill>
-              </a:defRPr>
-            </a:pPr>
-            <a:r>
-              <a:t>Claude Code (Anthropic)</a:t>
-            </a:r>
-          </a:p>
-        </p:txBody>
-      </p:sp>
-      <p:sp>
-        <p:nvSpPr>
-          <p:cNvPr id="7" name="TextBox 6"/>
-          <p:cNvSpPr txBox="1"/>
-          <p:nvPr/>
-        </p:nvSpPr>
-        <p:spPr>
-          <a:xfrm>
-            <a:off x="6400800" y="1737360"/>
-            <a:ext cx="5029200" cy="4572000"/>
-          </a:xfrm>
-          <a:prstGeom prst="rect">
-            <a:avLst/>
-          </a:prstGeom>
-          <a:noFill/>
-        </p:spPr>
-        <p:txBody>
-          <a:bodyPr wrap="square">
-            <a:spAutoFit/>
-          </a:bodyPr>
-          <a:lstStyle/>
+              <a:defRPr sz="2200">
+                <a:solidFill>
+                  <a:srgbClr val="222222"/>
+                </a:solidFill>
+              </a:defRPr>
+            </a:pPr>
+            <a:r>
+              <a:t>Memory is what makes agents truly useful over time</a:t>
+            </a:r>
+          </a:p>
           <a:p>
             <a:pPr>
               <a:spcAft>
-                <a:spcPts val="600"/>
+                <a:spcPts val="1000"/>
               </a:spcAft>
-              <a:defRPr sz="1800">
-                <a:solidFill>
-                  <a:srgbClr val="333333"/>
-                </a:solidFill>
-              </a:defRPr>
-            </a:pPr>
-            <a:r>
-              <a:t>Terminal-based coding assistant</a:t>
-            </a:r>
-          </a:p>
-          <a:p>
-            <a:pPr>
-              <a:spcAft>
-                <a:spcPts val="600"/>
-              </a:spcAft>
-              <a:defRPr sz="1800">
-                <a:solidFill>
-                  <a:srgbClr val="333333"/>
-                </a:solidFill>
-              </a:defRPr>
-            </a:pPr>
-            <a:r>
-              <a:t>Runs locally on your machine</a:t>
-            </a:r>
-          </a:p>
-          <a:p>
-            <a:pPr>
-              <a:spcAft>
-                <a:spcPts val="600"/>
-              </a:spcAft>
-              <a:defRPr sz="1800">
-                <a:solidFill>
-                  <a:srgbClr val="333333"/>
-                </a:solidFill>
-              </a:defRPr>
-            </a:pPr>
-            <a:r>
-              <a:t>Best: real-time pair programming</a:t>
-            </a:r>
-          </a:p>
-          <a:p>
-            <a:pPr>
-              <a:spcAft>
-                <a:spcPts val="600"/>
-              </a:spcAft>
-              <a:defRPr sz="1800">
-                <a:solidFill>
-                  <a:srgbClr val="333333"/>
-                </a:solidFill>
-              </a:defRPr>
-            </a:pPr>
-            <a:r>
-              <a:t>Interactive — works with you live</a:t>
-            </a:r>
-          </a:p>
-          <a:p>
-            <a:pPr>
-              <a:spcAft>
-                <a:spcPts val="600"/>
-              </a:spcAft>
-              <a:defRPr sz="1800">
-                <a:solidFill>
-                  <a:srgbClr val="333333"/>
-                </a:solidFill>
-              </a:defRPr>
-            </a:pPr>
-            <a:r>
-              <a:t>Uses OAuth (existing subscription)</a:t>
+              <a:defRPr sz="2200">
+                <a:solidFill>
+                  <a:srgbClr val="222222"/>
+                </a:solidFill>
+              </a:defRPr>
+            </a:pPr>
+            <a:r>
+              <a:t>OpenClaw: built-in memory system for agents</a:t>
             </a:r>
           </a:p>
         </p:txBody>
@@ -4846,6 +4492,14 @@
 <file path=ppt/slides/slide11.xml><?xml version="1.0" encoding="utf-8"?>
 <p:sld xmlns:a="http://schemas.openxmlformats.org/drawingml/2006/main" xmlns:p="http://schemas.openxmlformats.org/presentationml/2006/main" xmlns:r="http://schemas.openxmlformats.org/officeDocument/2006/relationships">
   <p:cSld>
+    <p:bg>
+      <p:bgPr>
+        <a:solidFill>
+          <a:srgbClr val="1B2A4A"/>
+        </a:solidFill>
+        <a:effectLst/>
+      </p:bgPr>
+    </p:bg>
     <p:spTree>
       <p:nvGrpSpPr>
         <p:cNvPr id="1" name=""/>
@@ -4855,14 +4509,49 @@
       <p:grpSpPr/>
       <p:sp>
         <p:nvSpPr>
-          <p:cNvPr id="2" name="Rectangle 1"/>
+          <p:cNvPr id="2" name="TextBox 1"/>
+          <p:cNvSpPr txBox="1"/>
+          <p:nvPr/>
+        </p:nvSpPr>
+        <p:spPr>
+          <a:xfrm>
+            <a:off x="731520" y="2560320"/>
+            <a:ext cx="10698480" cy="1371600"/>
+          </a:xfrm>
+          <a:prstGeom prst="rect">
+            <a:avLst/>
+          </a:prstGeom>
+          <a:noFill/>
+        </p:spPr>
+        <p:txBody>
+          <a:bodyPr wrap="square">
+            <a:spAutoFit/>
+          </a:bodyPr>
+          <a:lstStyle/>
+          <a:p>
+            <a:pPr algn="l">
+              <a:defRPr sz="3600" b="1">
+                <a:solidFill>
+                  <a:srgbClr val="FFFFFF"/>
+                </a:solidFill>
+              </a:defRPr>
+            </a:pPr>
+            <a:r>
+              <a:t>Agentic Coding Tools</a:t>
+            </a:r>
+          </a:p>
+        </p:txBody>
+      </p:sp>
+      <p:sp>
+        <p:nvSpPr>
+          <p:cNvPr id="3" name="Rectangle 2"/>
           <p:cNvSpPr/>
           <p:nvPr/>
         </p:nvSpPr>
         <p:spPr>
           <a:xfrm>
-            <a:off x="0" y="0"/>
-            <a:ext cx="12191695" cy="73152"/>
+            <a:off x="731520" y="3931920"/>
+            <a:ext cx="1828800" cy="38100"/>
           </a:xfrm>
           <a:prstGeom prst="rect">
             <a:avLst/>
@@ -4896,172 +4585,6 @@
           </a:p>
         </p:txBody>
       </p:sp>
-      <p:sp>
-        <p:nvSpPr>
-          <p:cNvPr id="3" name="TextBox 2"/>
-          <p:cNvSpPr txBox="1"/>
-          <p:nvPr/>
-        </p:nvSpPr>
-        <p:spPr>
-          <a:xfrm>
-            <a:off x="731520" y="274320"/>
-            <a:ext cx="10728655" cy="822960"/>
-          </a:xfrm>
-          <a:prstGeom prst="rect">
-            <a:avLst/>
-          </a:prstGeom>
-          <a:noFill/>
-        </p:spPr>
-        <p:txBody>
-          <a:bodyPr wrap="square">
-            <a:spAutoFit/>
-          </a:bodyPr>
-          <a:lstStyle/>
-          <a:p>
-            <a:pPr algn="l">
-              <a:defRPr sz="3200" b="1">
-                <a:solidFill>
-                  <a:srgbClr val="1B2A4A"/>
-                </a:solidFill>
-              </a:defRPr>
-            </a:pPr>
-            <a:r>
-              <a:t>Agentic Coding — Cursor &amp; Copilot</a:t>
-            </a:r>
-          </a:p>
-        </p:txBody>
-      </p:sp>
-      <p:sp>
-        <p:nvSpPr>
-          <p:cNvPr id="4" name="TextBox 3"/>
-          <p:cNvSpPr txBox="1"/>
-          <p:nvPr/>
-        </p:nvSpPr>
-        <p:spPr>
-          <a:xfrm>
-            <a:off x="914400" y="1280160"/>
-            <a:ext cx="10362895" cy="5029200"/>
-          </a:xfrm>
-          <a:prstGeom prst="rect">
-            <a:avLst/>
-          </a:prstGeom>
-          <a:noFill/>
-        </p:spPr>
-        <p:txBody>
-          <a:bodyPr wrap="square">
-            <a:spAutoFit/>
-          </a:bodyPr>
-          <a:lstStyle/>
-          <a:p>
-            <a:pPr>
-              <a:spcBef>
-                <a:spcPts val="400"/>
-              </a:spcBef>
-              <a:spcAft>
-                <a:spcPts val="800"/>
-              </a:spcAft>
-              <a:defRPr sz="2000">
-                <a:solidFill>
-                  <a:srgbClr val="333333"/>
-                </a:solidFill>
-              </a:defRPr>
-            </a:pPr>
-            <a:r>
-              <a:t>Cursor: AI-first code editor (VS Code fork)</a:t>
-            </a:r>
-          </a:p>
-          <a:p>
-            <a:pPr lvl="1">
-              <a:spcBef>
-                <a:spcPts val="400"/>
-              </a:spcBef>
-              <a:spcAft>
-                <a:spcPts val="800"/>
-              </a:spcAft>
-              <a:defRPr sz="1800">
-                <a:solidFill>
-                  <a:srgbClr val="666666"/>
-                </a:solidFill>
-              </a:defRPr>
-            </a:pPr>
-            <a:r>
-              <a:t>Tab completion, inline chat, multi-file edits</a:t>
-            </a:r>
-          </a:p>
-          <a:p>
-            <a:pPr>
-              <a:spcBef>
-                <a:spcPts val="400"/>
-              </a:spcBef>
-              <a:spcAft>
-                <a:spcPts val="800"/>
-              </a:spcAft>
-              <a:defRPr sz="2000">
-                <a:solidFill>
-                  <a:srgbClr val="333333"/>
-                </a:solidFill>
-              </a:defRPr>
-            </a:pPr>
-            <a:r>
-              <a:t>GitHub Copilot: AI pair programmer in VS Code/JetBrains</a:t>
-            </a:r>
-          </a:p>
-          <a:p>
-            <a:pPr lvl="1">
-              <a:spcBef>
-                <a:spcPts val="400"/>
-              </a:spcBef>
-              <a:spcAft>
-                <a:spcPts val="800"/>
-              </a:spcAft>
-              <a:defRPr sz="1800">
-                <a:solidFill>
-                  <a:srgbClr val="666666"/>
-                </a:solidFill>
-              </a:defRPr>
-            </a:pPr>
-            <a:r>
-              <a:t>Copilot Chat, code suggestions, PR summaries</a:t>
-            </a:r>
-          </a:p>
-          <a:p>
-            <a:pPr>
-              <a:spcBef>
-                <a:spcPts val="400"/>
-              </a:spcBef>
-              <a:spcAft>
-                <a:spcPts val="800"/>
-              </a:spcAft>
-              <a:defRPr sz="2000">
-                <a:solidFill>
-                  <a:srgbClr val="333333"/>
-                </a:solidFill>
-              </a:defRPr>
-            </a:pPr>
-            <a:r>
-              <a:t>Both use tool use under the hood (file read/write/search)</a:t>
-            </a:r>
-          </a:p>
-          <a:p>
-            <a:pPr>
-              <a:spcBef>
-                <a:spcPts val="400"/>
-              </a:spcBef>
-              <a:spcAft>
-                <a:spcPts val="800"/>
-              </a:spcAft>
-              <a:defRPr sz="2000">
-                <a:solidFill>
-                  <a:srgbClr val="333333"/>
-                </a:solidFill>
-              </a:defRPr>
-            </a:pPr>
-            <a:r>
-              <a:t>Comparison deep-dive in Session 8</a:t>
-            </a:r>
-          </a:p>
-        </p:txBody>
-      </p:sp>
     </p:spTree>
   </p:cSld>
   <p:clrMapOvr>
@@ -5089,7 +4612,541 @@
         <p:spPr>
           <a:xfrm>
             <a:off x="0" y="0"/>
-            <a:ext cx="12191695" cy="73152"/>
+            <a:ext cx="12191695" cy="1005840"/>
+          </a:xfrm>
+          <a:prstGeom prst="rect">
+            <a:avLst/>
+          </a:prstGeom>
+          <a:solidFill>
+            <a:srgbClr val="1B2A4A"/>
+          </a:solidFill>
+          <a:ln>
+            <a:noFill/>
+          </a:ln>
+        </p:spPr>
+        <p:style>
+          <a:lnRef idx="1">
+            <a:schemeClr val="accent1"/>
+          </a:lnRef>
+          <a:fillRef idx="3">
+            <a:schemeClr val="accent1"/>
+          </a:fillRef>
+          <a:effectRef idx="2">
+            <a:schemeClr val="accent1"/>
+          </a:effectRef>
+          <a:fontRef idx="minor">
+            <a:schemeClr val="lt1"/>
+          </a:fontRef>
+        </p:style>
+        <p:txBody>
+          <a:bodyPr rtlCol="0" anchor="ctr"/>
+          <a:lstStyle/>
+          <a:p>
+            <a:pPr algn="ctr"/>
+          </a:p>
+        </p:txBody>
+      </p:sp>
+      <p:sp>
+        <p:nvSpPr>
+          <p:cNvPr id="3" name="TextBox 2"/>
+          <p:cNvSpPr txBox="1"/>
+          <p:nvPr/>
+        </p:nvSpPr>
+        <p:spPr>
+          <a:xfrm>
+            <a:off x="731520" y="137160"/>
+            <a:ext cx="10698480" cy="731520"/>
+          </a:xfrm>
+          <a:prstGeom prst="rect">
+            <a:avLst/>
+          </a:prstGeom>
+          <a:noFill/>
+        </p:spPr>
+        <p:txBody>
+          <a:bodyPr wrap="square">
+            <a:spAutoFit/>
+          </a:bodyPr>
+          <a:lstStyle/>
+          <a:p>
+            <a:pPr>
+              <a:defRPr sz="2800" b="1">
+                <a:solidFill>
+                  <a:srgbClr val="FFFFFF"/>
+                </a:solidFill>
+              </a:defRPr>
+            </a:pPr>
+            <a:r>
+              <a:t>Coding Agents Compared</a:t>
+            </a:r>
+          </a:p>
+        </p:txBody>
+      </p:sp>
+      <p:sp>
+        <p:nvSpPr>
+          <p:cNvPr id="4" name="TextBox 3"/>
+          <p:cNvSpPr txBox="1"/>
+          <p:nvPr/>
+        </p:nvSpPr>
+        <p:spPr>
+          <a:xfrm>
+            <a:off x="731520" y="1280160"/>
+            <a:ext cx="10698480" cy="5029200"/>
+          </a:xfrm>
+          <a:prstGeom prst="rect">
+            <a:avLst/>
+          </a:prstGeom>
+          <a:noFill/>
+        </p:spPr>
+        <p:txBody>
+          <a:bodyPr wrap="square">
+            <a:spAutoFit/>
+          </a:bodyPr>
+          <a:lstStyle/>
+          <a:p>
+            <a:pPr>
+              <a:spcAft>
+                <a:spcPts val="1000"/>
+              </a:spcAft>
+              <a:defRPr sz="2200">
+                <a:solidFill>
+                  <a:srgbClr val="222222"/>
+                </a:solidFill>
+              </a:defRPr>
+            </a:pPr>
+            <a:r>
+              <a:t>GPT-5.2-Codex: OpenAI's coding agent (cloud sandbox)</a:t>
+            </a:r>
+          </a:p>
+          <a:p>
+            <a:pPr>
+              <a:spcAft>
+                <a:spcPts val="1000"/>
+              </a:spcAft>
+              <a:defRPr sz="2200">
+                <a:solidFill>
+                  <a:srgbClr val="222222"/>
+                </a:solidFill>
+              </a:defRPr>
+            </a:pPr>
+            <a:r>
+              <a:t>Claude Code: terminal-based, primarily OAuth, also API key</a:t>
+            </a:r>
+          </a:p>
+          <a:p>
+            <a:pPr>
+              <a:spcAft>
+                <a:spcPts val="1000"/>
+              </a:spcAft>
+              <a:defRPr sz="2200">
+                <a:solidFill>
+                  <a:srgbClr val="222222"/>
+                </a:solidFill>
+              </a:defRPr>
+            </a:pPr>
+            <a:r>
+              <a:t>Cursor: IDE with AI built in (fork of VS Code)</a:t>
+            </a:r>
+          </a:p>
+          <a:p>
+            <a:pPr>
+              <a:spcAft>
+                <a:spcPts val="1000"/>
+              </a:spcAft>
+              <a:defRPr sz="2200">
+                <a:solidFill>
+                  <a:srgbClr val="222222"/>
+                </a:solidFill>
+              </a:defRPr>
+            </a:pPr>
+            <a:r>
+              <a:t>GitHub Copilot: inline suggestions + chat</a:t>
+            </a:r>
+          </a:p>
+          <a:p>
+            <a:pPr>
+              <a:spcAft>
+                <a:spcPts val="1000"/>
+              </a:spcAft>
+              <a:defRPr sz="2200">
+                <a:solidFill>
+                  <a:srgbClr val="222222"/>
+                </a:solidFill>
+              </a:defRPr>
+            </a:pPr>
+            <a:r>
+              <a:t>All use tool use under the hood (file read/write/run)</a:t>
+            </a:r>
+          </a:p>
+          <a:p>
+            <a:pPr>
+              <a:spcAft>
+                <a:spcPts val="1000"/>
+              </a:spcAft>
+              <a:defRPr sz="2200">
+                <a:solidFill>
+                  <a:srgbClr val="222222"/>
+                </a:solidFill>
+              </a:defRPr>
+            </a:pPr>
+            <a:r>
+              <a:t>Best practice: use for boilerplate, review everything</a:t>
+            </a:r>
+          </a:p>
+        </p:txBody>
+      </p:sp>
+    </p:spTree>
+  </p:cSld>
+  <p:clrMapOvr>
+    <a:masterClrMapping/>
+  </p:clrMapOvr>
+</p:sld>
+</file>
+
+<file path=ppt/slides/slide13.xml><?xml version="1.0" encoding="utf-8"?>
+<p:sld xmlns:a="http://schemas.openxmlformats.org/drawingml/2006/main" xmlns:p="http://schemas.openxmlformats.org/presentationml/2006/main" xmlns:r="http://schemas.openxmlformats.org/officeDocument/2006/relationships">
+  <p:cSld>
+    <p:spTree>
+      <p:nvGrpSpPr>
+        <p:cNvPr id="1" name=""/>
+        <p:cNvGrpSpPr/>
+        <p:nvPr/>
+      </p:nvGrpSpPr>
+      <p:grpSpPr/>
+      <p:sp>
+        <p:nvSpPr>
+          <p:cNvPr id="2" name="Rectangle 1"/>
+          <p:cNvSpPr/>
+          <p:nvPr/>
+        </p:nvSpPr>
+        <p:spPr>
+          <a:xfrm>
+            <a:off x="0" y="0"/>
+            <a:ext cx="12191695" cy="1005840"/>
+          </a:xfrm>
+          <a:prstGeom prst="rect">
+            <a:avLst/>
+          </a:prstGeom>
+          <a:solidFill>
+            <a:srgbClr val="1B2A4A"/>
+          </a:solidFill>
+          <a:ln>
+            <a:noFill/>
+          </a:ln>
+        </p:spPr>
+        <p:style>
+          <a:lnRef idx="1">
+            <a:schemeClr val="accent1"/>
+          </a:lnRef>
+          <a:fillRef idx="3">
+            <a:schemeClr val="accent1"/>
+          </a:fillRef>
+          <a:effectRef idx="2">
+            <a:schemeClr val="accent1"/>
+          </a:effectRef>
+          <a:fontRef idx="minor">
+            <a:schemeClr val="lt1"/>
+          </a:fontRef>
+        </p:style>
+        <p:txBody>
+          <a:bodyPr rtlCol="0" anchor="ctr"/>
+          <a:lstStyle/>
+          <a:p>
+            <a:pPr algn="ctr"/>
+          </a:p>
+        </p:txBody>
+      </p:sp>
+      <p:sp>
+        <p:nvSpPr>
+          <p:cNvPr id="3" name="TextBox 2"/>
+          <p:cNvSpPr txBox="1"/>
+          <p:nvPr/>
+        </p:nvSpPr>
+        <p:spPr>
+          <a:xfrm>
+            <a:off x="731520" y="137160"/>
+            <a:ext cx="10698480" cy="731520"/>
+          </a:xfrm>
+          <a:prstGeom prst="rect">
+            <a:avLst/>
+          </a:prstGeom>
+          <a:noFill/>
+        </p:spPr>
+        <p:txBody>
+          <a:bodyPr wrap="square">
+            <a:spAutoFit/>
+          </a:bodyPr>
+          <a:lstStyle/>
+          <a:p>
+            <a:pPr>
+              <a:defRPr sz="2800" b="1">
+                <a:solidFill>
+                  <a:srgbClr val="FFFFFF"/>
+                </a:solidFill>
+              </a:defRPr>
+            </a:pPr>
+            <a:r>
+              <a:t>Hands-On: Build a Multi-Step Agent</a:t>
+            </a:r>
+          </a:p>
+        </p:txBody>
+      </p:sp>
+      <p:sp>
+        <p:nvSpPr>
+          <p:cNvPr id="4" name="TextBox 3"/>
+          <p:cNvSpPr txBox="1"/>
+          <p:nvPr/>
+        </p:nvSpPr>
+        <p:spPr>
+          <a:xfrm>
+            <a:off x="731520" y="1280160"/>
+            <a:ext cx="10698480" cy="5029200"/>
+          </a:xfrm>
+          <a:prstGeom prst="rect">
+            <a:avLst/>
+          </a:prstGeom>
+          <a:noFill/>
+        </p:spPr>
+        <p:txBody>
+          <a:bodyPr wrap="square">
+            <a:spAutoFit/>
+          </a:bodyPr>
+          <a:lstStyle/>
+          <a:p>
+            <a:pPr>
+              <a:spcAft>
+                <a:spcPts val="1000"/>
+              </a:spcAft>
+              <a:defRPr sz="2200">
+                <a:solidFill>
+                  <a:srgbClr val="222222"/>
+                </a:solidFill>
+              </a:defRPr>
+            </a:pPr>
+            <a:r>
+              <a:t>Goal: agent that can search + read files + summarize</a:t>
+            </a:r>
+          </a:p>
+          <a:p>
+            <a:pPr>
+              <a:spcAft>
+                <a:spcPts val="1000"/>
+              </a:spcAft>
+              <a:defRPr sz="2200">
+                <a:solidFill>
+                  <a:srgbClr val="222222"/>
+                </a:solidFill>
+              </a:defRPr>
+            </a:pPr>
+            <a:r>
+              <a:t>Use LangGraph's create_react_agent</a:t>
+            </a:r>
+          </a:p>
+          <a:p>
+            <a:pPr>
+              <a:spcAft>
+                <a:spcPts val="1000"/>
+              </a:spcAft>
+              <a:defRPr sz="2200">
+                <a:solidFill>
+                  <a:srgbClr val="222222"/>
+                </a:solidFill>
+              </a:defRPr>
+            </a:pPr>
+            <a:r>
+              <a:t>Define 2-3 tools with proper schemas</a:t>
+            </a:r>
+          </a:p>
+          <a:p>
+            <a:pPr>
+              <a:spcAft>
+                <a:spcPts val="1000"/>
+              </a:spcAft>
+              <a:defRPr sz="2200">
+                <a:solidFill>
+                  <a:srgbClr val="222222"/>
+                </a:solidFill>
+              </a:defRPr>
+            </a:pPr>
+            <a:r>
+              <a:t>Add conversation memory</a:t>
+            </a:r>
+          </a:p>
+          <a:p>
+            <a:pPr>
+              <a:spcAft>
+                <a:spcPts val="1000"/>
+              </a:spcAft>
+              <a:defRPr sz="2200">
+                <a:solidFill>
+                  <a:srgbClr val="222222"/>
+                </a:solidFill>
+              </a:defRPr>
+            </a:pPr>
+            <a:r>
+              <a:t>Test with multi-step tasks</a:t>
+            </a:r>
+          </a:p>
+          <a:p>
+            <a:pPr>
+              <a:spcAft>
+                <a:spcPts val="1000"/>
+              </a:spcAft>
+              <a:defRPr sz="2200">
+                <a:solidFill>
+                  <a:srgbClr val="222222"/>
+                </a:solidFill>
+              </a:defRPr>
+            </a:pPr>
+            <a:r>
+              <a:t>File: langgraph_agent.py</a:t>
+            </a:r>
+          </a:p>
+        </p:txBody>
+      </p:sp>
+    </p:spTree>
+  </p:cSld>
+  <p:clrMapOvr>
+    <a:masterClrMapping/>
+  </p:clrMapOvr>
+</p:sld>
+</file>
+
+<file path=ppt/slides/slide14.xml><?xml version="1.0" encoding="utf-8"?>
+<p:sld xmlns:a="http://schemas.openxmlformats.org/drawingml/2006/main" xmlns:p="http://schemas.openxmlformats.org/presentationml/2006/main" xmlns:r="http://schemas.openxmlformats.org/officeDocument/2006/relationships">
+  <p:cSld>
+    <p:bg>
+      <p:bgPr>
+        <a:solidFill>
+          <a:srgbClr val="1B2A4A"/>
+        </a:solidFill>
+        <a:effectLst/>
+      </p:bgPr>
+    </p:bg>
+    <p:spTree>
+      <p:nvGrpSpPr>
+        <p:cNvPr id="1" name=""/>
+        <p:cNvGrpSpPr/>
+        <p:nvPr/>
+      </p:nvGrpSpPr>
+      <p:grpSpPr/>
+      <p:sp>
+        <p:nvSpPr>
+          <p:cNvPr id="2" name="TextBox 1"/>
+          <p:cNvSpPr txBox="1"/>
+          <p:nvPr/>
+        </p:nvSpPr>
+        <p:spPr>
+          <a:xfrm>
+            <a:off x="731520" y="2286000"/>
+            <a:ext cx="10698480" cy="1828800"/>
+          </a:xfrm>
+          <a:prstGeom prst="rect">
+            <a:avLst/>
+          </a:prstGeom>
+          <a:noFill/>
+        </p:spPr>
+        <p:txBody>
+          <a:bodyPr wrap="square">
+            <a:spAutoFit/>
+          </a:bodyPr>
+          <a:lstStyle/>
+          <a:p>
+            <a:pPr algn="ctr">
+              <a:defRPr sz="4400" b="1">
+                <a:solidFill>
+                  <a:srgbClr val="FFFFFF"/>
+                </a:solidFill>
+              </a:defRPr>
+            </a:pPr>
+            <a:r>
+              <a:t>Session 5 Complete</a:t>
+            </a:r>
+          </a:p>
+          <a:p>
+            <a:pPr algn="ctr">
+              <a:defRPr sz="2200">
+                <a:solidFill>
+                  <a:srgbClr val="0096D6"/>
+                </a:solidFill>
+              </a:defRPr>
+            </a:pPr>
+            <a:r>
+              <a:t>Next: RAG &amp; Data</a:t>
+            </a:r>
+          </a:p>
+        </p:txBody>
+      </p:sp>
+    </p:spTree>
+  </p:cSld>
+  <p:clrMapOvr>
+    <a:masterClrMapping/>
+  </p:clrMapOvr>
+</p:sld>
+</file>
+
+<file path=ppt/slides/slide2.xml><?xml version="1.0" encoding="utf-8"?>
+<p:sld xmlns:a="http://schemas.openxmlformats.org/drawingml/2006/main" xmlns:p="http://schemas.openxmlformats.org/presentationml/2006/main" xmlns:r="http://schemas.openxmlformats.org/officeDocument/2006/relationships">
+  <p:cSld>
+    <p:bg>
+      <p:bgPr>
+        <a:solidFill>
+          <a:srgbClr val="1B2A4A"/>
+        </a:solidFill>
+        <a:effectLst/>
+      </p:bgPr>
+    </p:bg>
+    <p:spTree>
+      <p:nvGrpSpPr>
+        <p:cNvPr id="1" name=""/>
+        <p:cNvGrpSpPr/>
+        <p:nvPr/>
+      </p:nvGrpSpPr>
+      <p:grpSpPr/>
+      <p:sp>
+        <p:nvSpPr>
+          <p:cNvPr id="2" name="TextBox 1"/>
+          <p:cNvSpPr txBox="1"/>
+          <p:nvPr/>
+        </p:nvSpPr>
+        <p:spPr>
+          <a:xfrm>
+            <a:off x="731520" y="2560320"/>
+            <a:ext cx="10698480" cy="1371600"/>
+          </a:xfrm>
+          <a:prstGeom prst="rect">
+            <a:avLst/>
+          </a:prstGeom>
+          <a:noFill/>
+        </p:spPr>
+        <p:txBody>
+          <a:bodyPr wrap="square">
+            <a:spAutoFit/>
+          </a:bodyPr>
+          <a:lstStyle/>
+          <a:p>
+            <a:pPr algn="l">
+              <a:defRPr sz="3600" b="1">
+                <a:solidFill>
+                  <a:srgbClr val="FFFFFF"/>
+                </a:solidFill>
+              </a:defRPr>
+            </a:pPr>
+            <a:r>
+              <a:t>What Is an Agent?</a:t>
+            </a:r>
+          </a:p>
+        </p:txBody>
+      </p:sp>
+      <p:sp>
+        <p:nvSpPr>
+          <p:cNvPr id="3" name="Rectangle 2"/>
+          <p:cNvSpPr/>
+          <p:nvPr/>
+        </p:nvSpPr>
+        <p:spPr>
+          <a:xfrm>
+            <a:off x="731520" y="3931920"/>
+            <a:ext cx="1828800" cy="38100"/>
           </a:xfrm>
           <a:prstGeom prst="rect">
             <a:avLst/>
@@ -5123,172 +5180,6 @@
           </a:p>
         </p:txBody>
       </p:sp>
-      <p:sp>
-        <p:nvSpPr>
-          <p:cNvPr id="3" name="TextBox 2"/>
-          <p:cNvSpPr txBox="1"/>
-          <p:nvPr/>
-        </p:nvSpPr>
-        <p:spPr>
-          <a:xfrm>
-            <a:off x="731520" y="274320"/>
-            <a:ext cx="10728655" cy="822960"/>
-          </a:xfrm>
-          <a:prstGeom prst="rect">
-            <a:avLst/>
-          </a:prstGeom>
-          <a:noFill/>
-        </p:spPr>
-        <p:txBody>
-          <a:bodyPr wrap="square">
-            <a:spAutoFit/>
-          </a:bodyPr>
-          <a:lstStyle/>
-          <a:p>
-            <a:pPr algn="l">
-              <a:defRPr sz="3200" b="1">
-                <a:solidFill>
-                  <a:srgbClr val="1B2A4A"/>
-                </a:solidFill>
-              </a:defRPr>
-            </a:pPr>
-            <a:r>
-              <a:t>Hands-On: LangGraph Research Agent</a:t>
-            </a:r>
-          </a:p>
-        </p:txBody>
-      </p:sp>
-      <p:sp>
-        <p:nvSpPr>
-          <p:cNvPr id="4" name="TextBox 3"/>
-          <p:cNvSpPr txBox="1"/>
-          <p:nvPr/>
-        </p:nvSpPr>
-        <p:spPr>
-          <a:xfrm>
-            <a:off x="914400" y="1280160"/>
-            <a:ext cx="10362895" cy="5029200"/>
-          </a:xfrm>
-          <a:prstGeom prst="rect">
-            <a:avLst/>
-          </a:prstGeom>
-          <a:noFill/>
-        </p:spPr>
-        <p:txBody>
-          <a:bodyPr wrap="square">
-            <a:spAutoFit/>
-          </a:bodyPr>
-          <a:lstStyle/>
-          <a:p>
-            <a:pPr>
-              <a:spcBef>
-                <a:spcPts val="400"/>
-              </a:spcBef>
-              <a:spcAft>
-                <a:spcPts val="800"/>
-              </a:spcAft>
-              <a:defRPr sz="2000">
-                <a:solidFill>
-                  <a:srgbClr val="333333"/>
-                </a:solidFill>
-              </a:defRPr>
-            </a:pPr>
-            <a:r>
-              <a:t>langgraph_agent.py — multi-step research agent</a:t>
-            </a:r>
-          </a:p>
-          <a:p>
-            <a:pPr>
-              <a:spcBef>
-                <a:spcPts val="400"/>
-              </a:spcBef>
-              <a:spcAft>
-                <a:spcPts val="800"/>
-              </a:spcAft>
-              <a:defRPr sz="2000">
-                <a:solidFill>
-                  <a:srgbClr val="333333"/>
-                </a:solidFill>
-              </a:defRPr>
-            </a:pPr>
-            <a:r>
-              <a:t>Tools: search_web, write_report</a:t>
-            </a:r>
-          </a:p>
-          <a:p>
-            <a:pPr>
-              <a:spcBef>
-                <a:spcPts val="400"/>
-              </a:spcBef>
-              <a:spcAft>
-                <a:spcPts val="800"/>
-              </a:spcAft>
-              <a:defRPr sz="2000">
-                <a:solidFill>
-                  <a:srgbClr val="333333"/>
-                </a:solidFill>
-              </a:defRPr>
-            </a:pPr>
-            <a:r>
-              <a:t>Agent decides: search → analyze → search more? → write report</a:t>
-            </a:r>
-          </a:p>
-          <a:p>
-            <a:pPr>
-              <a:spcBef>
-                <a:spcPts val="400"/>
-              </a:spcBef>
-              <a:spcAft>
-                <a:spcPts val="800"/>
-              </a:spcAft>
-              <a:defRPr sz="2000">
-                <a:solidFill>
-                  <a:srgbClr val="333333"/>
-                </a:solidFill>
-              </a:defRPr>
-            </a:pPr>
-            <a:r>
-              <a:t>Tracks research iterations (max 3 searches)</a:t>
-            </a:r>
-          </a:p>
-          <a:p>
-            <a:pPr>
-              <a:spcBef>
-                <a:spcPts val="400"/>
-              </a:spcBef>
-              <a:spcAft>
-                <a:spcPts val="800"/>
-              </a:spcAft>
-              <a:defRPr sz="2000">
-                <a:solidFill>
-                  <a:srgbClr val="333333"/>
-                </a:solidFill>
-              </a:defRPr>
-            </a:pPr>
-            <a:r>
-              <a:t>Exercise: run it, inspect the message trace</a:t>
-            </a:r>
-          </a:p>
-          <a:p>
-            <a:pPr>
-              <a:spcBef>
-                <a:spcPts val="400"/>
-              </a:spcBef>
-              <a:spcAft>
-                <a:spcPts val="800"/>
-              </a:spcAft>
-              <a:defRPr sz="2000">
-                <a:solidFill>
-                  <a:srgbClr val="333333"/>
-                </a:solidFill>
-              </a:defRPr>
-            </a:pPr>
-            <a:r>
-              <a:t>Bonus: add a new tool (e.g., save_to_file)</a:t>
-            </a:r>
-          </a:p>
-        </p:txBody>
-      </p:sp>
     </p:spTree>
   </p:cSld>
   <p:clrMapOvr>
@@ -5297,7 +5188,7 @@
 </p:sld>
 </file>
 
-<file path=ppt/slides/slide13.xml><?xml version="1.0" encoding="utf-8"?>
+<file path=ppt/slides/slide3.xml><?xml version="1.0" encoding="utf-8"?>
 <p:sld xmlns:a="http://schemas.openxmlformats.org/drawingml/2006/main" xmlns:p="http://schemas.openxmlformats.org/presentationml/2006/main" xmlns:r="http://schemas.openxmlformats.org/officeDocument/2006/relationships">
   <p:cSld>
     <p:spTree>
@@ -5316,7 +5207,468 @@
         <p:spPr>
           <a:xfrm>
             <a:off x="0" y="0"/>
-            <a:ext cx="12191695" cy="73152"/>
+            <a:ext cx="12191695" cy="1005840"/>
+          </a:xfrm>
+          <a:prstGeom prst="rect">
+            <a:avLst/>
+          </a:prstGeom>
+          <a:solidFill>
+            <a:srgbClr val="1B2A4A"/>
+          </a:solidFill>
+          <a:ln>
+            <a:noFill/>
+          </a:ln>
+        </p:spPr>
+        <p:style>
+          <a:lnRef idx="1">
+            <a:schemeClr val="accent1"/>
+          </a:lnRef>
+          <a:fillRef idx="3">
+            <a:schemeClr val="accent1"/>
+          </a:fillRef>
+          <a:effectRef idx="2">
+            <a:schemeClr val="accent1"/>
+          </a:effectRef>
+          <a:fontRef idx="minor">
+            <a:schemeClr val="lt1"/>
+          </a:fontRef>
+        </p:style>
+        <p:txBody>
+          <a:bodyPr rtlCol="0" anchor="ctr"/>
+          <a:lstStyle/>
+          <a:p>
+            <a:pPr algn="ctr"/>
+          </a:p>
+        </p:txBody>
+      </p:sp>
+      <p:sp>
+        <p:nvSpPr>
+          <p:cNvPr id="3" name="TextBox 2"/>
+          <p:cNvSpPr txBox="1"/>
+          <p:nvPr/>
+        </p:nvSpPr>
+        <p:spPr>
+          <a:xfrm>
+            <a:off x="731520" y="137160"/>
+            <a:ext cx="10698480" cy="731520"/>
+          </a:xfrm>
+          <a:prstGeom prst="rect">
+            <a:avLst/>
+          </a:prstGeom>
+          <a:noFill/>
+        </p:spPr>
+        <p:txBody>
+          <a:bodyPr wrap="square">
+            <a:spAutoFit/>
+          </a:bodyPr>
+          <a:lstStyle/>
+          <a:p>
+            <a:pPr>
+              <a:defRPr sz="2800" b="1">
+                <a:solidFill>
+                  <a:srgbClr val="FFFFFF"/>
+                </a:solidFill>
+              </a:defRPr>
+            </a:pPr>
+            <a:r>
+              <a:t>From Chat to Agent</a:t>
+            </a:r>
+          </a:p>
+        </p:txBody>
+      </p:sp>
+      <p:sp>
+        <p:nvSpPr>
+          <p:cNvPr id="4" name="TextBox 3"/>
+          <p:cNvSpPr txBox="1"/>
+          <p:nvPr/>
+        </p:nvSpPr>
+        <p:spPr>
+          <a:xfrm>
+            <a:off x="731520" y="1280160"/>
+            <a:ext cx="10698480" cy="5029200"/>
+          </a:xfrm>
+          <a:prstGeom prst="rect">
+            <a:avLst/>
+          </a:prstGeom>
+          <a:noFill/>
+        </p:spPr>
+        <p:txBody>
+          <a:bodyPr wrap="square">
+            <a:spAutoFit/>
+          </a:bodyPr>
+          <a:lstStyle/>
+          <a:p>
+            <a:pPr>
+              <a:spcAft>
+                <a:spcPts val="1000"/>
+              </a:spcAft>
+              <a:defRPr sz="2200">
+                <a:solidFill>
+                  <a:srgbClr val="222222"/>
+                </a:solidFill>
+              </a:defRPr>
+            </a:pPr>
+            <a:r>
+              <a:t>Chat: one question → one answer</a:t>
+            </a:r>
+          </a:p>
+          <a:p>
+            <a:pPr>
+              <a:spcAft>
+                <a:spcPts val="1000"/>
+              </a:spcAft>
+              <a:defRPr sz="2200">
+                <a:solidFill>
+                  <a:srgbClr val="222222"/>
+                </a:solidFill>
+              </a:defRPr>
+            </a:pPr>
+            <a:r>
+              <a:t>Agent: goal → plan → act → observe → repeat</a:t>
+            </a:r>
+          </a:p>
+          <a:p>
+            <a:pPr>
+              <a:spcAft>
+                <a:spcPts val="1000"/>
+              </a:spcAft>
+              <a:defRPr sz="2200">
+                <a:solidFill>
+                  <a:srgbClr val="222222"/>
+                </a:solidFill>
+              </a:defRPr>
+            </a:pPr>
+            <a:r>
+              <a:t>The ReAct loop: Reason + Act iteratively</a:t>
+            </a:r>
+          </a:p>
+          <a:p>
+            <a:pPr>
+              <a:spcAft>
+                <a:spcPts val="1000"/>
+              </a:spcAft>
+              <a:defRPr sz="2200">
+                <a:solidFill>
+                  <a:srgbClr val="222222"/>
+                </a:solidFill>
+              </a:defRPr>
+            </a:pPr>
+            <a:r>
+              <a:t>Agent decides WHICH tools to use and WHEN</a:t>
+            </a:r>
+          </a:p>
+          <a:p>
+            <a:pPr>
+              <a:spcAft>
+                <a:spcPts val="1000"/>
+              </a:spcAft>
+              <a:defRPr sz="2200">
+                <a:solidFill>
+                  <a:srgbClr val="222222"/>
+                </a:solidFill>
+              </a:defRPr>
+            </a:pPr>
+            <a:r>
+              <a:t>Agent decides WHEN it's done</a:t>
+            </a:r>
+          </a:p>
+          <a:p>
+            <a:pPr>
+              <a:spcAft>
+                <a:spcPts val="1000"/>
+              </a:spcAft>
+              <a:defRPr sz="2200">
+                <a:solidFill>
+                  <a:srgbClr val="222222"/>
+                </a:solidFill>
+              </a:defRPr>
+            </a:pPr>
+            <a:r>
+              <a:t>Key: autonomy + tool use + memory</a:t>
+            </a:r>
+          </a:p>
+        </p:txBody>
+      </p:sp>
+    </p:spTree>
+  </p:cSld>
+  <p:clrMapOvr>
+    <a:masterClrMapping/>
+  </p:clrMapOvr>
+</p:sld>
+</file>
+
+<file path=ppt/slides/slide4.xml><?xml version="1.0" encoding="utf-8"?>
+<p:sld xmlns:a="http://schemas.openxmlformats.org/drawingml/2006/main" xmlns:p="http://schemas.openxmlformats.org/presentationml/2006/main" xmlns:r="http://schemas.openxmlformats.org/officeDocument/2006/relationships">
+  <p:cSld>
+    <p:spTree>
+      <p:nvGrpSpPr>
+        <p:cNvPr id="1" name=""/>
+        <p:cNvGrpSpPr/>
+        <p:nvPr/>
+      </p:nvGrpSpPr>
+      <p:grpSpPr/>
+      <p:sp>
+        <p:nvSpPr>
+          <p:cNvPr id="2" name="Rectangle 1"/>
+          <p:cNvSpPr/>
+          <p:nvPr/>
+        </p:nvSpPr>
+        <p:spPr>
+          <a:xfrm>
+            <a:off x="0" y="0"/>
+            <a:ext cx="12191695" cy="1005840"/>
+          </a:xfrm>
+          <a:prstGeom prst="rect">
+            <a:avLst/>
+          </a:prstGeom>
+          <a:solidFill>
+            <a:srgbClr val="1B2A4A"/>
+          </a:solidFill>
+          <a:ln>
+            <a:noFill/>
+          </a:ln>
+        </p:spPr>
+        <p:style>
+          <a:lnRef idx="1">
+            <a:schemeClr val="accent1"/>
+          </a:lnRef>
+          <a:fillRef idx="3">
+            <a:schemeClr val="accent1"/>
+          </a:fillRef>
+          <a:effectRef idx="2">
+            <a:schemeClr val="accent1"/>
+          </a:effectRef>
+          <a:fontRef idx="minor">
+            <a:schemeClr val="lt1"/>
+          </a:fontRef>
+        </p:style>
+        <p:txBody>
+          <a:bodyPr rtlCol="0" anchor="ctr"/>
+          <a:lstStyle/>
+          <a:p>
+            <a:pPr algn="ctr"/>
+          </a:p>
+        </p:txBody>
+      </p:sp>
+      <p:sp>
+        <p:nvSpPr>
+          <p:cNvPr id="3" name="TextBox 2"/>
+          <p:cNvSpPr txBox="1"/>
+          <p:nvPr/>
+        </p:nvSpPr>
+        <p:spPr>
+          <a:xfrm>
+            <a:off x="731520" y="137160"/>
+            <a:ext cx="10698480" cy="731520"/>
+          </a:xfrm>
+          <a:prstGeom prst="rect">
+            <a:avLst/>
+          </a:prstGeom>
+          <a:noFill/>
+        </p:spPr>
+        <p:txBody>
+          <a:bodyPr wrap="square">
+            <a:spAutoFit/>
+          </a:bodyPr>
+          <a:lstStyle/>
+          <a:p>
+            <a:pPr>
+              <a:defRPr sz="2800" b="1">
+                <a:solidFill>
+                  <a:srgbClr val="FFFFFF"/>
+                </a:solidFill>
+              </a:defRPr>
+            </a:pPr>
+            <a:r>
+              <a:t>The ReAct Loop</a:t>
+            </a:r>
+          </a:p>
+        </p:txBody>
+      </p:sp>
+      <p:sp>
+        <p:nvSpPr>
+          <p:cNvPr id="4" name="TextBox 3"/>
+          <p:cNvSpPr txBox="1"/>
+          <p:nvPr/>
+        </p:nvSpPr>
+        <p:spPr>
+          <a:xfrm>
+            <a:off x="731520" y="1280160"/>
+            <a:ext cx="10698480" cy="5029200"/>
+          </a:xfrm>
+          <a:prstGeom prst="rect">
+            <a:avLst/>
+          </a:prstGeom>
+          <a:noFill/>
+        </p:spPr>
+        <p:txBody>
+          <a:bodyPr wrap="square">
+            <a:spAutoFit/>
+          </a:bodyPr>
+          <a:lstStyle/>
+          <a:p>
+            <a:pPr>
+              <a:spcAft>
+                <a:spcPts val="1000"/>
+              </a:spcAft>
+              <a:defRPr sz="2200">
+                <a:solidFill>
+                  <a:srgbClr val="222222"/>
+                </a:solidFill>
+              </a:defRPr>
+            </a:pPr>
+            <a:r>
+              <a:t>1. Receive task/goal from user</a:t>
+            </a:r>
+          </a:p>
+          <a:p>
+            <a:pPr>
+              <a:spcAft>
+                <a:spcPts val="1000"/>
+              </a:spcAft>
+              <a:defRPr sz="2200">
+                <a:solidFill>
+                  <a:srgbClr val="222222"/>
+                </a:solidFill>
+              </a:defRPr>
+            </a:pPr>
+            <a:r>
+              <a:t>2. THINK: analyze what needs to be done</a:t>
+            </a:r>
+          </a:p>
+          <a:p>
+            <a:pPr>
+              <a:spcAft>
+                <a:spcPts val="1000"/>
+              </a:spcAft>
+              <a:defRPr sz="2200">
+                <a:solidFill>
+                  <a:srgbClr val="222222"/>
+                </a:solidFill>
+              </a:defRPr>
+            </a:pPr>
+            <a:r>
+              <a:t>3. ACT: call a tool (search, compute, API, etc.)</a:t>
+            </a:r>
+          </a:p>
+          <a:p>
+            <a:pPr>
+              <a:spcAft>
+                <a:spcPts val="1000"/>
+              </a:spcAft>
+              <a:defRPr sz="2200">
+                <a:solidFill>
+                  <a:srgbClr val="222222"/>
+                </a:solidFill>
+              </a:defRPr>
+            </a:pPr>
+            <a:r>
+              <a:t>4. OBSERVE: process the tool's result</a:t>
+            </a:r>
+          </a:p>
+          <a:p>
+            <a:pPr>
+              <a:spcAft>
+                <a:spcPts val="1000"/>
+              </a:spcAft>
+              <a:defRPr sz="2200">
+                <a:solidFill>
+                  <a:srgbClr val="222222"/>
+                </a:solidFill>
+              </a:defRPr>
+            </a:pPr>
+            <a:r>
+              <a:t>5. Repeat steps 2-4 until task is complete</a:t>
+            </a:r>
+          </a:p>
+          <a:p>
+            <a:pPr>
+              <a:spcAft>
+                <a:spcPts val="1000"/>
+              </a:spcAft>
+              <a:defRPr sz="2200">
+                <a:solidFill>
+                  <a:srgbClr val="222222"/>
+                </a:solidFill>
+              </a:defRPr>
+            </a:pPr>
+            <a:r>
+              <a:t>6. Return final answer to user</a:t>
+            </a:r>
+          </a:p>
+        </p:txBody>
+      </p:sp>
+    </p:spTree>
+  </p:cSld>
+  <p:clrMapOvr>
+    <a:masterClrMapping/>
+  </p:clrMapOvr>
+</p:sld>
+</file>
+
+<file path=ppt/slides/slide5.xml><?xml version="1.0" encoding="utf-8"?>
+<p:sld xmlns:a="http://schemas.openxmlformats.org/drawingml/2006/main" xmlns:p="http://schemas.openxmlformats.org/presentationml/2006/main" xmlns:r="http://schemas.openxmlformats.org/officeDocument/2006/relationships">
+  <p:cSld>
+    <p:bg>
+      <p:bgPr>
+        <a:solidFill>
+          <a:srgbClr val="1B2A4A"/>
+        </a:solidFill>
+        <a:effectLst/>
+      </p:bgPr>
+    </p:bg>
+    <p:spTree>
+      <p:nvGrpSpPr>
+        <p:cNvPr id="1" name=""/>
+        <p:cNvGrpSpPr/>
+        <p:nvPr/>
+      </p:nvGrpSpPr>
+      <p:grpSpPr/>
+      <p:sp>
+        <p:nvSpPr>
+          <p:cNvPr id="2" name="TextBox 1"/>
+          <p:cNvSpPr txBox="1"/>
+          <p:nvPr/>
+        </p:nvSpPr>
+        <p:spPr>
+          <a:xfrm>
+            <a:off x="731520" y="2560320"/>
+            <a:ext cx="10698480" cy="1371600"/>
+          </a:xfrm>
+          <a:prstGeom prst="rect">
+            <a:avLst/>
+          </a:prstGeom>
+          <a:noFill/>
+        </p:spPr>
+        <p:txBody>
+          <a:bodyPr wrap="square">
+            <a:spAutoFit/>
+          </a:bodyPr>
+          <a:lstStyle/>
+          <a:p>
+            <a:pPr algn="l">
+              <a:defRPr sz="3600" b="1">
+                <a:solidFill>
+                  <a:srgbClr val="FFFFFF"/>
+                </a:solidFill>
+              </a:defRPr>
+            </a:pPr>
+            <a:r>
+              <a:t>Agent Frameworks</a:t>
+            </a:r>
+          </a:p>
+        </p:txBody>
+      </p:sp>
+      <p:sp>
+        <p:nvSpPr>
+          <p:cNvPr id="3" name="Rectangle 2"/>
+          <p:cNvSpPr/>
+          <p:nvPr/>
+        </p:nvSpPr>
+        <p:spPr>
+          <a:xfrm>
+            <a:off x="731520" y="3931920"/>
+            <a:ext cx="1828800" cy="38100"/>
           </a:xfrm>
           <a:prstGeom prst="rect">
             <a:avLst/>
@@ -5350,172 +5702,6 @@
           </a:p>
         </p:txBody>
       </p:sp>
-      <p:sp>
-        <p:nvSpPr>
-          <p:cNvPr id="3" name="TextBox 2"/>
-          <p:cNvSpPr txBox="1"/>
-          <p:nvPr/>
-        </p:nvSpPr>
-        <p:spPr>
-          <a:xfrm>
-            <a:off x="731520" y="274320"/>
-            <a:ext cx="10728655" cy="822960"/>
-          </a:xfrm>
-          <a:prstGeom prst="rect">
-            <a:avLst/>
-          </a:prstGeom>
-          <a:noFill/>
-        </p:spPr>
-        <p:txBody>
-          <a:bodyPr wrap="square">
-            <a:spAutoFit/>
-          </a:bodyPr>
-          <a:lstStyle/>
-          <a:p>
-            <a:pPr algn="l">
-              <a:defRPr sz="3200" b="1">
-                <a:solidFill>
-                  <a:srgbClr val="1B2A4A"/>
-                </a:solidFill>
-              </a:defRPr>
-            </a:pPr>
-            <a:r>
-              <a:t>Key Takeaways — Session 5</a:t>
-            </a:r>
-          </a:p>
-        </p:txBody>
-      </p:sp>
-      <p:sp>
-        <p:nvSpPr>
-          <p:cNvPr id="4" name="TextBox 3"/>
-          <p:cNvSpPr txBox="1"/>
-          <p:nvPr/>
-        </p:nvSpPr>
-        <p:spPr>
-          <a:xfrm>
-            <a:off x="914400" y="1280160"/>
-            <a:ext cx="10362895" cy="5029200"/>
-          </a:xfrm>
-          <a:prstGeom prst="rect">
-            <a:avLst/>
-          </a:prstGeom>
-          <a:noFill/>
-        </p:spPr>
-        <p:txBody>
-          <a:bodyPr wrap="square">
-            <a:spAutoFit/>
-          </a:bodyPr>
-          <a:lstStyle/>
-          <a:p>
-            <a:pPr>
-              <a:spcBef>
-                <a:spcPts val="400"/>
-              </a:spcBef>
-              <a:spcAft>
-                <a:spcPts val="800"/>
-              </a:spcAft>
-              <a:defRPr sz="2000">
-                <a:solidFill>
-                  <a:srgbClr val="333333"/>
-                </a:solidFill>
-              </a:defRPr>
-            </a:pPr>
-            <a:r>
-              <a:t>Agents = LLMs that reason + act in a loop (ReAct)</a:t>
-            </a:r>
-          </a:p>
-          <a:p>
-            <a:pPr>
-              <a:spcBef>
-                <a:spcPts val="400"/>
-              </a:spcBef>
-              <a:spcAft>
-                <a:spcPts val="800"/>
-              </a:spcAft>
-              <a:defRPr sz="2000">
-                <a:solidFill>
-                  <a:srgbClr val="333333"/>
-                </a:solidFill>
-              </a:defRPr>
-            </a:pPr>
-            <a:r>
-              <a:t>LangGraph for complex agents, OpenAI SDK for simple ones</a:t>
-            </a:r>
-          </a:p>
-          <a:p>
-            <a:pPr>
-              <a:spcBef>
-                <a:spcPts val="400"/>
-              </a:spcBef>
-              <a:spcAft>
-                <a:spcPts val="800"/>
-              </a:spcAft>
-              <a:defRPr sz="2000">
-                <a:solidFill>
-                  <a:srgbClr val="333333"/>
-                </a:solidFill>
-              </a:defRPr>
-            </a:pPr>
-            <a:r>
-              <a:t>Multi-agent: powerful but add complexity only when needed</a:t>
-            </a:r>
-          </a:p>
-          <a:p>
-            <a:pPr>
-              <a:spcBef>
-                <a:spcPts val="400"/>
-              </a:spcBef>
-              <a:spcAft>
-                <a:spcPts val="800"/>
-              </a:spcAft>
-              <a:defRPr sz="2000">
-                <a:solidFill>
-                  <a:srgbClr val="333333"/>
-                </a:solidFill>
-              </a:defRPr>
-            </a:pPr>
-            <a:r>
-              <a:t>Memory: start with short-term, add long-term as needed</a:t>
-            </a:r>
-          </a:p>
-          <a:p>
-            <a:pPr>
-              <a:spcBef>
-                <a:spcPts val="400"/>
-              </a:spcBef>
-              <a:spcAft>
-                <a:spcPts val="800"/>
-              </a:spcAft>
-              <a:defRPr sz="2000">
-                <a:solidFill>
-                  <a:srgbClr val="333333"/>
-                </a:solidFill>
-              </a:defRPr>
-            </a:pPr>
-            <a:r>
-              <a:t>Agentic coding: Codex (async), Claude Code (interactive)</a:t>
-            </a:r>
-          </a:p>
-          <a:p>
-            <a:pPr>
-              <a:spcBef>
-                <a:spcPts val="400"/>
-              </a:spcBef>
-              <a:spcAft>
-                <a:spcPts val="800"/>
-              </a:spcAft>
-              <a:defRPr sz="2000">
-                <a:solidFill>
-                  <a:srgbClr val="333333"/>
-                </a:solidFill>
-              </a:defRPr>
-            </a:pPr>
-            <a:r>
-              <a:t>Next session: RAG &amp; data retrieval</a:t>
-            </a:r>
-          </a:p>
-        </p:txBody>
-      </p:sp>
     </p:spTree>
   </p:cSld>
   <p:clrMapOvr>
@@ -5524,7 +5710,7 @@
 </p:sld>
 </file>
 
-<file path=ppt/slides/slide2.xml><?xml version="1.0" encoding="utf-8"?>
+<file path=ppt/slides/slide6.xml><?xml version="1.0" encoding="utf-8"?>
 <p:sld xmlns:a="http://schemas.openxmlformats.org/drawingml/2006/main" xmlns:p="http://schemas.openxmlformats.org/presentationml/2006/main" xmlns:r="http://schemas.openxmlformats.org/officeDocument/2006/relationships">
   <p:cSld>
     <p:spTree>
@@ -5543,13 +5729,13 @@
         <p:spPr>
           <a:xfrm>
             <a:off x="0" y="0"/>
-            <a:ext cx="12191695" cy="73152"/>
+            <a:ext cx="12191695" cy="1005840"/>
           </a:xfrm>
           <a:prstGeom prst="rect">
             <a:avLst/>
           </a:prstGeom>
           <a:solidFill>
-            <a:srgbClr val="0096D6"/>
+            <a:srgbClr val="1B2A4A"/>
           </a:solidFill>
           <a:ln>
             <a:noFill/>
@@ -5585,8 +5771,8 @@
         </p:nvSpPr>
         <p:spPr>
           <a:xfrm>
-            <a:off x="731520" y="274320"/>
-            <a:ext cx="10728655" cy="822960"/>
+            <a:off x="731520" y="137160"/>
+            <a:ext cx="10698480" cy="731520"/>
           </a:xfrm>
           <a:prstGeom prst="rect">
             <a:avLst/>
@@ -5599,469 +5785,15 @@
           </a:bodyPr>
           <a:lstStyle/>
           <a:p>
-            <a:pPr algn="l">
-              <a:defRPr sz="3200" b="1">
-                <a:solidFill>
-                  <a:srgbClr val="1B2A4A"/>
-                </a:solidFill>
-              </a:defRPr>
-            </a:pPr>
-            <a:r>
-              <a:t>What Is an AI Agent?</a:t>
-            </a:r>
-          </a:p>
-        </p:txBody>
-      </p:sp>
-      <p:sp>
-        <p:nvSpPr>
-          <p:cNvPr id="4" name="TextBox 3"/>
-          <p:cNvSpPr txBox="1"/>
-          <p:nvPr/>
-        </p:nvSpPr>
-        <p:spPr>
-          <a:xfrm>
-            <a:off x="914400" y="1280160"/>
-            <a:ext cx="10362895" cy="5029200"/>
-          </a:xfrm>
-          <a:prstGeom prst="rect">
-            <a:avLst/>
-          </a:prstGeom>
-          <a:noFill/>
-        </p:spPr>
-        <p:txBody>
-          <a:bodyPr wrap="square">
-            <a:spAutoFit/>
-          </a:bodyPr>
-          <a:lstStyle/>
-          <a:p>
             <a:pPr>
-              <a:spcBef>
-                <a:spcPts val="400"/>
-              </a:spcBef>
-              <a:spcAft>
-                <a:spcPts val="800"/>
-              </a:spcAft>
-              <a:defRPr sz="2000">
-                <a:solidFill>
-                  <a:srgbClr val="333333"/>
-                </a:solidFill>
-              </a:defRPr>
-            </a:pPr>
-            <a:r>
-              <a:t>An LLM that can reason, plan, and take actions in a loop</a:t>
-            </a:r>
-          </a:p>
-          <a:p>
-            <a:pPr>
-              <a:spcBef>
-                <a:spcPts val="400"/>
-              </a:spcBef>
-              <a:spcAft>
-                <a:spcPts val="800"/>
-              </a:spcAft>
-              <a:defRPr sz="2000">
-                <a:solidFill>
-                  <a:srgbClr val="333333"/>
-                </a:solidFill>
-              </a:defRPr>
-            </a:pPr>
-            <a:r>
-              <a:t>More than chat: observe → think → act → observe → ...</a:t>
-            </a:r>
-          </a:p>
-          <a:p>
-            <a:pPr>
-              <a:spcBef>
-                <a:spcPts val="400"/>
-              </a:spcBef>
-              <a:spcAft>
-                <a:spcPts val="800"/>
-              </a:spcAft>
-              <a:defRPr sz="2000">
-                <a:solidFill>
-                  <a:srgbClr val="333333"/>
-                </a:solidFill>
-              </a:defRPr>
-            </a:pPr>
-            <a:r>
-              <a:t>Uses tools to interact with the real world</a:t>
-            </a:r>
-          </a:p>
-          <a:p>
-            <a:pPr>
-              <a:spcBef>
-                <a:spcPts val="400"/>
-              </a:spcBef>
-              <a:spcAft>
-                <a:spcPts val="800"/>
-              </a:spcAft>
-              <a:defRPr sz="2000">
-                <a:solidFill>
-                  <a:srgbClr val="333333"/>
-                </a:solidFill>
-              </a:defRPr>
-            </a:pPr>
-            <a:r>
-              <a:t>Can handle multi-step tasks autonomously</a:t>
-            </a:r>
-          </a:p>
-          <a:p>
-            <a:pPr>
-              <a:spcBef>
-                <a:spcPts val="400"/>
-              </a:spcBef>
-              <a:spcAft>
-                <a:spcPts val="800"/>
-              </a:spcAft>
-              <a:defRPr sz="2000">
-                <a:solidFill>
-                  <a:srgbClr val="333333"/>
-                </a:solidFill>
-              </a:defRPr>
-            </a:pPr>
-            <a:r>
-              <a:t>Key difference from tool use: the model decides the workflow</a:t>
-            </a:r>
-          </a:p>
-          <a:p>
-            <a:pPr>
-              <a:spcBef>
-                <a:spcPts val="400"/>
-              </a:spcBef>
-              <a:spcAft>
-                <a:spcPts val="800"/>
-              </a:spcAft>
-              <a:defRPr sz="2000">
-                <a:solidFill>
-                  <a:srgbClr val="333333"/>
-                </a:solidFill>
-              </a:defRPr>
-            </a:pPr>
-            <a:r>
-              <a:t>Examples: research agents, coding agents, data analysis agents</a:t>
-            </a:r>
-          </a:p>
-        </p:txBody>
-      </p:sp>
-    </p:spTree>
-  </p:cSld>
-  <p:clrMapOvr>
-    <a:masterClrMapping/>
-  </p:clrMapOvr>
-</p:sld>
-</file>
-
-<file path=ppt/slides/slide3.xml><?xml version="1.0" encoding="utf-8"?>
-<p:sld xmlns:a="http://schemas.openxmlformats.org/drawingml/2006/main" xmlns:p="http://schemas.openxmlformats.org/presentationml/2006/main" xmlns:r="http://schemas.openxmlformats.org/officeDocument/2006/relationships">
-  <p:cSld>
-    <p:spTree>
-      <p:nvGrpSpPr>
-        <p:cNvPr id="1" name=""/>
-        <p:cNvGrpSpPr/>
-        <p:nvPr/>
-      </p:nvGrpSpPr>
-      <p:grpSpPr/>
-      <p:sp>
-        <p:nvSpPr>
-          <p:cNvPr id="2" name="Rectangle 1"/>
-          <p:cNvSpPr/>
-          <p:nvPr/>
-        </p:nvSpPr>
-        <p:spPr>
-          <a:xfrm>
-            <a:off x="0" y="0"/>
-            <a:ext cx="12191695" cy="73152"/>
-          </a:xfrm>
-          <a:prstGeom prst="rect">
-            <a:avLst/>
-          </a:prstGeom>
-          <a:solidFill>
-            <a:srgbClr val="0096D6"/>
-          </a:solidFill>
-          <a:ln>
-            <a:noFill/>
-          </a:ln>
-        </p:spPr>
-        <p:style>
-          <a:lnRef idx="1">
-            <a:schemeClr val="accent1"/>
-          </a:lnRef>
-          <a:fillRef idx="3">
-            <a:schemeClr val="accent1"/>
-          </a:fillRef>
-          <a:effectRef idx="2">
-            <a:schemeClr val="accent1"/>
-          </a:effectRef>
-          <a:fontRef idx="minor">
-            <a:schemeClr val="lt1"/>
-          </a:fontRef>
-        </p:style>
-        <p:txBody>
-          <a:bodyPr rtlCol="0" anchor="ctr"/>
-          <a:lstStyle/>
-          <a:p>
-            <a:pPr algn="ctr"/>
-          </a:p>
-        </p:txBody>
-      </p:sp>
-      <p:sp>
-        <p:nvSpPr>
-          <p:cNvPr id="3" name="TextBox 2"/>
-          <p:cNvSpPr txBox="1"/>
-          <p:nvPr/>
-        </p:nvSpPr>
-        <p:spPr>
-          <a:xfrm>
-            <a:off x="731520" y="274320"/>
-            <a:ext cx="10728655" cy="822960"/>
-          </a:xfrm>
-          <a:prstGeom prst="rect">
-            <a:avLst/>
-          </a:prstGeom>
-          <a:noFill/>
-        </p:spPr>
-        <p:txBody>
-          <a:bodyPr wrap="square">
-            <a:spAutoFit/>
-          </a:bodyPr>
-          <a:lstStyle/>
-          <a:p>
-            <a:pPr algn="l">
-              <a:defRPr sz="3200" b="1">
-                <a:solidFill>
-                  <a:srgbClr val="1B2A4A"/>
-                </a:solidFill>
-              </a:defRPr>
-            </a:pPr>
-            <a:r>
-              <a:t>The ReAct Loop</a:t>
-            </a:r>
-          </a:p>
-        </p:txBody>
-      </p:sp>
-      <p:sp>
-        <p:nvSpPr>
-          <p:cNvPr id="4" name="TextBox 3"/>
-          <p:cNvSpPr txBox="1"/>
-          <p:nvPr/>
-        </p:nvSpPr>
-        <p:spPr>
-          <a:xfrm>
-            <a:off x="914400" y="1280160"/>
-            <a:ext cx="10362895" cy="5029200"/>
-          </a:xfrm>
-          <a:prstGeom prst="rect">
-            <a:avLst/>
-          </a:prstGeom>
-          <a:noFill/>
-        </p:spPr>
-        <p:txBody>
-          <a:bodyPr wrap="square">
-            <a:spAutoFit/>
-          </a:bodyPr>
-          <a:lstStyle/>
-          <a:p>
-            <a:pPr>
-              <a:spcBef>
-                <a:spcPts val="400"/>
-              </a:spcBef>
-              <a:spcAft>
-                <a:spcPts val="800"/>
-              </a:spcAft>
-              <a:defRPr sz="2000">
-                <a:solidFill>
-                  <a:srgbClr val="333333"/>
-                </a:solidFill>
-              </a:defRPr>
-            </a:pPr>
-            <a:r>
-              <a:t>ReAct = Reasoning + Acting (Yao et al., 2023)</a:t>
-            </a:r>
-          </a:p>
-          <a:p>
-            <a:pPr>
-              <a:spcBef>
-                <a:spcPts val="400"/>
-              </a:spcBef>
-              <a:spcAft>
-                <a:spcPts val="800"/>
-              </a:spcAft>
-              <a:defRPr sz="2000">
-                <a:solidFill>
-                  <a:srgbClr val="333333"/>
-                </a:solidFill>
-              </a:defRPr>
-            </a:pPr>
-            <a:r>
-              <a:t>1. Thought: model reasons about what to do next</a:t>
-            </a:r>
-          </a:p>
-          <a:p>
-            <a:pPr>
-              <a:spcBef>
-                <a:spcPts val="400"/>
-              </a:spcBef>
-              <a:spcAft>
-                <a:spcPts val="800"/>
-              </a:spcAft>
-              <a:defRPr sz="2000">
-                <a:solidFill>
-                  <a:srgbClr val="333333"/>
-                </a:solidFill>
-              </a:defRPr>
-            </a:pPr>
-            <a:r>
-              <a:t>2. Action: model calls a tool</a:t>
-            </a:r>
-          </a:p>
-          <a:p>
-            <a:pPr>
-              <a:spcBef>
-                <a:spcPts val="400"/>
-              </a:spcBef>
-              <a:spcAft>
-                <a:spcPts val="800"/>
-              </a:spcAft>
-              <a:defRPr sz="2000">
-                <a:solidFill>
-                  <a:srgbClr val="333333"/>
-                </a:solidFill>
-              </a:defRPr>
-            </a:pPr>
-            <a:r>
-              <a:t>3. Observation: tool returns results</a:t>
-            </a:r>
-          </a:p>
-          <a:p>
-            <a:pPr>
-              <a:spcBef>
-                <a:spcPts val="400"/>
-              </a:spcBef>
-              <a:spcAft>
-                <a:spcPts val="800"/>
-              </a:spcAft>
-              <a:defRPr sz="2000">
-                <a:solidFill>
-                  <a:srgbClr val="333333"/>
-                </a:solidFill>
-              </a:defRPr>
-            </a:pPr>
-            <a:r>
-              <a:t>4. Repeat until task is complete</a:t>
-            </a:r>
-          </a:p>
-          <a:p>
-            <a:pPr>
-              <a:spcBef>
-                <a:spcPts val="400"/>
-              </a:spcBef>
-              <a:spcAft>
-                <a:spcPts val="800"/>
-              </a:spcAft>
-              <a:defRPr sz="2000">
-                <a:solidFill>
-                  <a:srgbClr val="333333"/>
-                </a:solidFill>
-              </a:defRPr>
-            </a:pPr>
-            <a:r>
-              <a:t>This is what every agent framework implements</a:t>
-            </a:r>
-          </a:p>
-        </p:txBody>
-      </p:sp>
-    </p:spTree>
-  </p:cSld>
-  <p:clrMapOvr>
-    <a:masterClrMapping/>
-  </p:clrMapOvr>
-</p:sld>
-</file>
-
-<file path=ppt/slides/slide4.xml><?xml version="1.0" encoding="utf-8"?>
-<p:sld xmlns:a="http://schemas.openxmlformats.org/drawingml/2006/main" xmlns:p="http://schemas.openxmlformats.org/presentationml/2006/main" xmlns:r="http://schemas.openxmlformats.org/officeDocument/2006/relationships">
-  <p:cSld>
-    <p:spTree>
-      <p:nvGrpSpPr>
-        <p:cNvPr id="1" name=""/>
-        <p:cNvGrpSpPr/>
-        <p:nvPr/>
-      </p:nvGrpSpPr>
-      <p:grpSpPr/>
-      <p:sp>
-        <p:nvSpPr>
-          <p:cNvPr id="2" name="Rectangle 1"/>
-          <p:cNvSpPr/>
-          <p:nvPr/>
-        </p:nvSpPr>
-        <p:spPr>
-          <a:xfrm>
-            <a:off x="0" y="0"/>
-            <a:ext cx="12191695" cy="73152"/>
-          </a:xfrm>
-          <a:prstGeom prst="rect">
-            <a:avLst/>
-          </a:prstGeom>
-          <a:solidFill>
-            <a:srgbClr val="0096D6"/>
-          </a:solidFill>
-          <a:ln>
-            <a:noFill/>
-          </a:ln>
-        </p:spPr>
-        <p:style>
-          <a:lnRef idx="1">
-            <a:schemeClr val="accent1"/>
-          </a:lnRef>
-          <a:fillRef idx="3">
-            <a:schemeClr val="accent1"/>
-          </a:fillRef>
-          <a:effectRef idx="2">
-            <a:schemeClr val="accent1"/>
-          </a:effectRef>
-          <a:fontRef idx="minor">
-            <a:schemeClr val="lt1"/>
-          </a:fontRef>
-        </p:style>
-        <p:txBody>
-          <a:bodyPr rtlCol="0" anchor="ctr"/>
-          <a:lstStyle/>
-          <a:p>
-            <a:pPr algn="ctr"/>
-          </a:p>
-        </p:txBody>
-      </p:sp>
-      <p:sp>
-        <p:nvSpPr>
-          <p:cNvPr id="3" name="TextBox 2"/>
-          <p:cNvSpPr txBox="1"/>
-          <p:nvPr/>
-        </p:nvSpPr>
-        <p:spPr>
-          <a:xfrm>
-            <a:off x="731520" y="274320"/>
-            <a:ext cx="10728655" cy="731520"/>
-          </a:xfrm>
-          <a:prstGeom prst="rect">
-            <a:avLst/>
-          </a:prstGeom>
-          <a:noFill/>
-        </p:spPr>
-        <p:txBody>
-          <a:bodyPr wrap="none">
-            <a:spAutoFit/>
-          </a:bodyPr>
-          <a:lstStyle/>
-          <a:p>
-            <a:pPr>
-              <a:defRPr sz="3200" b="1">
-                <a:solidFill>
-                  <a:srgbClr val="1B2A4A"/>
-                </a:solidFill>
-              </a:defRPr>
-            </a:pPr>
-            <a:r>
-              <a:t>Agent Frameworks — February 2026</a:t>
+              <a:defRPr sz="2800" b="1">
+                <a:solidFill>
+                  <a:srgbClr val="FFFFFF"/>
+                </a:solidFill>
+              </a:defRPr>
+            </a:pPr>
+            <a:r>
+              <a:t>Framework Comparison</a:t>
             </a:r>
           </a:p>
         </p:txBody>
@@ -6076,7 +5808,7 @@
         </p:nvGraphicFramePr>
         <p:xfrm>
           <a:off x="731520" y="1280160"/>
-          <a:ext cx="10728652" cy="2560320"/>
+          <a:ext cx="10698480" cy="3840480"/>
         </p:xfrm>
         <a:graphic>
           <a:graphicData uri="http://schemas.openxmlformats.org/drawingml/2006/table">
@@ -6085,19 +5817,18 @@
                 <a:tableStyleId>{5C22544A-7EE6-4342-B048-85BDC9FD1C3A}</a:tableStyleId>
               </a:tblPr>
               <a:tblGrid>
-                <a:gridCol w="2682163"/>
-                <a:gridCol w="2682163"/>
-                <a:gridCol w="2682163"/>
-                <a:gridCol w="2682163"/>
+                <a:gridCol w="3566160"/>
+                <a:gridCol w="3566160"/>
+                <a:gridCol w="3566160"/>
               </a:tblGrid>
-              <a:tr h="365760">
+              <a:tr h="548640">
                 <a:tc>
                   <a:txBody>
                     <a:bodyPr/>
                     <a:lstStyle/>
                     <a:p>
-                      <a:pPr algn="ctr">
-                        <a:defRPr sz="1400" b="1">
+                      <a:pPr>
+                        <a:defRPr sz="1800" b="1">
                           <a:solidFill>
                             <a:srgbClr val="FFFFFF"/>
                           </a:solidFill>
@@ -6119,8 +5850,8 @@
                     <a:bodyPr/>
                     <a:lstStyle/>
                     <a:p>
-                      <a:pPr algn="ctr">
-                        <a:defRPr sz="1400" b="1">
+                      <a:pPr>
+                        <a:defRPr sz="1800" b="1">
                           <a:solidFill>
                             <a:srgbClr val="FFFFFF"/>
                           </a:solidFill>
@@ -6142,38 +5873,15 @@
                     <a:bodyPr/>
                     <a:lstStyle/>
                     <a:p>
-                      <a:pPr algn="ctr">
-                        <a:defRPr sz="1400" b="1">
+                      <a:pPr>
+                        <a:defRPr sz="1800" b="1">
                           <a:solidFill>
                             <a:srgbClr val="FFFFFF"/>
                           </a:solidFill>
                         </a:defRPr>
                       </a:pPr>
                       <a:r>
-                        <a:t>Language</a:t>
-                      </a:r>
-                    </a:p>
-                  </a:txBody>
-                  <a:tcPr>
-                    <a:solidFill>
-                      <a:srgbClr val="1B2A4A"/>
-                    </a:solidFill>
-                  </a:tcPr>
-                </a:tc>
-                <a:tc>
-                  <a:txBody>
-                    <a:bodyPr/>
-                    <a:lstStyle/>
-                    <a:p>
-                      <a:pPr algn="ctr">
-                        <a:defRPr sz="1400" b="1">
-                          <a:solidFill>
-                            <a:srgbClr val="FFFFFF"/>
-                          </a:solidFill>
-                        </a:defRPr>
-                      </a:pPr>
-                      <a:r>
-                        <a:t>Key Feature</a:t>
+                        <a:t>Complexity</a:t>
                       </a:r>
                     </a:p>
                   </a:txBody>
@@ -6184,99 +5892,21 @@
                   </a:tcPr>
                 </a:tc>
               </a:tr>
-              <a:tr h="365760">
+              <a:tr h="548640">
                 <a:tc>
                   <a:txBody>
                     <a:bodyPr/>
                     <a:lstStyle/>
                     <a:p>
-                      <a:pPr algn="ctr">
-                        <a:defRPr sz="1300">
+                      <a:pPr>
+                        <a:defRPr sz="1600">
                           <a:solidFill>
-                            <a:srgbClr val="333333"/>
+                            <a:srgbClr val="222222"/>
                           </a:solidFill>
                         </a:defRPr>
                       </a:pPr>
                       <a:r>
-                        <a:t>LangGraph</a:t>
-                      </a:r>
-                    </a:p>
-                  </a:txBody>
-                  <a:tcPr/>
-                </a:tc>
-                <a:tc>
-                  <a:txBody>
-                    <a:bodyPr/>
-                    <a:lstStyle/>
-                    <a:p>
-                      <a:pPr algn="ctr">
-                        <a:defRPr sz="1300">
-                          <a:solidFill>
-                            <a:srgbClr val="333333"/>
-                          </a:solidFill>
-                        </a:defRPr>
-                      </a:pPr>
-                      <a:r>
-                        <a:t>Complex stateful agents</a:t>
-                      </a:r>
-                    </a:p>
-                  </a:txBody>
-                  <a:tcPr/>
-                </a:tc>
-                <a:tc>
-                  <a:txBody>
-                    <a:bodyPr/>
-                    <a:lstStyle/>
-                    <a:p>
-                      <a:pPr algn="ctr">
-                        <a:defRPr sz="1300">
-                          <a:solidFill>
-                            <a:srgbClr val="333333"/>
-                          </a:solidFill>
-                        </a:defRPr>
-                      </a:pPr>
-                      <a:r>
-                        <a:t>Python/JS</a:t>
-                      </a:r>
-                    </a:p>
-                  </a:txBody>
-                  <a:tcPr/>
-                </a:tc>
-                <a:tc>
-                  <a:txBody>
-                    <a:bodyPr/>
-                    <a:lstStyle/>
-                    <a:p>
-                      <a:pPr algn="ctr">
-                        <a:defRPr sz="1300">
-                          <a:solidFill>
-                            <a:srgbClr val="333333"/>
-                          </a:solidFill>
-                        </a:defRPr>
-                      </a:pPr>
-                      <a:r>
-                        <a:t>Graph-based workflow</a:t>
-                      </a:r>
-                    </a:p>
-                  </a:txBody>
-                  <a:tcPr/>
-                </a:tc>
-              </a:tr>
-              <a:tr h="365760">
-                <a:tc>
-                  <a:txBody>
-                    <a:bodyPr/>
-                    <a:lstStyle/>
-                    <a:p>
-                      <a:pPr algn="ctr">
-                        <a:defRPr sz="1300">
-                          <a:solidFill>
-                            <a:srgbClr val="333333"/>
-                          </a:solidFill>
-                        </a:defRPr>
-                      </a:pPr>
-                      <a:r>
-                        <a:t>OpenAI Agents SDK</a:t>
+                        <a:t>LangChain/LangGraph</a:t>
                       </a:r>
                     </a:p>
                   </a:txBody>
@@ -6291,15 +5921,15 @@
                     <a:bodyPr/>
                     <a:lstStyle/>
                     <a:p>
-                      <a:pPr algn="ctr">
-                        <a:defRPr sz="1300">
+                      <a:pPr>
+                        <a:defRPr sz="1600">
                           <a:solidFill>
-                            <a:srgbClr val="333333"/>
+                            <a:srgbClr val="222222"/>
                           </a:solidFill>
                         </a:defRPr>
                       </a:pPr>
                       <a:r>
-                        <a:t>Simple OpenAI agents</a:t>
+                        <a:t>Complex workflows, graphs</a:t>
                       </a:r>
                     </a:p>
                   </a:txBody>
@@ -6314,15 +5944,111 @@
                     <a:bodyPr/>
                     <a:lstStyle/>
                     <a:p>
-                      <a:pPr algn="ctr">
-                        <a:defRPr sz="1300">
+                      <a:pPr>
+                        <a:defRPr sz="1600">
                           <a:solidFill>
-                            <a:srgbClr val="333333"/>
+                            <a:srgbClr val="222222"/>
                           </a:solidFill>
                         </a:defRPr>
                       </a:pPr>
                       <a:r>
-                        <a:t>Python</a:t>
+                        <a:t>High</a:t>
+                      </a:r>
+                    </a:p>
+                  </a:txBody>
+                  <a:tcPr>
+                    <a:solidFill>
+                      <a:srgbClr val="F5F7FA"/>
+                    </a:solidFill>
+                  </a:tcPr>
+                </a:tc>
+              </a:tr>
+              <a:tr h="548640">
+                <a:tc>
+                  <a:txBody>
+                    <a:bodyPr/>
+                    <a:lstStyle/>
+                    <a:p>
+                      <a:pPr>
+                        <a:defRPr sz="1600">
+                          <a:solidFill>
+                            <a:srgbClr val="222222"/>
+                          </a:solidFill>
+                        </a:defRPr>
+                      </a:pPr>
+                      <a:r>
+                        <a:t>OpenAI Agents SDK</a:t>
+                      </a:r>
+                    </a:p>
+                  </a:txBody>
+                  <a:tcPr>
+                    <a:solidFill>
+                      <a:srgbClr val="FFFFFF"/>
+                    </a:solidFill>
+                  </a:tcPr>
+                </a:tc>
+                <a:tc>
+                  <a:txBody>
+                    <a:bodyPr/>
+                    <a:lstStyle/>
+                    <a:p>
+                      <a:pPr>
+                        <a:defRPr sz="1600">
+                          <a:solidFill>
+                            <a:srgbClr val="222222"/>
+                          </a:solidFill>
+                        </a:defRPr>
+                      </a:pPr>
+                      <a:r>
+                        <a:t>OpenAI-native agents</a:t>
+                      </a:r>
+                    </a:p>
+                  </a:txBody>
+                  <a:tcPr>
+                    <a:solidFill>
+                      <a:srgbClr val="FFFFFF"/>
+                    </a:solidFill>
+                  </a:tcPr>
+                </a:tc>
+                <a:tc>
+                  <a:txBody>
+                    <a:bodyPr/>
+                    <a:lstStyle/>
+                    <a:p>
+                      <a:pPr>
+                        <a:defRPr sz="1600">
+                          <a:solidFill>
+                            <a:srgbClr val="222222"/>
+                          </a:solidFill>
+                        </a:defRPr>
+                      </a:pPr>
+                      <a:r>
+                        <a:t>Medium</a:t>
+                      </a:r>
+                    </a:p>
+                  </a:txBody>
+                  <a:tcPr>
+                    <a:solidFill>
+                      <a:srgbClr val="FFFFFF"/>
+                    </a:solidFill>
+                  </a:tcPr>
+                </a:tc>
+              </a:tr>
+              <a:tr h="548640">
+                <a:tc>
+                  <a:txBody>
+                    <a:bodyPr/>
+                    <a:lstStyle/>
+                    <a:p>
+                      <a:pPr>
+                        <a:defRPr sz="1600">
+                          <a:solidFill>
+                            <a:srgbClr val="222222"/>
+                          </a:solidFill>
+                        </a:defRPr>
+                      </a:pPr>
+                      <a:r>
+                        <a:t>CrewAI</a:t>
                       </a:r>
                     </a:p>
                   </a:txBody>
@@ -6337,118 +6063,15 @@
                     <a:bodyPr/>
                     <a:lstStyle/>
                     <a:p>
-                      <a:pPr algn="ctr">
-                        <a:defRPr sz="1300">
+                      <a:pPr>
+                        <a:defRPr sz="1600">
                           <a:solidFill>
-                            <a:srgbClr val="333333"/>
-                          </a:solidFill>
-                        </a:defRPr>
-                      </a:pPr>
-                      <a:r>
-                        <a:t>Built-in tool loop</a:t>
-                      </a:r>
-                    </a:p>
-                  </a:txBody>
-                  <a:tcPr>
-                    <a:solidFill>
-                      <a:srgbClr val="F5F7FA"/>
-                    </a:solidFill>
-                  </a:tcPr>
-                </a:tc>
-              </a:tr>
-              <a:tr h="365760">
-                <a:tc>
-                  <a:txBody>
-                    <a:bodyPr/>
-                    <a:lstStyle/>
-                    <a:p>
-                      <a:pPr algn="ctr">
-                        <a:defRPr sz="1300">
-                          <a:solidFill>
-                            <a:srgbClr val="333333"/>
-                          </a:solidFill>
-                        </a:defRPr>
-                      </a:pPr>
-                      <a:r>
-                        <a:t>CrewAI</a:t>
-                      </a:r>
-                    </a:p>
-                  </a:txBody>
-                  <a:tcPr/>
-                </a:tc>
-                <a:tc>
-                  <a:txBody>
-                    <a:bodyPr/>
-                    <a:lstStyle/>
-                    <a:p>
-                      <a:pPr algn="ctr">
-                        <a:defRPr sz="1300">
-                          <a:solidFill>
-                            <a:srgbClr val="333333"/>
+                            <a:srgbClr val="222222"/>
                           </a:solidFill>
                         </a:defRPr>
                       </a:pPr>
                       <a:r>
                         <a:t>Multi-agent teams</a:t>
-                      </a:r>
-                    </a:p>
-                  </a:txBody>
-                  <a:tcPr/>
-                </a:tc>
-                <a:tc>
-                  <a:txBody>
-                    <a:bodyPr/>
-                    <a:lstStyle/>
-                    <a:p>
-                      <a:pPr algn="ctr">
-                        <a:defRPr sz="1300">
-                          <a:solidFill>
-                            <a:srgbClr val="333333"/>
-                          </a:solidFill>
-                        </a:defRPr>
-                      </a:pPr>
-                      <a:r>
-                        <a:t>Python</a:t>
-                      </a:r>
-                    </a:p>
-                  </a:txBody>
-                  <a:tcPr/>
-                </a:tc>
-                <a:tc>
-                  <a:txBody>
-                    <a:bodyPr/>
-                    <a:lstStyle/>
-                    <a:p>
-                      <a:pPr algn="ctr">
-                        <a:defRPr sz="1300">
-                          <a:solidFill>
-                            <a:srgbClr val="333333"/>
-                          </a:solidFill>
-                        </a:defRPr>
-                      </a:pPr>
-                      <a:r>
-                        <a:t>Role-based agents</a:t>
-                      </a:r>
-                    </a:p>
-                  </a:txBody>
-                  <a:tcPr/>
-                </a:tc>
-              </a:tr>
-              <a:tr h="365760">
-                <a:tc>
-                  <a:txBody>
-                    <a:bodyPr/>
-                    <a:lstStyle/>
-                    <a:p>
-                      <a:pPr algn="ctr">
-                        <a:defRPr sz="1300">
-                          <a:solidFill>
-                            <a:srgbClr val="333333"/>
-                          </a:solidFill>
-                        </a:defRPr>
-                      </a:pPr>
-                      <a:r>
-                        <a:t>Anthropic Tool Use</a:t>
                       </a:r>
                     </a:p>
                   </a:txBody>
@@ -6463,15 +6086,111 @@
                     <a:bodyPr/>
                     <a:lstStyle/>
                     <a:p>
-                      <a:pPr algn="ctr">
-                        <a:defRPr sz="1300">
+                      <a:pPr>
+                        <a:defRPr sz="1600">
                           <a:solidFill>
-                            <a:srgbClr val="333333"/>
+                            <a:srgbClr val="222222"/>
                           </a:solidFill>
                         </a:defRPr>
                       </a:pPr>
                       <a:r>
-                        <a:t>Claude-native agents</a:t>
+                        <a:t>Medium</a:t>
+                      </a:r>
+                    </a:p>
+                  </a:txBody>
+                  <a:tcPr>
+                    <a:solidFill>
+                      <a:srgbClr val="F5F7FA"/>
+                    </a:solidFill>
+                  </a:tcPr>
+                </a:tc>
+              </a:tr>
+              <a:tr h="548640">
+                <a:tc>
+                  <a:txBody>
+                    <a:bodyPr/>
+                    <a:lstStyle/>
+                    <a:p>
+                      <a:pPr>
+                        <a:defRPr sz="1600">
+                          <a:solidFill>
+                            <a:srgbClr val="222222"/>
+                          </a:solidFill>
+                        </a:defRPr>
+                      </a:pPr>
+                      <a:r>
+                        <a:t>Pydantic AI</a:t>
+                      </a:r>
+                    </a:p>
+                  </a:txBody>
+                  <a:tcPr>
+                    <a:solidFill>
+                      <a:srgbClr val="FFFFFF"/>
+                    </a:solidFill>
+                  </a:tcPr>
+                </a:tc>
+                <a:tc>
+                  <a:txBody>
+                    <a:bodyPr/>
+                    <a:lstStyle/>
+                    <a:p>
+                      <a:pPr>
+                        <a:defRPr sz="1600">
+                          <a:solidFill>
+                            <a:srgbClr val="222222"/>
+                          </a:solidFill>
+                        </a:defRPr>
+                      </a:pPr>
+                      <a:r>
+                        <a:t>Type-safe agents</a:t>
+                      </a:r>
+                    </a:p>
+                  </a:txBody>
+                  <a:tcPr>
+                    <a:solidFill>
+                      <a:srgbClr val="FFFFFF"/>
+                    </a:solidFill>
+                  </a:tcPr>
+                </a:tc>
+                <a:tc>
+                  <a:txBody>
+                    <a:bodyPr/>
+                    <a:lstStyle/>
+                    <a:p>
+                      <a:pPr>
+                        <a:defRPr sz="1600">
+                          <a:solidFill>
+                            <a:srgbClr val="222222"/>
+                          </a:solidFill>
+                        </a:defRPr>
+                      </a:pPr>
+                      <a:r>
+                        <a:t>Low-Medium</a:t>
+                      </a:r>
+                    </a:p>
+                  </a:txBody>
+                  <a:tcPr>
+                    <a:solidFill>
+                      <a:srgbClr val="FFFFFF"/>
+                    </a:solidFill>
+                  </a:tcPr>
+                </a:tc>
+              </a:tr>
+              <a:tr h="548640">
+                <a:tc>
+                  <a:txBody>
+                    <a:bodyPr/>
+                    <a:lstStyle/>
+                    <a:p>
+                      <a:pPr>
+                        <a:defRPr sz="1600">
+                          <a:solidFill>
+                            <a:srgbClr val="222222"/>
+                          </a:solidFill>
+                        </a:defRPr>
+                      </a:pPr>
+                      <a:r>
+                        <a:t>AutoGen</a:t>
                       </a:r>
                     </a:p>
                   </a:txBody>
@@ -6486,15 +6205,15 @@
                     <a:bodyPr/>
                     <a:lstStyle/>
                     <a:p>
-                      <a:pPr algn="ctr">
-                        <a:defRPr sz="1300">
+                      <a:pPr>
+                        <a:defRPr sz="1600">
                           <a:solidFill>
-                            <a:srgbClr val="333333"/>
+                            <a:srgbClr val="222222"/>
                           </a:solidFill>
                         </a:defRPr>
                       </a:pPr>
                       <a:r>
-                        <a:t>Python</a:t>
+                        <a:t>Multi-agent conversations</a:t>
                       </a:r>
                     </a:p>
                   </a:txBody>
@@ -6509,15 +6228,15 @@
                     <a:bodyPr/>
                     <a:lstStyle/>
                     <a:p>
-                      <a:pPr algn="ctr">
-                        <a:defRPr sz="1300">
+                      <a:pPr>
+                        <a:defRPr sz="1600">
                           <a:solidFill>
-                            <a:srgbClr val="333333"/>
+                            <a:srgbClr val="222222"/>
                           </a:solidFill>
                         </a:defRPr>
                       </a:pPr>
                       <a:r>
-                        <a:t>Direct tool loop</a:t>
+                        <a:t>High</a:t>
                       </a:r>
                     </a:p>
                   </a:txBody>
@@ -6528,105 +6247,27 @@
                   </a:tcPr>
                 </a:tc>
               </a:tr>
-              <a:tr h="365760">
+              <a:tr h="548640">
                 <a:tc>
                   <a:txBody>
                     <a:bodyPr/>
                     <a:lstStyle/>
                     <a:p>
-                      <a:pPr algn="ctr">
-                        <a:defRPr sz="1300">
+                      <a:pPr>
+                        <a:defRPr sz="1600">
                           <a:solidFill>
-                            <a:srgbClr val="333333"/>
+                            <a:srgbClr val="222222"/>
                           </a:solidFill>
                         </a:defRPr>
                       </a:pPr>
                       <a:r>
-                        <a:t>AutoGen (Microsoft)</a:t>
-                      </a:r>
-                    </a:p>
-                  </a:txBody>
-                  <a:tcPr/>
-                </a:tc>
-                <a:tc>
-                  <a:txBody>
-                    <a:bodyPr/>
-                    <a:lstStyle/>
-                    <a:p>
-                      <a:pPr algn="ctr">
-                        <a:defRPr sz="1300">
-                          <a:solidFill>
-                            <a:srgbClr val="333333"/>
-                          </a:solidFill>
-                        </a:defRPr>
-                      </a:pPr>
-                      <a:r>
-                        <a:t>Conversational agents</a:t>
-                      </a:r>
-                    </a:p>
-                  </a:txBody>
-                  <a:tcPr/>
-                </a:tc>
-                <a:tc>
-                  <a:txBody>
-                    <a:bodyPr/>
-                    <a:lstStyle/>
-                    <a:p>
-                      <a:pPr algn="ctr">
-                        <a:defRPr sz="1300">
-                          <a:solidFill>
-                            <a:srgbClr val="333333"/>
-                          </a:solidFill>
-                        </a:defRPr>
-                      </a:pPr>
-                      <a:r>
-                        <a:t>Python</a:t>
-                      </a:r>
-                    </a:p>
-                  </a:txBody>
-                  <a:tcPr/>
-                </a:tc>
-                <a:tc>
-                  <a:txBody>
-                    <a:bodyPr/>
-                    <a:lstStyle/>
-                    <a:p>
-                      <a:pPr algn="ctr">
-                        <a:defRPr sz="1300">
-                          <a:solidFill>
-                            <a:srgbClr val="333333"/>
-                          </a:solidFill>
-                        </a:defRPr>
-                      </a:pPr>
-                      <a:r>
-                        <a:t>Agent chat</a:t>
-                      </a:r>
-                    </a:p>
-                  </a:txBody>
-                  <a:tcPr/>
-                </a:tc>
-              </a:tr>
-              <a:tr h="365760">
-                <a:tc>
-                  <a:txBody>
-                    <a:bodyPr/>
-                    <a:lstStyle/>
-                    <a:p>
-                      <a:pPr algn="ctr">
-                        <a:defRPr sz="1300">
-                          <a:solidFill>
-                            <a:srgbClr val="333333"/>
-                          </a:solidFill>
-                        </a:defRPr>
-                      </a:pPr>
-                      <a:r>
-                        <a:t>Pydantic AI</a:t>
+                        <a:t>Anthropic tool use</a:t>
                       </a:r>
                     </a:p>
                   </a:txBody>
                   <a:tcPr>
                     <a:solidFill>
-                      <a:srgbClr val="F5F7FA"/>
+                      <a:srgbClr val="FFFFFF"/>
                     </a:solidFill>
                   </a:tcPr>
                 </a:tc>
@@ -6635,21 +6276,21 @@
                     <a:bodyPr/>
                     <a:lstStyle/>
                     <a:p>
-                      <a:pPr algn="ctr">
-                        <a:defRPr sz="1300">
+                      <a:pPr>
+                        <a:defRPr sz="1600">
                           <a:solidFill>
-                            <a:srgbClr val="333333"/>
+                            <a:srgbClr val="222222"/>
                           </a:solidFill>
                         </a:defRPr>
                       </a:pPr>
                       <a:r>
-                        <a:t>Type-safe agents</a:t>
+                        <a:t>Simple, direct control</a:t>
                       </a:r>
                     </a:p>
                   </a:txBody>
                   <a:tcPr>
                     <a:solidFill>
-                      <a:srgbClr val="F5F7FA"/>
+                      <a:srgbClr val="FFFFFF"/>
                     </a:solidFill>
                   </a:tcPr>
                 </a:tc>
@@ -6658,44 +6299,21 @@
                     <a:bodyPr/>
                     <a:lstStyle/>
                     <a:p>
-                      <a:pPr algn="ctr">
-                        <a:defRPr sz="1300">
+                      <a:pPr>
+                        <a:defRPr sz="1600">
                           <a:solidFill>
-                            <a:srgbClr val="333333"/>
+                            <a:srgbClr val="222222"/>
                           </a:solidFill>
                         </a:defRPr>
                       </a:pPr>
                       <a:r>
-                        <a:t>Python</a:t>
+                        <a:t>Low</a:t>
                       </a:r>
                     </a:p>
                   </a:txBody>
                   <a:tcPr>
                     <a:solidFill>
-                      <a:srgbClr val="F5F7FA"/>
-                    </a:solidFill>
-                  </a:tcPr>
-                </a:tc>
-                <a:tc>
-                  <a:txBody>
-                    <a:bodyPr/>
-                    <a:lstStyle/>
-                    <a:p>
-                      <a:pPr algn="ctr">
-                        <a:defRPr sz="1300">
-                          <a:solidFill>
-                            <a:srgbClr val="333333"/>
-                          </a:solidFill>
-                        </a:defRPr>
-                      </a:pPr>
-                      <a:r>
-                        <a:t>Pydantic integration</a:t>
-                      </a:r>
-                    </a:p>
-                  </a:txBody>
-                  <a:tcPr>
-                    <a:solidFill>
-                      <a:srgbClr val="F5F7FA"/>
+                      <a:srgbClr val="FFFFFF"/>
                     </a:solidFill>
                   </a:tcPr>
                 </a:tc>
@@ -6712,7 +6330,7 @@
 </p:sld>
 </file>
 
-<file path=ppt/slides/slide5.xml><?xml version="1.0" encoding="utf-8"?>
+<file path=ppt/slides/slide7.xml><?xml version="1.0" encoding="utf-8"?>
 <p:sld xmlns:a="http://schemas.openxmlformats.org/drawingml/2006/main" xmlns:p="http://schemas.openxmlformats.org/presentationml/2006/main" xmlns:r="http://schemas.openxmlformats.org/officeDocument/2006/relationships">
   <p:cSld>
     <p:spTree>
@@ -6731,13 +6349,13 @@
         <p:spPr>
           <a:xfrm>
             <a:off x="0" y="0"/>
-            <a:ext cx="12191695" cy="73152"/>
+            <a:ext cx="12191695" cy="1005840"/>
           </a:xfrm>
           <a:prstGeom prst="rect">
             <a:avLst/>
           </a:prstGeom>
           <a:solidFill>
-            <a:srgbClr val="0096D6"/>
+            <a:srgbClr val="1B2A4A"/>
           </a:solidFill>
           <a:ln>
             <a:noFill/>
@@ -6773,8 +6391,8 @@
         </p:nvSpPr>
         <p:spPr>
           <a:xfrm>
-            <a:off x="731520" y="274320"/>
-            <a:ext cx="10728655" cy="822960"/>
+            <a:off x="731520" y="137160"/>
+            <a:ext cx="10698480" cy="731520"/>
           </a:xfrm>
           <a:prstGeom prst="rect">
             <a:avLst/>
@@ -6787,184 +6405,35 @@
           </a:bodyPr>
           <a:lstStyle/>
           <a:p>
-            <a:pPr algn="l">
-              <a:defRPr sz="3200" b="1">
-                <a:solidFill>
-                  <a:srgbClr val="1B2A4A"/>
-                </a:solidFill>
-              </a:defRPr>
-            </a:pPr>
-            <a:r>
-              <a:t>LangGraph — Graph-Based Agents</a:t>
-            </a:r>
-          </a:p>
-        </p:txBody>
-      </p:sp>
-      <p:sp>
-        <p:nvSpPr>
-          <p:cNvPr id="4" name="TextBox 3"/>
-          <p:cNvSpPr txBox="1"/>
+            <a:pPr>
+              <a:defRPr sz="2800" b="1">
+                <a:solidFill>
+                  <a:srgbClr val="FFFFFF"/>
+                </a:solidFill>
+              </a:defRPr>
+            </a:pPr>
+            <a:r>
+              <a:t>Simple Agent with OpenAI Agents SDK</a:t>
+            </a:r>
+          </a:p>
+        </p:txBody>
+      </p:sp>
+      <p:sp>
+        <p:nvSpPr>
+          <p:cNvPr id="4" name="Rectangle 3"/>
+          <p:cNvSpPr/>
           <p:nvPr/>
         </p:nvSpPr>
         <p:spPr>
           <a:xfrm>
-            <a:off x="914400" y="1280160"/>
-            <a:ext cx="10362895" cy="5029200"/>
-          </a:xfrm>
-          <a:prstGeom prst="rect">
-            <a:avLst/>
-          </a:prstGeom>
-          <a:noFill/>
-        </p:spPr>
-        <p:txBody>
-          <a:bodyPr wrap="square">
-            <a:spAutoFit/>
-          </a:bodyPr>
-          <a:lstStyle/>
-          <a:p>
-            <a:pPr>
-              <a:spcBef>
-                <a:spcPts val="400"/>
-              </a:spcBef>
-              <a:spcAft>
-                <a:spcPts val="800"/>
-              </a:spcAft>
-              <a:defRPr sz="2000">
-                <a:solidFill>
-                  <a:srgbClr val="333333"/>
-                </a:solidFill>
-              </a:defRPr>
-            </a:pPr>
-            <a:r>
-              <a:t>Model agents as directed graphs: nodes = steps, edges = flow</a:t>
-            </a:r>
-          </a:p>
-          <a:p>
-            <a:pPr>
-              <a:spcBef>
-                <a:spcPts val="400"/>
-              </a:spcBef>
-              <a:spcAft>
-                <a:spcPts val="800"/>
-              </a:spcAft>
-              <a:defRPr sz="2000">
-                <a:solidFill>
-                  <a:srgbClr val="333333"/>
-                </a:solidFill>
-              </a:defRPr>
-            </a:pPr>
-            <a:r>
-              <a:t>StateGraph: define state shape, add nodes and edges</a:t>
-            </a:r>
-          </a:p>
-          <a:p>
-            <a:pPr>
-              <a:spcBef>
-                <a:spcPts val="400"/>
-              </a:spcBef>
-              <a:spcAft>
-                <a:spcPts val="800"/>
-              </a:spcAft>
-              <a:defRPr sz="2000">
-                <a:solidFill>
-                  <a:srgbClr val="333333"/>
-                </a:solidFill>
-              </a:defRPr>
-            </a:pPr>
-            <a:r>
-              <a:t>Conditional edges: route based on state (e.g., tool calls → tools)</a:t>
-            </a:r>
-          </a:p>
-          <a:p>
-            <a:pPr>
-              <a:spcBef>
-                <a:spcPts val="400"/>
-              </a:spcBef>
-              <a:spcAft>
-                <a:spcPts val="800"/>
-              </a:spcAft>
-              <a:defRPr sz="2000">
-                <a:solidFill>
-                  <a:srgbClr val="333333"/>
-                </a:solidFill>
-              </a:defRPr>
-            </a:pPr>
-            <a:r>
-              <a:t>Built-in persistence, streaming, and human-in-the-loop</a:t>
-            </a:r>
-          </a:p>
-          <a:p>
-            <a:pPr>
-              <a:spcBef>
-                <a:spcPts val="400"/>
-              </a:spcBef>
-              <a:spcAft>
-                <a:spcPts val="800"/>
-              </a:spcAft>
-              <a:defRPr sz="2000">
-                <a:solidFill>
-                  <a:srgbClr val="333333"/>
-                </a:solidFill>
-              </a:defRPr>
-            </a:pPr>
-            <a:r>
-              <a:t>Integrates with LangChain tools and retrievers</a:t>
-            </a:r>
-          </a:p>
-          <a:p>
-            <a:pPr>
-              <a:spcBef>
-                <a:spcPts val="400"/>
-              </a:spcBef>
-              <a:spcAft>
-                <a:spcPts val="800"/>
-              </a:spcAft>
-              <a:defRPr sz="2000">
-                <a:solidFill>
-                  <a:srgbClr val="333333"/>
-                </a:solidFill>
-              </a:defRPr>
-            </a:pPr>
-            <a:r>
-              <a:t>Production-ready with LangGraph Cloud</a:t>
-            </a:r>
-          </a:p>
-        </p:txBody>
-      </p:sp>
-    </p:spTree>
-  </p:cSld>
-  <p:clrMapOvr>
-    <a:masterClrMapping/>
-  </p:clrMapOvr>
-</p:sld>
-</file>
-
-<file path=ppt/slides/slide6.xml><?xml version="1.0" encoding="utf-8"?>
-<p:sld xmlns:a="http://schemas.openxmlformats.org/drawingml/2006/main" xmlns:p="http://schemas.openxmlformats.org/presentationml/2006/main" xmlns:r="http://schemas.openxmlformats.org/officeDocument/2006/relationships">
-  <p:cSld>
-    <p:spTree>
-      <p:nvGrpSpPr>
-        <p:cNvPr id="1" name=""/>
-        <p:cNvGrpSpPr/>
-        <p:nvPr/>
-      </p:nvGrpSpPr>
-      <p:grpSpPr/>
-      <p:sp>
-        <p:nvSpPr>
-          <p:cNvPr id="2" name="Rectangle 1"/>
-          <p:cNvSpPr/>
-          <p:nvPr/>
-        </p:nvSpPr>
-        <p:spPr>
-          <a:xfrm>
-            <a:off x="0" y="0"/>
-            <a:ext cx="12191695" cy="73152"/>
+            <a:off x="731520" y="1280160"/>
+            <a:ext cx="10698480" cy="5029200"/>
           </a:xfrm>
           <a:prstGeom prst="rect">
             <a:avLst/>
           </a:prstGeom>
           <a:solidFill>
-            <a:srgbClr val="0096D6"/>
+            <a:srgbClr val="1E1E2E"/>
           </a:solidFill>
           <a:ln>
             <a:noFill/>
@@ -6985,219 +6454,205 @@
           </a:fontRef>
         </p:style>
         <p:txBody>
-          <a:bodyPr rtlCol="0" anchor="ctr"/>
-          <a:lstStyle/>
-          <a:p>
-            <a:pPr algn="ctr"/>
-          </a:p>
-        </p:txBody>
-      </p:sp>
-      <p:sp>
-        <p:nvSpPr>
-          <p:cNvPr id="3" name="TextBox 2"/>
-          <p:cNvSpPr txBox="1"/>
-          <p:nvPr/>
-        </p:nvSpPr>
-        <p:spPr>
-          <a:xfrm>
-            <a:off x="731520" y="274320"/>
-            <a:ext cx="10728655" cy="731520"/>
-          </a:xfrm>
-          <a:prstGeom prst="rect">
-            <a:avLst/>
-          </a:prstGeom>
-          <a:noFill/>
-        </p:spPr>
-        <p:txBody>
-          <a:bodyPr wrap="none">
-            <a:spAutoFit/>
-          </a:bodyPr>
-          <a:lstStyle/>
+          <a:bodyPr rtlCol="0" anchor="ctr" wrap="square" lIns="274320" tIns="182880"/>
+          <a:lstStyle/>
+          <a:p>
+            <a:pPr algn="ctr">
+              <a:defRPr sz="1600">
+                <a:solidFill>
+                  <a:srgbClr val="A6E22E"/>
+                </a:solidFill>
+                <a:latin typeface="Consolas"/>
+              </a:defRPr>
+            </a:pPr>
+            <a:r>
+              <a:t>from openai import agents</a:t>
+            </a:r>
+          </a:p>
           <a:p>
             <a:pPr>
-              <a:defRPr sz="2800" b="1">
-                <a:solidFill>
-                  <a:srgbClr val="1B2A4A"/>
-                </a:solidFill>
-              </a:defRPr>
-            </a:pPr>
-            <a:r>
-              <a:t>LangGraph Agent — State &amp; Nodes</a:t>
-            </a:r>
-          </a:p>
-        </p:txBody>
-      </p:sp>
-      <p:sp>
-        <p:nvSpPr>
-          <p:cNvPr id="4" name="Rounded Rectangle 3"/>
-          <p:cNvSpPr/>
-          <p:nvPr/>
-        </p:nvSpPr>
-        <p:spPr>
-          <a:xfrm>
-            <a:off x="731520" y="1188720"/>
-            <a:ext cx="10728655" cy="5212080"/>
-          </a:xfrm>
-          <a:prstGeom prst="roundRect">
-            <a:avLst/>
-          </a:prstGeom>
-          <a:solidFill>
-            <a:srgbClr val="F0F0F0"/>
-          </a:solidFill>
-          <a:ln w="12700">
-            <a:solidFill>
-              <a:srgbClr val="DDDDDD"/>
-            </a:solidFill>
-          </a:ln>
-        </p:spPr>
-        <p:style>
-          <a:lnRef idx="1">
-            <a:schemeClr val="accent1"/>
-          </a:lnRef>
-          <a:fillRef idx="3">
-            <a:schemeClr val="accent1"/>
-          </a:fillRef>
-          <a:effectRef idx="2">
-            <a:schemeClr val="accent1"/>
-          </a:effectRef>
-          <a:fontRef idx="minor">
-            <a:schemeClr val="lt1"/>
-          </a:fontRef>
-        </p:style>
-        <p:txBody>
-          <a:bodyPr rtlCol="0" anchor="ctr"/>
-          <a:lstStyle/>
-          <a:p>
-            <a:pPr algn="ctr"/>
-          </a:p>
-        </p:txBody>
-      </p:sp>
-      <p:sp>
-        <p:nvSpPr>
-          <p:cNvPr id="5" name="TextBox 4"/>
-          <p:cNvSpPr txBox="1"/>
-          <p:nvPr/>
-        </p:nvSpPr>
-        <p:spPr>
-          <a:xfrm>
-            <a:off x="822960" y="1234440"/>
-            <a:ext cx="1828800" cy="320040"/>
-          </a:xfrm>
-          <a:prstGeom prst="rect">
-            <a:avLst/>
-          </a:prstGeom>
-          <a:noFill/>
-        </p:spPr>
-        <p:txBody>
-          <a:bodyPr wrap="none">
-            <a:spAutoFit/>
-          </a:bodyPr>
-          <a:lstStyle/>
+              <a:defRPr sz="1600">
+                <a:solidFill>
+                  <a:srgbClr val="A6E22E"/>
+                </a:solidFill>
+                <a:latin typeface="Consolas"/>
+              </a:defRPr>
+            </a:pPr>
+          </a:p>
           <a:p>
             <a:pPr>
-              <a:defRPr sz="1100" b="1">
-                <a:solidFill>
-                  <a:srgbClr val="666666"/>
-                </a:solidFill>
-              </a:defRPr>
-            </a:pPr>
-            <a:r>
-              <a:t>python</a:t>
-            </a:r>
-          </a:p>
-        </p:txBody>
-      </p:sp>
-      <p:sp>
-        <p:nvSpPr>
-          <p:cNvPr id="6" name="TextBox 5"/>
-          <p:cNvSpPr txBox="1"/>
-          <p:nvPr/>
-        </p:nvSpPr>
-        <p:spPr>
-          <a:xfrm>
-            <a:off x="914400" y="1554480"/>
-            <a:ext cx="10362895" cy="4754880"/>
-          </a:xfrm>
-          <a:prstGeom prst="rect">
-            <a:avLst/>
-          </a:prstGeom>
-          <a:noFill/>
-        </p:spPr>
-        <p:txBody>
-          <a:bodyPr wrap="square">
-            <a:spAutoFit/>
-          </a:bodyPr>
-          <a:lstStyle/>
-          <a:p>
-            <a:pPr algn="l">
-              <a:defRPr sz="1300">
-                <a:solidFill>
-                  <a:srgbClr val="333333"/>
+              <a:defRPr sz="1600">
+                <a:solidFill>
+                  <a:srgbClr val="A6E22E"/>
                 </a:solidFill>
                 <a:latin typeface="Consolas"/>
               </a:defRPr>
             </a:pPr>
             <a:r>
-              <a:t>from langgraph.graph import StateGraph, START, END</a:t>
-            </a:r>
-            <a:br/>
-            <a:r>
-              <a:t>from langgraph.prebuilt import ToolNode</a:t>
-            </a:r>
-            <a:br/>
-            <a:r>
-              <a:t>from typing import Annotated, TypedDict</a:t>
-            </a:r>
-            <a:br/>
-            <a:r>
-              <a:t>from langgraph.graph.message import add_messages</a:t>
-            </a:r>
-            <a:br/>
-            <a:br/>
-            <a:r>
-              <a:t>class AgentState(TypedDict):</a:t>
-            </a:r>
-            <a:br/>
-            <a:r>
-              <a:t>    messages: Annotated[list, add_messages]</a:t>
-            </a:r>
-            <a:br/>
-            <a:r>
-              <a:t>    research_count: int</a:t>
-            </a:r>
-            <a:br/>
-            <a:br/>
-            <a:r>
-              <a:t>def agent_node(state):</a:t>
-            </a:r>
-            <a:br/>
-            <a:r>
-              <a:t>    response = llm_with_tools.invoke(state["messages"])</a:t>
-            </a:r>
-            <a:br/>
-            <a:r>
-              <a:t>    return {"messages": [response]}</a:t>
-            </a:r>
-            <a:br/>
-            <a:br/>
-            <a:r>
-              <a:t>def should_continue(state):</a:t>
-            </a:r>
-            <a:br/>
-            <a:r>
-              <a:t>    last = state["messages"][-1]</a:t>
-            </a:r>
-            <a:br/>
-            <a:r>
-              <a:t>    if hasattr(last, "tool_calls") and last.tool_calls:</a:t>
-            </a:r>
-            <a:br/>
-            <a:r>
-              <a:t>        return "tools"</a:t>
-            </a:r>
-            <a:br/>
-            <a:r>
-              <a:t>    return END</a:t>
+              <a:t>weather_tool = agents.Tool(</a:t>
+            </a:r>
+          </a:p>
+          <a:p>
+            <a:pPr>
+              <a:defRPr sz="1600">
+                <a:solidFill>
+                  <a:srgbClr val="A6E22E"/>
+                </a:solidFill>
+                <a:latin typeface="Consolas"/>
+              </a:defRPr>
+            </a:pPr>
+            <a:r>
+              <a:t>    name="get_weather",</a:t>
+            </a:r>
+          </a:p>
+          <a:p>
+            <a:pPr>
+              <a:defRPr sz="1600">
+                <a:solidFill>
+                  <a:srgbClr val="A6E22E"/>
+                </a:solidFill>
+                <a:latin typeface="Consolas"/>
+              </a:defRPr>
+            </a:pPr>
+            <a:r>
+              <a:t>    description="Get weather for a city",</a:t>
+            </a:r>
+          </a:p>
+          <a:p>
+            <a:pPr>
+              <a:defRPr sz="1600">
+                <a:solidFill>
+                  <a:srgbClr val="A6E22E"/>
+                </a:solidFill>
+                <a:latin typeface="Consolas"/>
+              </a:defRPr>
+            </a:pPr>
+            <a:r>
+              <a:t>    fn=get_weather_function</a:t>
+            </a:r>
+          </a:p>
+          <a:p>
+            <a:pPr>
+              <a:defRPr sz="1600">
+                <a:solidFill>
+                  <a:srgbClr val="A6E22E"/>
+                </a:solidFill>
+                <a:latin typeface="Consolas"/>
+              </a:defRPr>
+            </a:pPr>
+            <a:r>
+              <a:t>)</a:t>
+            </a:r>
+          </a:p>
+          <a:p>
+            <a:pPr>
+              <a:defRPr sz="1600">
+                <a:solidFill>
+                  <a:srgbClr val="A6E22E"/>
+                </a:solidFill>
+                <a:latin typeface="Consolas"/>
+              </a:defRPr>
+            </a:pPr>
+          </a:p>
+          <a:p>
+            <a:pPr>
+              <a:defRPr sz="1600">
+                <a:solidFill>
+                  <a:srgbClr val="A6E22E"/>
+                </a:solidFill>
+                <a:latin typeface="Consolas"/>
+              </a:defRPr>
+            </a:pPr>
+            <a:r>
+              <a:t>agent = agents.Agent(</a:t>
+            </a:r>
+          </a:p>
+          <a:p>
+            <a:pPr>
+              <a:defRPr sz="1600">
+                <a:solidFill>
+                  <a:srgbClr val="A6E22E"/>
+                </a:solidFill>
+                <a:latin typeface="Consolas"/>
+              </a:defRPr>
+            </a:pPr>
+            <a:r>
+              <a:t>    model="gpt-4.1",</a:t>
+            </a:r>
+          </a:p>
+          <a:p>
+            <a:pPr>
+              <a:defRPr sz="1600">
+                <a:solidFill>
+                  <a:srgbClr val="A6E22E"/>
+                </a:solidFill>
+                <a:latin typeface="Consolas"/>
+              </a:defRPr>
+            </a:pPr>
+            <a:r>
+              <a:t>    instructions="You help with weather queries.",</a:t>
+            </a:r>
+          </a:p>
+          <a:p>
+            <a:pPr>
+              <a:defRPr sz="1600">
+                <a:solidFill>
+                  <a:srgbClr val="A6E22E"/>
+                </a:solidFill>
+                <a:latin typeface="Consolas"/>
+              </a:defRPr>
+            </a:pPr>
+            <a:r>
+              <a:t>    tools=[weather_tool]</a:t>
+            </a:r>
+          </a:p>
+          <a:p>
+            <a:pPr>
+              <a:defRPr sz="1600">
+                <a:solidFill>
+                  <a:srgbClr val="A6E22E"/>
+                </a:solidFill>
+                <a:latin typeface="Consolas"/>
+              </a:defRPr>
+            </a:pPr>
+            <a:r>
+              <a:t>)</a:t>
+            </a:r>
+          </a:p>
+          <a:p>
+            <a:pPr>
+              <a:defRPr sz="1600">
+                <a:solidFill>
+                  <a:srgbClr val="A6E22E"/>
+                </a:solidFill>
+                <a:latin typeface="Consolas"/>
+              </a:defRPr>
+            </a:pPr>
+          </a:p>
+          <a:p>
+            <a:pPr>
+              <a:defRPr sz="1600">
+                <a:solidFill>
+                  <a:srgbClr val="A6E22E"/>
+                </a:solidFill>
+                <a:latin typeface="Consolas"/>
+              </a:defRPr>
+            </a:pPr>
+            <a:r>
+              <a:t>result = agent.run("What's the weather in Toronto?")</a:t>
+            </a:r>
+          </a:p>
+          <a:p>
+            <a:pPr>
+              <a:defRPr sz="1600">
+                <a:solidFill>
+                  <a:srgbClr val="A6E22E"/>
+                </a:solidFill>
+                <a:latin typeface="Consolas"/>
+              </a:defRPr>
+            </a:pPr>
+            <a:r>
+              <a:t>print(result.output)</a:t>
             </a:r>
           </a:p>
         </p:txBody>
@@ -7210,7 +6665,7 @@
 </p:sld>
 </file>
 
-<file path=ppt/slides/slide7.xml><?xml version="1.0" encoding="utf-8"?>
+<file path=ppt/slides/slide8.xml><?xml version="1.0" encoding="utf-8"?>
 <p:sld xmlns:a="http://schemas.openxmlformats.org/drawingml/2006/main" xmlns:p="http://schemas.openxmlformats.org/presentationml/2006/main" xmlns:r="http://schemas.openxmlformats.org/officeDocument/2006/relationships">
   <p:cSld>
     <p:spTree>
@@ -7229,13 +6684,13 @@
         <p:spPr>
           <a:xfrm>
             <a:off x="0" y="0"/>
-            <a:ext cx="12191695" cy="73152"/>
+            <a:ext cx="12191695" cy="1005840"/>
           </a:xfrm>
           <a:prstGeom prst="rect">
             <a:avLst/>
           </a:prstGeom>
           <a:solidFill>
-            <a:srgbClr val="0096D6"/>
+            <a:srgbClr val="1B2A4A"/>
           </a:solidFill>
           <a:ln>
             <a:noFill/>
@@ -7271,8 +6726,8 @@
         </p:nvSpPr>
         <p:spPr>
           <a:xfrm>
-            <a:off x="731520" y="274320"/>
-            <a:ext cx="10728655" cy="731520"/>
+            <a:off x="731520" y="137160"/>
+            <a:ext cx="10698480" cy="731520"/>
           </a:xfrm>
           <a:prstGeom prst="rect">
             <a:avLst/>
@@ -7280,221 +6735,40 @@
           <a:noFill/>
         </p:spPr>
         <p:txBody>
-          <a:bodyPr wrap="none">
-            <a:spAutoFit/>
-          </a:bodyPr>
-          <a:lstStyle/>
-          <a:p>
-            <a:pPr>
-              <a:defRPr sz="2800" b="1">
-                <a:solidFill>
-                  <a:srgbClr val="1B2A4A"/>
-                </a:solidFill>
-              </a:defRPr>
-            </a:pPr>
-            <a:r>
-              <a:t>LangGraph Agent — Building the Graph</a:t>
-            </a:r>
-          </a:p>
-        </p:txBody>
-      </p:sp>
-      <p:sp>
-        <p:nvSpPr>
-          <p:cNvPr id="4" name="Rounded Rectangle 3"/>
-          <p:cNvSpPr/>
-          <p:nvPr/>
-        </p:nvSpPr>
-        <p:spPr>
-          <a:xfrm>
-            <a:off x="731520" y="1188720"/>
-            <a:ext cx="10728655" cy="5212080"/>
-          </a:xfrm>
-          <a:prstGeom prst="roundRect">
-            <a:avLst/>
-          </a:prstGeom>
-          <a:solidFill>
-            <a:srgbClr val="F0F0F0"/>
-          </a:solidFill>
-          <a:ln w="12700">
-            <a:solidFill>
-              <a:srgbClr val="DDDDDD"/>
-            </a:solidFill>
-          </a:ln>
-        </p:spPr>
-        <p:style>
-          <a:lnRef idx="1">
-            <a:schemeClr val="accent1"/>
-          </a:lnRef>
-          <a:fillRef idx="3">
-            <a:schemeClr val="accent1"/>
-          </a:fillRef>
-          <a:effectRef idx="2">
-            <a:schemeClr val="accent1"/>
-          </a:effectRef>
-          <a:fontRef idx="minor">
-            <a:schemeClr val="lt1"/>
-          </a:fontRef>
-        </p:style>
-        <p:txBody>
-          <a:bodyPr rtlCol="0" anchor="ctr"/>
-          <a:lstStyle/>
-          <a:p>
-            <a:pPr algn="ctr"/>
-          </a:p>
-        </p:txBody>
-      </p:sp>
-      <p:sp>
-        <p:nvSpPr>
-          <p:cNvPr id="5" name="TextBox 4"/>
-          <p:cNvSpPr txBox="1"/>
-          <p:nvPr/>
-        </p:nvSpPr>
-        <p:spPr>
-          <a:xfrm>
-            <a:off x="822960" y="1234440"/>
-            <a:ext cx="1828800" cy="320040"/>
-          </a:xfrm>
-          <a:prstGeom prst="rect">
-            <a:avLst/>
-          </a:prstGeom>
-          <a:noFill/>
-        </p:spPr>
-        <p:txBody>
-          <a:bodyPr wrap="none">
-            <a:spAutoFit/>
-          </a:bodyPr>
-          <a:lstStyle/>
-          <a:p>
-            <a:pPr>
-              <a:defRPr sz="1100" b="1">
-                <a:solidFill>
-                  <a:srgbClr val="666666"/>
-                </a:solidFill>
-              </a:defRPr>
-            </a:pPr>
-            <a:r>
-              <a:t>python</a:t>
-            </a:r>
-          </a:p>
-        </p:txBody>
-      </p:sp>
-      <p:sp>
-        <p:nvSpPr>
-          <p:cNvPr id="6" name="TextBox 5"/>
-          <p:cNvSpPr txBox="1"/>
-          <p:nvPr/>
-        </p:nvSpPr>
-        <p:spPr>
-          <a:xfrm>
-            <a:off x="914400" y="1554480"/>
-            <a:ext cx="10362895" cy="4754880"/>
-          </a:xfrm>
-          <a:prstGeom prst="rect">
-            <a:avLst/>
-          </a:prstGeom>
-          <a:noFill/>
-        </p:spPr>
-        <p:txBody>
           <a:bodyPr wrap="square">
             <a:spAutoFit/>
           </a:bodyPr>
           <a:lstStyle/>
           <a:p>
-            <a:pPr algn="l">
-              <a:defRPr sz="1300">
-                <a:solidFill>
-                  <a:srgbClr val="333333"/>
-                </a:solidFill>
-                <a:latin typeface="Consolas"/>
-              </a:defRPr>
-            </a:pPr>
-            <a:r>
-              <a:t>graph = StateGraph(AgentState)</a:t>
-            </a:r>
-            <a:br/>
-            <a:r>
-              <a:t>graph.add_node("agent", agent_node)</a:t>
-            </a:r>
-            <a:br/>
-            <a:r>
-              <a:t>graph.add_node("tools", ToolNode([search_web, write_report]))</a:t>
-            </a:r>
-            <a:br/>
-            <a:br/>
-            <a:r>
-              <a:t>graph.add_edge(START, "agent")</a:t>
-            </a:r>
-            <a:br/>
-            <a:r>
-              <a:t>graph.add_conditional_edges("agent", should_continue, ["tools", END])</a:t>
-            </a:r>
-            <a:br/>
-            <a:r>
-              <a:t>graph.add_edge("tools", "agent")</a:t>
-            </a:r>
-            <a:br/>
-            <a:br/>
-            <a:r>
-              <a:t>agent = graph.compile()</a:t>
-            </a:r>
-            <a:br/>
-            <a:br/>
-            <a:r>
-              <a:t># Run it</a:t>
-            </a:r>
-            <a:br/>
-            <a:r>
-              <a:t>result = agent.invoke({</a:t>
-            </a:r>
-            <a:br/>
-            <a:r>
-              <a:t>    "messages": [HumanMessage("Research AI regulations")],</a:t>
-            </a:r>
-            <a:br/>
-            <a:r>
-              <a:t>    "research_count": 0,</a:t>
-            </a:r>
-            <a:br/>
-            <a:r>
-              <a:t>})</a:t>
-            </a:r>
-          </a:p>
-        </p:txBody>
-      </p:sp>
-    </p:spTree>
-  </p:cSld>
-  <p:clrMapOvr>
-    <a:masterClrMapping/>
-  </p:clrMapOvr>
-</p:sld>
-</file>
-
-<file path=ppt/slides/slide8.xml><?xml version="1.0" encoding="utf-8"?>
-<p:sld xmlns:a="http://schemas.openxmlformats.org/drawingml/2006/main" xmlns:p="http://schemas.openxmlformats.org/presentationml/2006/main" xmlns:r="http://schemas.openxmlformats.org/officeDocument/2006/relationships">
-  <p:cSld>
-    <p:spTree>
-      <p:nvGrpSpPr>
-        <p:cNvPr id="1" name=""/>
-        <p:cNvGrpSpPr/>
-        <p:nvPr/>
-      </p:nvGrpSpPr>
-      <p:grpSpPr/>
-      <p:sp>
-        <p:nvSpPr>
-          <p:cNvPr id="2" name="Rectangle 1"/>
+            <a:pPr>
+              <a:defRPr sz="2800" b="1">
+                <a:solidFill>
+                  <a:srgbClr val="FFFFFF"/>
+                </a:solidFill>
+              </a:defRPr>
+            </a:pPr>
+            <a:r>
+              <a:t>LangGraph Agent (Simplified)</a:t>
+            </a:r>
+          </a:p>
+        </p:txBody>
+      </p:sp>
+      <p:sp>
+        <p:nvSpPr>
+          <p:cNvPr id="4" name="Rectangle 3"/>
           <p:cNvSpPr/>
           <p:nvPr/>
         </p:nvSpPr>
         <p:spPr>
           <a:xfrm>
-            <a:off x="0" y="0"/>
-            <a:ext cx="12191695" cy="73152"/>
+            <a:off x="731520" y="1280160"/>
+            <a:ext cx="10698480" cy="5029200"/>
           </a:xfrm>
           <a:prstGeom prst="rect">
             <a:avLst/>
           </a:prstGeom>
           <a:solidFill>
-            <a:srgbClr val="0096D6"/>
+            <a:srgbClr val="1E1E2E"/>
           </a:solidFill>
           <a:ln>
             <a:noFill/>
@@ -7515,175 +6789,192 @@
           </a:fontRef>
         </p:style>
         <p:txBody>
-          <a:bodyPr rtlCol="0" anchor="ctr"/>
-          <a:lstStyle/>
-          <a:p>
-            <a:pPr algn="ctr"/>
-          </a:p>
-        </p:txBody>
-      </p:sp>
-      <p:sp>
-        <p:nvSpPr>
-          <p:cNvPr id="3" name="TextBox 2"/>
-          <p:cNvSpPr txBox="1"/>
-          <p:nvPr/>
-        </p:nvSpPr>
-        <p:spPr>
-          <a:xfrm>
-            <a:off x="731520" y="274320"/>
-            <a:ext cx="10728655" cy="822960"/>
-          </a:xfrm>
-          <a:prstGeom prst="rect">
-            <a:avLst/>
-          </a:prstGeom>
-          <a:noFill/>
-        </p:spPr>
-        <p:txBody>
-          <a:bodyPr wrap="square">
-            <a:spAutoFit/>
-          </a:bodyPr>
-          <a:lstStyle/>
-          <a:p>
-            <a:pPr algn="l">
-              <a:defRPr sz="3200" b="1">
-                <a:solidFill>
-                  <a:srgbClr val="1B2A4A"/>
-                </a:solidFill>
-              </a:defRPr>
-            </a:pPr>
-            <a:r>
-              <a:t>Multi-Agent Orchestration</a:t>
-            </a:r>
-          </a:p>
-        </p:txBody>
-      </p:sp>
-      <p:sp>
-        <p:nvSpPr>
-          <p:cNvPr id="4" name="TextBox 3"/>
-          <p:cNvSpPr txBox="1"/>
-          <p:nvPr/>
-        </p:nvSpPr>
-        <p:spPr>
-          <a:xfrm>
-            <a:off x="914400" y="1280160"/>
-            <a:ext cx="10362895" cy="5029200"/>
-          </a:xfrm>
-          <a:prstGeom prst="rect">
-            <a:avLst/>
-          </a:prstGeom>
-          <a:noFill/>
-        </p:spPr>
-        <p:txBody>
-          <a:bodyPr wrap="square">
-            <a:spAutoFit/>
-          </a:bodyPr>
-          <a:lstStyle/>
+          <a:bodyPr rtlCol="0" anchor="ctr" wrap="square" lIns="274320" tIns="182880"/>
+          <a:lstStyle/>
+          <a:p>
+            <a:pPr algn="ctr">
+              <a:defRPr sz="1600">
+                <a:solidFill>
+                  <a:srgbClr val="A6E22E"/>
+                </a:solidFill>
+                <a:latin typeface="Consolas"/>
+              </a:defRPr>
+            </a:pPr>
+            <a:r>
+              <a:t>from langgraph.prebuilt import create_react_agent</a:t>
+            </a:r>
+          </a:p>
           <a:p>
             <a:pPr>
-              <a:spcBef>
-                <a:spcPts val="400"/>
-              </a:spcBef>
-              <a:spcAft>
-                <a:spcPts val="800"/>
-              </a:spcAft>
-              <a:defRPr sz="2000">
-                <a:solidFill>
-                  <a:srgbClr val="333333"/>
-                </a:solidFill>
-              </a:defRPr>
-            </a:pPr>
-            <a:r>
-              <a:t>Multiple specialized agents collaborating on a task</a:t>
+              <a:defRPr sz="1600">
+                <a:solidFill>
+                  <a:srgbClr val="A6E22E"/>
+                </a:solidFill>
+                <a:latin typeface="Consolas"/>
+              </a:defRPr>
+            </a:pPr>
+            <a:r>
+              <a:t>from langchain_openai import ChatOpenAI</a:t>
             </a:r>
           </a:p>
           <a:p>
             <a:pPr>
-              <a:spcBef>
-                <a:spcPts val="400"/>
-              </a:spcBef>
-              <a:spcAft>
-                <a:spcPts val="800"/>
-              </a:spcAft>
-              <a:defRPr sz="2000">
-                <a:solidFill>
-                  <a:srgbClr val="333333"/>
-                </a:solidFill>
-              </a:defRPr>
-            </a:pPr>
-            <a:r>
-              <a:t>Patterns: supervisor (one routes to others), pipeline, debate</a:t>
+              <a:defRPr sz="1600">
+                <a:solidFill>
+                  <a:srgbClr val="A6E22E"/>
+                </a:solidFill>
+                <a:latin typeface="Consolas"/>
+              </a:defRPr>
+            </a:pPr>
+            <a:r>
+              <a:t>from langchain_core.tools import tool</a:t>
             </a:r>
           </a:p>
           <a:p>
             <a:pPr>
-              <a:spcBef>
-                <a:spcPts val="400"/>
-              </a:spcBef>
-              <a:spcAft>
-                <a:spcPts val="800"/>
-              </a:spcAft>
-              <a:defRPr sz="2000">
-                <a:solidFill>
-                  <a:srgbClr val="333333"/>
-                </a:solidFill>
-              </a:defRPr>
-            </a:pPr>
-            <a:r>
-              <a:t>CrewAI: define agents with roles, goals, and backstories</a:t>
-            </a:r>
+              <a:defRPr sz="1600">
+                <a:solidFill>
+                  <a:srgbClr val="A6E22E"/>
+                </a:solidFill>
+                <a:latin typeface="Consolas"/>
+              </a:defRPr>
+            </a:pPr>
           </a:p>
           <a:p>
             <a:pPr>
-              <a:spcBef>
-                <a:spcPts val="400"/>
-              </a:spcBef>
-              <a:spcAft>
-                <a:spcPts val="800"/>
-              </a:spcAft>
-              <a:defRPr sz="2000">
-                <a:solidFill>
-                  <a:srgbClr val="333333"/>
-                </a:solidFill>
-              </a:defRPr>
-            </a:pPr>
-            <a:r>
-              <a:t>LangGraph: use sub-graphs for each agent</a:t>
+              <a:defRPr sz="1600">
+                <a:solidFill>
+                  <a:srgbClr val="A6E22E"/>
+                </a:solidFill>
+                <a:latin typeface="Consolas"/>
+              </a:defRPr>
+            </a:pPr>
+            <a:r>
+              <a:t>@tool</a:t>
             </a:r>
           </a:p>
           <a:p>
             <a:pPr>
-              <a:spcBef>
-                <a:spcPts val="400"/>
-              </a:spcBef>
-              <a:spcAft>
-                <a:spcPts val="800"/>
-              </a:spcAft>
-              <a:defRPr sz="2000">
-                <a:solidFill>
-                  <a:srgbClr val="333333"/>
-                </a:solidFill>
-              </a:defRPr>
-            </a:pPr>
-            <a:r>
-              <a:t>Example: researcher → analyst → writer → editor</a:t>
+              <a:defRPr sz="1600">
+                <a:solidFill>
+                  <a:srgbClr val="A6E22E"/>
+                </a:solidFill>
+                <a:latin typeface="Consolas"/>
+              </a:defRPr>
+            </a:pPr>
+            <a:r>
+              <a:t>def search(query: str) -&gt; str:</a:t>
             </a:r>
           </a:p>
           <a:p>
             <a:pPr>
-              <a:spcBef>
-                <a:spcPts val="400"/>
-              </a:spcBef>
-              <a:spcAft>
-                <a:spcPts val="800"/>
-              </a:spcAft>
-              <a:defRPr sz="2000">
-                <a:solidFill>
-                  <a:srgbClr val="333333"/>
-                </a:solidFill>
-              </a:defRPr>
-            </a:pPr>
-            <a:r>
-              <a:t>Challenge: coordination, context sharing, error handling</a:t>
+              <a:defRPr sz="1600">
+                <a:solidFill>
+                  <a:srgbClr val="A6E22E"/>
+                </a:solidFill>
+                <a:latin typeface="Consolas"/>
+              </a:defRPr>
+            </a:pPr>
+            <a:r>
+              <a:t>    """Search the web."""</a:t>
+            </a:r>
+          </a:p>
+          <a:p>
+            <a:pPr>
+              <a:defRPr sz="1600">
+                <a:solidFill>
+                  <a:srgbClr val="A6E22E"/>
+                </a:solidFill>
+                <a:latin typeface="Consolas"/>
+              </a:defRPr>
+            </a:pPr>
+            <a:r>
+              <a:t>    return brave_search(query)</a:t>
+            </a:r>
+          </a:p>
+          <a:p>
+            <a:pPr>
+              <a:defRPr sz="1600">
+                <a:solidFill>
+                  <a:srgbClr val="A6E22E"/>
+                </a:solidFill>
+                <a:latin typeface="Consolas"/>
+              </a:defRPr>
+            </a:pPr>
+          </a:p>
+          <a:p>
+            <a:pPr>
+              <a:defRPr sz="1600">
+                <a:solidFill>
+                  <a:srgbClr val="A6E22E"/>
+                </a:solidFill>
+                <a:latin typeface="Consolas"/>
+              </a:defRPr>
+            </a:pPr>
+            <a:r>
+              <a:t>llm = ChatOpenAI(model="gpt-4.1")</a:t>
+            </a:r>
+          </a:p>
+          <a:p>
+            <a:pPr>
+              <a:defRPr sz="1600">
+                <a:solidFill>
+                  <a:srgbClr val="A6E22E"/>
+                </a:solidFill>
+                <a:latin typeface="Consolas"/>
+              </a:defRPr>
+            </a:pPr>
+            <a:r>
+              <a:t>agent = create_react_agent(llm, [search])</a:t>
+            </a:r>
+          </a:p>
+          <a:p>
+            <a:pPr>
+              <a:defRPr sz="1600">
+                <a:solidFill>
+                  <a:srgbClr val="A6E22E"/>
+                </a:solidFill>
+                <a:latin typeface="Consolas"/>
+              </a:defRPr>
+            </a:pPr>
+          </a:p>
+          <a:p>
+            <a:pPr>
+              <a:defRPr sz="1600">
+                <a:solidFill>
+                  <a:srgbClr val="A6E22E"/>
+                </a:solidFill>
+                <a:latin typeface="Consolas"/>
+              </a:defRPr>
+            </a:pPr>
+            <a:r>
+              <a:t>result = agent.invoke({</a:t>
+            </a:r>
+          </a:p>
+          <a:p>
+            <a:pPr>
+              <a:defRPr sz="1600">
+                <a:solidFill>
+                  <a:srgbClr val="A6E22E"/>
+                </a:solidFill>
+                <a:latin typeface="Consolas"/>
+              </a:defRPr>
+            </a:pPr>
+            <a:r>
+              <a:t>    "messages": [("user", "Latest AI news?")]</a:t>
+            </a:r>
+          </a:p>
+          <a:p>
+            <a:pPr>
+              <a:defRPr sz="1600">
+                <a:solidFill>
+                  <a:srgbClr val="A6E22E"/>
+                </a:solidFill>
+                <a:latin typeface="Consolas"/>
+              </a:defRPr>
+            </a:pPr>
+            <a:r>
+              <a:t>})</a:t>
             </a:r>
           </a:p>
         </p:txBody>
@@ -7715,13 +7006,13 @@
         <p:spPr>
           <a:xfrm>
             <a:off x="0" y="0"/>
-            <a:ext cx="12191695" cy="73152"/>
+            <a:ext cx="12191695" cy="1005840"/>
           </a:xfrm>
           <a:prstGeom prst="rect">
             <a:avLst/>
           </a:prstGeom>
           <a:solidFill>
-            <a:srgbClr val="0096D6"/>
+            <a:srgbClr val="1B2A4A"/>
           </a:solidFill>
           <a:ln>
             <a:noFill/>
@@ -7757,8 +7048,8 @@
         </p:nvSpPr>
         <p:spPr>
           <a:xfrm>
-            <a:off x="731520" y="274320"/>
-            <a:ext cx="10728655" cy="822960"/>
+            <a:off x="731520" y="137160"/>
+            <a:ext cx="10698480" cy="731520"/>
           </a:xfrm>
           <a:prstGeom prst="rect">
             <a:avLst/>
@@ -7771,15 +7062,15 @@
           </a:bodyPr>
           <a:lstStyle/>
           <a:p>
-            <a:pPr algn="l">
-              <a:defRPr sz="3200" b="1">
-                <a:solidFill>
-                  <a:srgbClr val="1B2A4A"/>
-                </a:solidFill>
-              </a:defRPr>
-            </a:pPr>
-            <a:r>
-              <a:t>Agent Memory</a:t>
+            <a:pPr>
+              <a:defRPr sz="2800" b="1">
+                <a:solidFill>
+                  <a:srgbClr val="FFFFFF"/>
+                </a:solidFill>
+              </a:defRPr>
+            </a:pPr>
+            <a:r>
+              <a:t>Multi-Agent Orchestration</a:t>
             </a:r>
           </a:p>
         </p:txBody>
@@ -7792,8 +7083,8 @@
         </p:nvSpPr>
         <p:spPr>
           <a:xfrm>
-            <a:off x="914400" y="1280160"/>
-            <a:ext cx="10362895" cy="5029200"/>
+            <a:off x="731520" y="1280160"/>
+            <a:ext cx="10698480" cy="5029200"/>
           </a:xfrm>
           <a:prstGeom prst="rect">
             <a:avLst/>
@@ -7807,110 +7098,92 @@
           <a:lstStyle/>
           <a:p>
             <a:pPr>
-              <a:spcBef>
-                <a:spcPts val="400"/>
-              </a:spcBef>
               <a:spcAft>
-                <a:spcPts val="800"/>
+                <a:spcPts val="1000"/>
               </a:spcAft>
-              <a:defRPr sz="2000">
-                <a:solidFill>
-                  <a:srgbClr val="333333"/>
-                </a:solidFill>
-              </a:defRPr>
-            </a:pPr>
-            <a:r>
-              <a:t>Short-term: conversation history (messages array)</a:t>
+              <a:defRPr sz="2200">
+                <a:solidFill>
+                  <a:srgbClr val="222222"/>
+                </a:solidFill>
+              </a:defRPr>
+            </a:pPr>
+            <a:r>
+              <a:t>Multiple specialized agents working together</a:t>
             </a:r>
           </a:p>
           <a:p>
             <a:pPr>
-              <a:spcBef>
-                <a:spcPts val="400"/>
-              </a:spcBef>
               <a:spcAft>
-                <a:spcPts val="800"/>
+                <a:spcPts val="1000"/>
               </a:spcAft>
-              <a:defRPr sz="2000">
-                <a:solidFill>
-                  <a:srgbClr val="333333"/>
-                </a:solidFill>
-              </a:defRPr>
-            </a:pPr>
-            <a:r>
-              <a:t>Working memory: scratchpad / state within the graph</a:t>
+              <a:defRPr sz="2200">
+                <a:solidFill>
+                  <a:srgbClr val="222222"/>
+                </a:solidFill>
+              </a:defRPr>
+            </a:pPr>
+            <a:r>
+              <a:t>Patterns: supervisor, peer-to-peer, hierarchical</a:t>
             </a:r>
           </a:p>
           <a:p>
             <a:pPr>
-              <a:spcBef>
-                <a:spcPts val="400"/>
-              </a:spcBef>
               <a:spcAft>
-                <a:spcPts val="800"/>
+                <a:spcPts val="1000"/>
               </a:spcAft>
-              <a:defRPr sz="2000">
-                <a:solidFill>
-                  <a:srgbClr val="333333"/>
-                </a:solidFill>
-              </a:defRPr>
-            </a:pPr>
-            <a:r>
-              <a:t>Long-term: vector DB or structured storage across sessions</a:t>
+              <a:defRPr sz="2200">
+                <a:solidFill>
+                  <a:srgbClr val="222222"/>
+                </a:solidFill>
+              </a:defRPr>
+            </a:pPr>
+            <a:r>
+              <a:t>Example: researcher agent + writer agent + reviewer agent</a:t>
             </a:r>
           </a:p>
           <a:p>
             <a:pPr>
-              <a:spcBef>
-                <a:spcPts val="400"/>
-              </a:spcBef>
               <a:spcAft>
-                <a:spcPts val="800"/>
+                <a:spcPts val="1000"/>
               </a:spcAft>
-              <a:defRPr sz="2000">
-                <a:solidFill>
-                  <a:srgbClr val="333333"/>
-                </a:solidFill>
-              </a:defRPr>
-            </a:pPr>
-            <a:r>
-              <a:t>LangGraph: built-in checkpointing and state persistence</a:t>
+              <a:defRPr sz="2200">
+                <a:solidFill>
+                  <a:srgbClr val="222222"/>
+                </a:solidFill>
+              </a:defRPr>
+            </a:pPr>
+            <a:r>
+              <a:t>CrewAI: define roles, goals, backstories for each agent</a:t>
             </a:r>
           </a:p>
           <a:p>
             <a:pPr>
-              <a:spcBef>
-                <a:spcPts val="400"/>
-              </a:spcBef>
               <a:spcAft>
-                <a:spcPts val="800"/>
+                <a:spcPts val="1000"/>
               </a:spcAft>
-              <a:defRPr sz="2000">
-                <a:solidFill>
-                  <a:srgbClr val="333333"/>
-                </a:solidFill>
-              </a:defRPr>
-            </a:pPr>
-            <a:r>
-              <a:t>Challenge: what to remember vs. what to forget</a:t>
+              <a:defRPr sz="2200">
+                <a:solidFill>
+                  <a:srgbClr val="222222"/>
+                </a:solidFill>
+              </a:defRPr>
+            </a:pPr>
+            <a:r>
+              <a:t>LangGraph: explicit graph of agent handoffs</a:t>
             </a:r>
           </a:p>
           <a:p>
             <a:pPr>
-              <a:spcBef>
-                <a:spcPts val="400"/>
-              </a:spcBef>
               <a:spcAft>
-                <a:spcPts val="800"/>
+                <a:spcPts val="1000"/>
               </a:spcAft>
-              <a:defRPr sz="2000">
-                <a:solidFill>
-                  <a:srgbClr val="333333"/>
-                </a:solidFill>
-              </a:defRPr>
-            </a:pPr>
-            <a:r>
-              <a:t>Practical: most apps only need short-term + simple key-value</a:t>
+              <a:defRPr sz="2200">
+                <a:solidFill>
+                  <a:srgbClr val="222222"/>
+                </a:solidFill>
+              </a:defRPr>
+            </a:pPr>
+            <a:r>
+              <a:t>Challenge: coordination, context sharing, cost</a:t>
             </a:r>
           </a:p>
         </p:txBody>
